--- a/doc/Python 101.pptx
+++ b/doc/Python 101.pptx
@@ -5,7 +5,7 @@
     <p:sldMasterId id="2147483752" r:id="rId4"/>
   </p:sldMasterIdLst>
   <p:notesMasterIdLst>
-    <p:notesMasterId r:id="rId34"/>
+    <p:notesMasterId r:id="rId39"/>
   </p:notesMasterIdLst>
   <p:sldIdLst>
     <p:sldId id="256" r:id="rId5"/>
@@ -23,20 +23,25 @@
     <p:sldId id="275" r:id="rId17"/>
     <p:sldId id="276" r:id="rId18"/>
     <p:sldId id="367" r:id="rId19"/>
-    <p:sldId id="368" r:id="rId20"/>
-    <p:sldId id="305" r:id="rId21"/>
-    <p:sldId id="306" r:id="rId22"/>
-    <p:sldId id="308" r:id="rId23"/>
-    <p:sldId id="309" r:id="rId24"/>
-    <p:sldId id="310" r:id="rId25"/>
-    <p:sldId id="311" r:id="rId26"/>
-    <p:sldId id="312" r:id="rId27"/>
-    <p:sldId id="313" r:id="rId28"/>
-    <p:sldId id="314" r:id="rId29"/>
-    <p:sldId id="260" r:id="rId30"/>
-    <p:sldId id="295" r:id="rId31"/>
-    <p:sldId id="296" r:id="rId32"/>
-    <p:sldId id="307" r:id="rId33"/>
+    <p:sldId id="371" r:id="rId20"/>
+    <p:sldId id="372" r:id="rId21"/>
+    <p:sldId id="368" r:id="rId22"/>
+    <p:sldId id="305" r:id="rId23"/>
+    <p:sldId id="306" r:id="rId24"/>
+    <p:sldId id="375" r:id="rId25"/>
+    <p:sldId id="373" r:id="rId26"/>
+    <p:sldId id="374" r:id="rId27"/>
+    <p:sldId id="308" r:id="rId28"/>
+    <p:sldId id="309" r:id="rId29"/>
+    <p:sldId id="310" r:id="rId30"/>
+    <p:sldId id="311" r:id="rId31"/>
+    <p:sldId id="312" r:id="rId32"/>
+    <p:sldId id="313" r:id="rId33"/>
+    <p:sldId id="314" r:id="rId34"/>
+    <p:sldId id="260" r:id="rId35"/>
+    <p:sldId id="295" r:id="rId36"/>
+    <p:sldId id="296" r:id="rId37"/>
+    <p:sldId id="307" r:id="rId38"/>
   </p:sldIdLst>
   <p:sldSz cx="12192000" cy="6858000"/>
   <p:notesSz cx="6858000" cy="9144000"/>
@@ -146,7 +151,7 @@
 <file path=ppt/revisionInfo.xml><?xml version="1.0" encoding="utf-8"?>
 <p1510:revInfo xmlns:a="http://schemas.openxmlformats.org/drawingml/2006/main" xmlns:r="http://schemas.openxmlformats.org/officeDocument/2006/relationships" xmlns:p1510="http://schemas.microsoft.com/office/powerpoint/2015/10/main">
   <p1510:revLst>
-    <p1510:client id="{5C1706CD-7A73-4836-82E1-39EBD0936392}" v="17" dt="2021-11-28T18:39:40.281"/>
+    <p1510:client id="{5C1706CD-7A73-4836-82E1-39EBD0936392}" v="20" dt="2021-11-28T20:12:09.241"/>
   </p1510:revLst>
 </p1510:revInfo>
 </file>
@@ -7826,7 +7831,7 @@
           <p:cNvPr id="2" name="Titre 1">
             <a:extLst>
               <a:ext uri="{FF2B5EF4-FFF2-40B4-BE49-F238E27FC236}">
-                <a16:creationId xmlns:a16="http://schemas.microsoft.com/office/drawing/2014/main" id="{9E95F7EA-FF1E-419C-8F14-ADCDE07358DE}"/>
+                <a16:creationId xmlns:a16="http://schemas.microsoft.com/office/drawing/2014/main" id="{001B29CA-C491-44E1-872B-77FD83AD50EA}"/>
               </a:ext>
             </a:extLst>
           </p:cNvPr>
@@ -7844,52 +7849,92 @@
           <a:p>
             <a:r>
               <a:rPr lang="en-US" dirty="0"/>
-              <a:t>Next…</a:t>
+              <a:t>Visual Studio Code</a:t>
+            </a:r>
+            <a:br>
+              <a:rPr lang="en-US" dirty="0"/>
+            </a:br>
+            <a:r>
+              <a:rPr lang="en-US" dirty="0"/>
+              <a:t>Recommended editor for Python</a:t>
             </a:r>
           </a:p>
         </p:txBody>
       </p:sp>
       <p:sp>
         <p:nvSpPr>
-          <p:cNvPr id="3" name="Espace réservé du contenu 2">
-            <a:extLst>
-              <a:ext uri="{FF2B5EF4-FFF2-40B4-BE49-F238E27FC236}">
-                <a16:creationId xmlns:a16="http://schemas.microsoft.com/office/drawing/2014/main" id="{25995E1B-2FE7-4D8B-9417-B7D8F1FA496D}"/>
-              </a:ext>
-            </a:extLst>
-          </p:cNvPr>
-          <p:cNvSpPr>
-            <a:spLocks noGrp="1"/>
-          </p:cNvSpPr>
+          <p:cNvPr id="7" name="ZoneTexte 6">
+            <a:extLst>
+              <a:ext uri="{FF2B5EF4-FFF2-40B4-BE49-F238E27FC236}">
+                <a16:creationId xmlns:a16="http://schemas.microsoft.com/office/drawing/2014/main" id="{CD2146C3-CE5A-4BBA-B78A-379B7811F56B}"/>
+              </a:ext>
+            </a:extLst>
+          </p:cNvPr>
+          <p:cNvSpPr txBox="1"/>
+          <p:nvPr/>
+        </p:nvSpPr>
+        <p:spPr>
+          <a:xfrm>
+            <a:off x="4251986" y="6311900"/>
+            <a:ext cx="3624688" cy="369332"/>
+          </a:xfrm>
+          <a:prstGeom prst="rect">
+            <a:avLst/>
+          </a:prstGeom>
+          <a:noFill/>
+        </p:spPr>
+        <p:txBody>
+          <a:bodyPr wrap="square">
+            <a:spAutoFit/>
+          </a:bodyPr>
+          <a:lstStyle/>
+          <a:p>
+            <a:r>
+              <a:rPr lang="en-US" dirty="0">
+                <a:hlinkClick r:id="rId2"/>
+              </a:rPr>
+              <a:t>https://code.visualstudio.com/</a:t>
+            </a:r>
+            <a:r>
+              <a:rPr lang="en-US" dirty="0"/>
+              <a:t> </a:t>
+            </a:r>
+          </a:p>
+        </p:txBody>
+      </p:sp>
+      <p:pic>
+        <p:nvPicPr>
+          <p:cNvPr id="11" name="Espace réservé du contenu 10">
+            <a:extLst>
+              <a:ext uri="{FF2B5EF4-FFF2-40B4-BE49-F238E27FC236}">
+                <a16:creationId xmlns:a16="http://schemas.microsoft.com/office/drawing/2014/main" id="{74F712F5-5A7E-4E6A-8E8D-BF3DEA0936B5}"/>
+              </a:ext>
+            </a:extLst>
+          </p:cNvPr>
+          <p:cNvPicPr>
+            <a:picLocks noGrp="1" noChangeAspect="1"/>
+          </p:cNvPicPr>
           <p:nvPr>
             <p:ph idx="1"/>
           </p:nvPr>
-        </p:nvSpPr>
-        <p:spPr/>
-        <p:txBody>
-          <a:bodyPr/>
-          <a:lstStyle/>
-          <a:p>
-            <a:r>
-              <a:rPr lang="en-US" dirty="0"/>
-              <a:t>Plotting</a:t>
-            </a:r>
-          </a:p>
-          <a:p>
-            <a:r>
-              <a:rPr lang="en-US" dirty="0"/>
-              <a:t>Manage packages, Notebooks &amp; Environments</a:t>
-            </a:r>
-          </a:p>
-          <a:p>
-            <a:endParaRPr lang="en-US" dirty="0"/>
-          </a:p>
-        </p:txBody>
-      </p:sp>
+        </p:nvPicPr>
+        <p:blipFill>
+          <a:blip r:embed="rId3"/>
+          <a:stretch>
+            <a:fillRect/>
+          </a:stretch>
+        </p:blipFill>
+        <p:spPr>
+          <a:xfrm>
+            <a:off x="3195108" y="1825625"/>
+            <a:ext cx="5801784" cy="4351338"/>
+          </a:xfrm>
+        </p:spPr>
+      </p:pic>
     </p:spTree>
     <p:extLst>
       <p:ext uri="{BB962C8B-B14F-4D97-AF65-F5344CB8AC3E}">
-        <p14:creationId xmlns:p14="http://schemas.microsoft.com/office/powerpoint/2010/main" val="2861628768"/>
+        <p14:creationId xmlns:p14="http://schemas.microsoft.com/office/powerpoint/2010/main" val="567025025"/>
       </p:ext>
     </p:extLst>
   </p:cSld>
@@ -7921,7 +7966,7 @@
           <p:cNvPr id="2" name="Titre 1">
             <a:extLst>
               <a:ext uri="{FF2B5EF4-FFF2-40B4-BE49-F238E27FC236}">
-                <a16:creationId xmlns:a16="http://schemas.microsoft.com/office/drawing/2014/main" id="{FB2E9841-12CB-41A7-9521-1280ADEEE2E9}"/>
+                <a16:creationId xmlns:a16="http://schemas.microsoft.com/office/drawing/2014/main" id="{7AD3C0FE-2F39-4EEC-8FB6-2020948B1A42}"/>
               </a:ext>
             </a:extLst>
           </p:cNvPr>
@@ -7939,40 +7984,44 @@
           <a:p>
             <a:r>
               <a:rPr lang="en-US" dirty="0"/>
-              <a:t>Exercises</a:t>
+              <a:t>Notebook format for interactivity</a:t>
             </a:r>
           </a:p>
         </p:txBody>
       </p:sp>
-      <p:sp>
-        <p:nvSpPr>
-          <p:cNvPr id="3" name="Espace réservé du texte 2">
-            <a:extLst>
-              <a:ext uri="{FF2B5EF4-FFF2-40B4-BE49-F238E27FC236}">
-                <a16:creationId xmlns:a16="http://schemas.microsoft.com/office/drawing/2014/main" id="{377FAA63-4A0F-4454-B587-C744A639D378}"/>
-              </a:ext>
-            </a:extLst>
-          </p:cNvPr>
-          <p:cNvSpPr>
-            <a:spLocks noGrp="1"/>
-          </p:cNvSpPr>
+      <p:pic>
+        <p:nvPicPr>
+          <p:cNvPr id="5" name="Espace réservé du contenu 4">
+            <a:extLst>
+              <a:ext uri="{FF2B5EF4-FFF2-40B4-BE49-F238E27FC236}">
+                <a16:creationId xmlns:a16="http://schemas.microsoft.com/office/drawing/2014/main" id="{851D09A7-E32A-4483-AA3E-165E60DEACB9}"/>
+              </a:ext>
+            </a:extLst>
+          </p:cNvPr>
+          <p:cNvPicPr>
+            <a:picLocks noGrp="1" noChangeAspect="1"/>
+          </p:cNvPicPr>
           <p:nvPr>
-            <p:ph type="body" idx="1"/>
+            <p:ph idx="1"/>
           </p:nvPr>
-        </p:nvSpPr>
-        <p:spPr/>
-        <p:txBody>
-          <a:bodyPr/>
-          <a:lstStyle/>
-          <a:p>
-            <a:endParaRPr lang="en-US"/>
-          </a:p>
-        </p:txBody>
-      </p:sp>
+        </p:nvPicPr>
+        <p:blipFill>
+          <a:blip r:embed="rId2"/>
+          <a:stretch>
+            <a:fillRect/>
+          </a:stretch>
+        </p:blipFill>
+        <p:spPr>
+          <a:xfrm>
+            <a:off x="3195108" y="1825625"/>
+            <a:ext cx="5801784" cy="4351338"/>
+          </a:xfrm>
+        </p:spPr>
+      </p:pic>
     </p:spTree>
     <p:extLst>
       <p:ext uri="{BB962C8B-B14F-4D97-AF65-F5344CB8AC3E}">
-        <p14:creationId xmlns:p14="http://schemas.microsoft.com/office/powerpoint/2010/main" val="962521719"/>
+        <p14:creationId xmlns:p14="http://schemas.microsoft.com/office/powerpoint/2010/main" val="3146510202"/>
       </p:ext>
     </p:extLst>
   </p:cSld>
@@ -8004,6 +8053,341 @@
           <p:cNvPr id="2" name="Titre 1">
             <a:extLst>
               <a:ext uri="{FF2B5EF4-FFF2-40B4-BE49-F238E27FC236}">
+                <a16:creationId xmlns:a16="http://schemas.microsoft.com/office/drawing/2014/main" id="{9E95F7EA-FF1E-419C-8F14-ADCDE07358DE}"/>
+              </a:ext>
+            </a:extLst>
+          </p:cNvPr>
+          <p:cNvSpPr>
+            <a:spLocks noGrp="1"/>
+          </p:cNvSpPr>
+          <p:nvPr>
+            <p:ph type="title"/>
+          </p:nvPr>
+        </p:nvSpPr>
+        <p:spPr/>
+        <p:txBody>
+          <a:bodyPr/>
+          <a:lstStyle/>
+          <a:p>
+            <a:r>
+              <a:rPr lang="en-US" dirty="0"/>
+              <a:t>Next…</a:t>
+            </a:r>
+          </a:p>
+        </p:txBody>
+      </p:sp>
+      <p:sp>
+        <p:nvSpPr>
+          <p:cNvPr id="3" name="Espace réservé du contenu 2">
+            <a:extLst>
+              <a:ext uri="{FF2B5EF4-FFF2-40B4-BE49-F238E27FC236}">
+                <a16:creationId xmlns:a16="http://schemas.microsoft.com/office/drawing/2014/main" id="{25995E1B-2FE7-4D8B-9417-B7D8F1FA496D}"/>
+              </a:ext>
+            </a:extLst>
+          </p:cNvPr>
+          <p:cNvSpPr>
+            <a:spLocks noGrp="1"/>
+          </p:cNvSpPr>
+          <p:nvPr>
+            <p:ph idx="1"/>
+          </p:nvPr>
+        </p:nvSpPr>
+        <p:spPr/>
+        <p:txBody>
+          <a:bodyPr/>
+          <a:lstStyle/>
+          <a:p>
+            <a:r>
+              <a:rPr lang="en-US" dirty="0"/>
+              <a:t>Plotting</a:t>
+            </a:r>
+          </a:p>
+          <a:p>
+            <a:r>
+              <a:rPr lang="en-US" dirty="0"/>
+              <a:t>Manage packages, Notebooks &amp; Environments</a:t>
+            </a:r>
+          </a:p>
+          <a:p>
+            <a:endParaRPr lang="en-US" dirty="0"/>
+          </a:p>
+        </p:txBody>
+      </p:sp>
+    </p:spTree>
+    <p:extLst>
+      <p:ext uri="{BB962C8B-B14F-4D97-AF65-F5344CB8AC3E}">
+        <p14:creationId xmlns:p14="http://schemas.microsoft.com/office/powerpoint/2010/main" val="2861628768"/>
+      </p:ext>
+    </p:extLst>
+  </p:cSld>
+  <p:clrMapOvr>
+    <a:masterClrMapping/>
+  </p:clrMapOvr>
+</p:sld>
+</file>
+
+<file path=ppt/slides/slide19.xml><?xml version="1.0" encoding="utf-8"?>
+<p:sld xmlns:a="http://schemas.openxmlformats.org/drawingml/2006/main" xmlns:r="http://schemas.openxmlformats.org/officeDocument/2006/relationships" xmlns:p="http://schemas.openxmlformats.org/presentationml/2006/main">
+  <p:cSld>
+    <p:spTree>
+      <p:nvGrpSpPr>
+        <p:cNvPr id="1" name=""/>
+        <p:cNvGrpSpPr/>
+        <p:nvPr/>
+      </p:nvGrpSpPr>
+      <p:grpSpPr>
+        <a:xfrm>
+          <a:off x="0" y="0"/>
+          <a:ext cx="0" cy="0"/>
+          <a:chOff x="0" y="0"/>
+          <a:chExt cx="0" cy="0"/>
+        </a:xfrm>
+      </p:grpSpPr>
+      <p:sp>
+        <p:nvSpPr>
+          <p:cNvPr id="2" name="Titre 1">
+            <a:extLst>
+              <a:ext uri="{FF2B5EF4-FFF2-40B4-BE49-F238E27FC236}">
+                <a16:creationId xmlns:a16="http://schemas.microsoft.com/office/drawing/2014/main" id="{FB2E9841-12CB-41A7-9521-1280ADEEE2E9}"/>
+              </a:ext>
+            </a:extLst>
+          </p:cNvPr>
+          <p:cNvSpPr>
+            <a:spLocks noGrp="1"/>
+          </p:cNvSpPr>
+          <p:nvPr>
+            <p:ph type="title"/>
+          </p:nvPr>
+        </p:nvSpPr>
+        <p:spPr/>
+        <p:txBody>
+          <a:bodyPr/>
+          <a:lstStyle/>
+          <a:p>
+            <a:r>
+              <a:rPr lang="en-US" dirty="0"/>
+              <a:t>Exercises</a:t>
+            </a:r>
+          </a:p>
+        </p:txBody>
+      </p:sp>
+      <p:sp>
+        <p:nvSpPr>
+          <p:cNvPr id="3" name="Espace réservé du texte 2">
+            <a:extLst>
+              <a:ext uri="{FF2B5EF4-FFF2-40B4-BE49-F238E27FC236}">
+                <a16:creationId xmlns:a16="http://schemas.microsoft.com/office/drawing/2014/main" id="{377FAA63-4A0F-4454-B587-C744A639D378}"/>
+              </a:ext>
+            </a:extLst>
+          </p:cNvPr>
+          <p:cNvSpPr>
+            <a:spLocks noGrp="1"/>
+          </p:cNvSpPr>
+          <p:nvPr>
+            <p:ph type="body" idx="1"/>
+          </p:nvPr>
+        </p:nvSpPr>
+        <p:spPr/>
+        <p:txBody>
+          <a:bodyPr/>
+          <a:lstStyle/>
+          <a:p>
+            <a:endParaRPr lang="en-US"/>
+          </a:p>
+        </p:txBody>
+      </p:sp>
+    </p:spTree>
+    <p:extLst>
+      <p:ext uri="{BB962C8B-B14F-4D97-AF65-F5344CB8AC3E}">
+        <p14:creationId xmlns:p14="http://schemas.microsoft.com/office/powerpoint/2010/main" val="962521719"/>
+      </p:ext>
+    </p:extLst>
+  </p:cSld>
+  <p:clrMapOvr>
+    <a:masterClrMapping/>
+  </p:clrMapOvr>
+</p:sld>
+</file>
+
+<file path=ppt/slides/slide2.xml><?xml version="1.0" encoding="utf-8"?>
+<p:sld xmlns:a="http://schemas.openxmlformats.org/drawingml/2006/main" xmlns:r="http://schemas.openxmlformats.org/officeDocument/2006/relationships" xmlns:p="http://schemas.openxmlformats.org/presentationml/2006/main">
+  <p:cSld>
+    <p:spTree>
+      <p:nvGrpSpPr>
+        <p:cNvPr id="1" name=""/>
+        <p:cNvGrpSpPr/>
+        <p:nvPr/>
+      </p:nvGrpSpPr>
+      <p:grpSpPr>
+        <a:xfrm>
+          <a:off x="0" y="0"/>
+          <a:ext cx="0" cy="0"/>
+          <a:chOff x="0" y="0"/>
+          <a:chExt cx="0" cy="0"/>
+        </a:xfrm>
+      </p:grpSpPr>
+      <p:sp>
+        <p:nvSpPr>
+          <p:cNvPr id="2" name="Titre 1">
+            <a:extLst>
+              <a:ext uri="{FF2B5EF4-FFF2-40B4-BE49-F238E27FC236}">
+                <a16:creationId xmlns:a16="http://schemas.microsoft.com/office/drawing/2014/main" id="{48F92182-19D0-4FE4-99B4-819D2D48C63E}"/>
+              </a:ext>
+            </a:extLst>
+          </p:cNvPr>
+          <p:cNvSpPr>
+            <a:spLocks noGrp="1"/>
+          </p:cNvSpPr>
+          <p:nvPr>
+            <p:ph type="title"/>
+          </p:nvPr>
+        </p:nvSpPr>
+        <p:spPr/>
+        <p:txBody>
+          <a:bodyPr/>
+          <a:lstStyle/>
+          <a:p>
+            <a:r>
+              <a:rPr lang="en-US" dirty="0"/>
+              <a:t>Plan</a:t>
+            </a:r>
+          </a:p>
+        </p:txBody>
+      </p:sp>
+      <p:sp>
+        <p:nvSpPr>
+          <p:cNvPr id="3" name="Espace réservé du contenu 2">
+            <a:extLst>
+              <a:ext uri="{FF2B5EF4-FFF2-40B4-BE49-F238E27FC236}">
+                <a16:creationId xmlns:a16="http://schemas.microsoft.com/office/drawing/2014/main" id="{7654CA66-18E3-4E10-84C7-E9F5F4DB0E6B}"/>
+              </a:ext>
+            </a:extLst>
+          </p:cNvPr>
+          <p:cNvSpPr>
+            <a:spLocks noGrp="1"/>
+          </p:cNvSpPr>
+          <p:nvPr>
+            <p:ph idx="1"/>
+          </p:nvPr>
+        </p:nvSpPr>
+        <p:spPr/>
+        <p:txBody>
+          <a:bodyPr/>
+          <a:lstStyle/>
+          <a:p>
+            <a:pPr marL="514350" indent="-514350">
+              <a:buFont typeface="+mj-lt"/>
+              <a:buAutoNum type="arabicPeriod"/>
+            </a:pPr>
+            <a:r>
+              <a:rPr lang="en-US" dirty="0"/>
+              <a:t>Datatypes (</a:t>
+            </a:r>
+            <a:r>
+              <a:rPr lang="en-US" dirty="0" err="1"/>
+              <a:t>numerics</a:t>
+            </a:r>
+            <a:r>
+              <a:rPr lang="en-US" dirty="0"/>
+              <a:t>, string, list, </a:t>
+            </a:r>
+            <a:r>
+              <a:rPr lang="en-US" dirty="0" err="1"/>
+              <a:t>dict</a:t>
+            </a:r>
+            <a:r>
+              <a:rPr lang="en-US" dirty="0"/>
+              <a:t>)</a:t>
+            </a:r>
+          </a:p>
+          <a:p>
+            <a:pPr marL="514350" indent="-514350">
+              <a:buFont typeface="+mj-lt"/>
+              <a:buAutoNum type="arabicPeriod"/>
+            </a:pPr>
+            <a:r>
+              <a:rPr lang="en-US" dirty="0"/>
+              <a:t>Loops , Conditions, Functions</a:t>
+            </a:r>
+          </a:p>
+          <a:p>
+            <a:pPr marL="514350" indent="-514350">
+              <a:buFont typeface="+mj-lt"/>
+              <a:buAutoNum type="arabicPeriod"/>
+            </a:pPr>
+            <a:r>
+              <a:rPr lang="en-US" dirty="0"/>
+              <a:t>Import/export data from files</a:t>
+            </a:r>
+          </a:p>
+        </p:txBody>
+      </p:sp>
+      <p:pic>
+        <p:nvPicPr>
+          <p:cNvPr id="5" name="Image 4">
+            <a:hlinkClick r:id="rId2"/>
+            <a:extLst>
+              <a:ext uri="{FF2B5EF4-FFF2-40B4-BE49-F238E27FC236}">
+                <a16:creationId xmlns:a16="http://schemas.microsoft.com/office/drawing/2014/main" id="{9FCD0C48-00CB-43DE-AB56-7C210914A30E}"/>
+              </a:ext>
+            </a:extLst>
+          </p:cNvPr>
+          <p:cNvPicPr>
+            <a:picLocks noChangeAspect="1"/>
+          </p:cNvPicPr>
+          <p:nvPr/>
+        </p:nvPicPr>
+        <p:blipFill>
+          <a:blip r:embed="rId3"/>
+          <a:stretch>
+            <a:fillRect/>
+          </a:stretch>
+        </p:blipFill>
+        <p:spPr>
+          <a:xfrm>
+            <a:off x="1913404" y="4330423"/>
+            <a:ext cx="8878539" cy="1981477"/>
+          </a:xfrm>
+          <a:prstGeom prst="rect">
+            <a:avLst/>
+          </a:prstGeom>
+        </p:spPr>
+      </p:pic>
+    </p:spTree>
+    <p:extLst>
+      <p:ext uri="{BB962C8B-B14F-4D97-AF65-F5344CB8AC3E}">
+        <p14:creationId xmlns:p14="http://schemas.microsoft.com/office/powerpoint/2010/main" val="2569639587"/>
+      </p:ext>
+    </p:extLst>
+  </p:cSld>
+  <p:clrMapOvr>
+    <a:masterClrMapping/>
+  </p:clrMapOvr>
+</p:sld>
+</file>
+
+<file path=ppt/slides/slide20.xml><?xml version="1.0" encoding="utf-8"?>
+<p:sld xmlns:a="http://schemas.openxmlformats.org/drawingml/2006/main" xmlns:r="http://schemas.openxmlformats.org/officeDocument/2006/relationships" xmlns:p="http://schemas.openxmlformats.org/presentationml/2006/main">
+  <p:cSld>
+    <p:spTree>
+      <p:nvGrpSpPr>
+        <p:cNvPr id="1" name=""/>
+        <p:cNvGrpSpPr/>
+        <p:nvPr/>
+      </p:nvGrpSpPr>
+      <p:grpSpPr>
+        <a:xfrm>
+          <a:off x="0" y="0"/>
+          <a:ext cx="0" cy="0"/>
+          <a:chOff x="0" y="0"/>
+          <a:chExt cx="0" cy="0"/>
+        </a:xfrm>
+      </p:grpSpPr>
+      <p:sp>
+        <p:nvSpPr>
+          <p:cNvPr id="2" name="Titre 1">
+            <a:extLst>
+              <a:ext uri="{FF2B5EF4-FFF2-40B4-BE49-F238E27FC236}">
                 <a16:creationId xmlns:a16="http://schemas.microsoft.com/office/drawing/2014/main" id="{A52BCA40-2E65-4EF6-B0AB-C558B93FA292}"/>
               </a:ext>
             </a:extLst>
@@ -8119,7 +8503,371 @@
 </p:sld>
 </file>
 
-<file path=ppt/slides/slide19.xml><?xml version="1.0" encoding="utf-8"?>
+<file path=ppt/slides/slide21.xml><?xml version="1.0" encoding="utf-8"?>
+<p:sld xmlns:a="http://schemas.openxmlformats.org/drawingml/2006/main" xmlns:r="http://schemas.openxmlformats.org/officeDocument/2006/relationships" xmlns:p="http://schemas.openxmlformats.org/presentationml/2006/main">
+  <p:cSld>
+    <p:spTree>
+      <p:nvGrpSpPr>
+        <p:cNvPr id="1" name=""/>
+        <p:cNvGrpSpPr/>
+        <p:nvPr/>
+      </p:nvGrpSpPr>
+      <p:grpSpPr>
+        <a:xfrm>
+          <a:off x="0" y="0"/>
+          <a:ext cx="0" cy="0"/>
+          <a:chOff x="0" y="0"/>
+          <a:chExt cx="0" cy="0"/>
+        </a:xfrm>
+      </p:grpSpPr>
+      <p:sp>
+        <p:nvSpPr>
+          <p:cNvPr id="2" name="Titre 1">
+            <a:extLst>
+              <a:ext uri="{FF2B5EF4-FFF2-40B4-BE49-F238E27FC236}">
+                <a16:creationId xmlns:a16="http://schemas.microsoft.com/office/drawing/2014/main" id="{1F97B467-781A-4887-B607-122EC07B0F94}"/>
+              </a:ext>
+            </a:extLst>
+          </p:cNvPr>
+          <p:cNvSpPr>
+            <a:spLocks noGrp="1"/>
+          </p:cNvSpPr>
+          <p:nvPr>
+            <p:ph type="title"/>
+          </p:nvPr>
+        </p:nvSpPr>
+        <p:spPr/>
+        <p:txBody>
+          <a:bodyPr/>
+          <a:lstStyle/>
+          <a:p>
+            <a:r>
+              <a:rPr lang="en-US" dirty="0"/>
+              <a:t>Immo.py</a:t>
+            </a:r>
+          </a:p>
+        </p:txBody>
+      </p:sp>
+      <p:pic>
+        <p:nvPicPr>
+          <p:cNvPr id="5" name="Espace réservé du contenu 4">
+            <a:extLst>
+              <a:ext uri="{FF2B5EF4-FFF2-40B4-BE49-F238E27FC236}">
+                <a16:creationId xmlns:a16="http://schemas.microsoft.com/office/drawing/2014/main" id="{F8C652BE-51B6-4DD3-9511-936221D32AE6}"/>
+              </a:ext>
+            </a:extLst>
+          </p:cNvPr>
+          <p:cNvPicPr>
+            <a:picLocks noGrp="1" noChangeAspect="1"/>
+          </p:cNvPicPr>
+          <p:nvPr>
+            <p:ph idx="1"/>
+          </p:nvPr>
+        </p:nvPicPr>
+        <p:blipFill>
+          <a:blip r:embed="rId2"/>
+          <a:stretch>
+            <a:fillRect/>
+          </a:stretch>
+        </p:blipFill>
+        <p:spPr>
+          <a:xfrm>
+            <a:off x="838200" y="1769478"/>
+            <a:ext cx="8780518" cy="4351338"/>
+          </a:xfrm>
+        </p:spPr>
+      </p:pic>
+      <p:sp>
+        <p:nvSpPr>
+          <p:cNvPr id="7" name="ZoneTexte 6">
+            <a:extLst>
+              <a:ext uri="{FF2B5EF4-FFF2-40B4-BE49-F238E27FC236}">
+                <a16:creationId xmlns:a16="http://schemas.microsoft.com/office/drawing/2014/main" id="{36980095-B812-4D20-BE1F-19A726C39C20}"/>
+              </a:ext>
+            </a:extLst>
+          </p:cNvPr>
+          <p:cNvSpPr txBox="1"/>
+          <p:nvPr/>
+        </p:nvSpPr>
+        <p:spPr>
+          <a:xfrm>
+            <a:off x="1564105" y="6199606"/>
+            <a:ext cx="7501160" cy="369332"/>
+          </a:xfrm>
+          <a:prstGeom prst="rect">
+            <a:avLst/>
+          </a:prstGeom>
+          <a:noFill/>
+        </p:spPr>
+        <p:txBody>
+          <a:bodyPr wrap="square">
+            <a:spAutoFit/>
+          </a:bodyPr>
+          <a:lstStyle/>
+          <a:p>
+            <a:r>
+              <a:rPr lang="en-US" dirty="0">
+                <a:hlinkClick r:id="rId3"/>
+              </a:rPr>
+              <a:t>https://gist.github.com/slevin48/05c0d4f348f0f10870a0fa721cfcb1b1</a:t>
+            </a:r>
+            <a:r>
+              <a:rPr lang="en-US" dirty="0"/>
+              <a:t> </a:t>
+            </a:r>
+          </a:p>
+        </p:txBody>
+      </p:sp>
+    </p:spTree>
+    <p:extLst>
+      <p:ext uri="{BB962C8B-B14F-4D97-AF65-F5344CB8AC3E}">
+        <p14:creationId xmlns:p14="http://schemas.microsoft.com/office/powerpoint/2010/main" val="3977779073"/>
+      </p:ext>
+    </p:extLst>
+  </p:cSld>
+  <p:clrMapOvr>
+    <a:masterClrMapping/>
+  </p:clrMapOvr>
+</p:sld>
+</file>
+
+<file path=ppt/slides/slide22.xml><?xml version="1.0" encoding="utf-8"?>
+<p:sld xmlns:a="http://schemas.openxmlformats.org/drawingml/2006/main" xmlns:r="http://schemas.openxmlformats.org/officeDocument/2006/relationships" xmlns:p="http://schemas.openxmlformats.org/presentationml/2006/main">
+  <p:cSld>
+    <p:spTree>
+      <p:nvGrpSpPr>
+        <p:cNvPr id="1" name=""/>
+        <p:cNvGrpSpPr/>
+        <p:nvPr/>
+      </p:nvGrpSpPr>
+      <p:grpSpPr>
+        <a:xfrm>
+          <a:off x="0" y="0"/>
+          <a:ext cx="0" cy="0"/>
+          <a:chOff x="0" y="0"/>
+          <a:chExt cx="0" cy="0"/>
+        </a:xfrm>
+      </p:grpSpPr>
+      <p:sp>
+        <p:nvSpPr>
+          <p:cNvPr id="2" name="Titre 1">
+            <a:extLst>
+              <a:ext uri="{FF2B5EF4-FFF2-40B4-BE49-F238E27FC236}">
+                <a16:creationId xmlns:a16="http://schemas.microsoft.com/office/drawing/2014/main" id="{A6168C07-C842-47BA-94F6-3B44915A2F89}"/>
+              </a:ext>
+            </a:extLst>
+          </p:cNvPr>
+          <p:cNvSpPr>
+            <a:spLocks noGrp="1"/>
+          </p:cNvSpPr>
+          <p:nvPr>
+            <p:ph type="title"/>
+          </p:nvPr>
+        </p:nvSpPr>
+        <p:spPr/>
+        <p:txBody>
+          <a:bodyPr/>
+          <a:lstStyle/>
+          <a:p>
+            <a:r>
+              <a:rPr lang="en-US" dirty="0"/>
+              <a:t>Immo.py</a:t>
+            </a:r>
+          </a:p>
+        </p:txBody>
+      </p:sp>
+      <p:pic>
+        <p:nvPicPr>
+          <p:cNvPr id="7" name="Image 6">
+            <a:extLst>
+              <a:ext uri="{FF2B5EF4-FFF2-40B4-BE49-F238E27FC236}">
+                <a16:creationId xmlns:a16="http://schemas.microsoft.com/office/drawing/2014/main" id="{DDB3E1DD-BF11-4E1A-9A59-8B73C7E6B4F5}"/>
+              </a:ext>
+            </a:extLst>
+          </p:cNvPr>
+          <p:cNvPicPr>
+            <a:picLocks noChangeAspect="1"/>
+          </p:cNvPicPr>
+          <p:nvPr/>
+        </p:nvPicPr>
+        <p:blipFill>
+          <a:blip r:embed="rId2"/>
+          <a:stretch>
+            <a:fillRect/>
+          </a:stretch>
+        </p:blipFill>
+        <p:spPr>
+          <a:xfrm>
+            <a:off x="838200" y="1825625"/>
+            <a:ext cx="8573243" cy="1711606"/>
+          </a:xfrm>
+          <a:prstGeom prst="rect">
+            <a:avLst/>
+          </a:prstGeom>
+        </p:spPr>
+      </p:pic>
+      <p:pic>
+        <p:nvPicPr>
+          <p:cNvPr id="9" name="Image 8">
+            <a:extLst>
+              <a:ext uri="{FF2B5EF4-FFF2-40B4-BE49-F238E27FC236}">
+                <a16:creationId xmlns:a16="http://schemas.microsoft.com/office/drawing/2014/main" id="{D18BDF14-5B28-4341-BA32-3B2BB810DAE4}"/>
+              </a:ext>
+            </a:extLst>
+          </p:cNvPr>
+          <p:cNvPicPr>
+            <a:picLocks noChangeAspect="1"/>
+          </p:cNvPicPr>
+          <p:nvPr/>
+        </p:nvPicPr>
+        <p:blipFill>
+          <a:blip r:embed="rId3"/>
+          <a:stretch>
+            <a:fillRect/>
+          </a:stretch>
+        </p:blipFill>
+        <p:spPr>
+          <a:xfrm>
+            <a:off x="838200" y="3834844"/>
+            <a:ext cx="8573243" cy="2044506"/>
+          </a:xfrm>
+          <a:prstGeom prst="rect">
+            <a:avLst/>
+          </a:prstGeom>
+        </p:spPr>
+      </p:pic>
+    </p:spTree>
+    <p:extLst>
+      <p:ext uri="{BB962C8B-B14F-4D97-AF65-F5344CB8AC3E}">
+        <p14:creationId xmlns:p14="http://schemas.microsoft.com/office/powerpoint/2010/main" val="2966010409"/>
+      </p:ext>
+    </p:extLst>
+  </p:cSld>
+  <p:clrMapOvr>
+    <a:masterClrMapping/>
+  </p:clrMapOvr>
+</p:sld>
+</file>
+
+<file path=ppt/slides/slide23.xml><?xml version="1.0" encoding="utf-8"?>
+<p:sld xmlns:a="http://schemas.openxmlformats.org/drawingml/2006/main" xmlns:r="http://schemas.openxmlformats.org/officeDocument/2006/relationships" xmlns:p="http://schemas.openxmlformats.org/presentationml/2006/main">
+  <p:cSld>
+    <p:spTree>
+      <p:nvGrpSpPr>
+        <p:cNvPr id="1" name=""/>
+        <p:cNvGrpSpPr/>
+        <p:nvPr/>
+      </p:nvGrpSpPr>
+      <p:grpSpPr>
+        <a:xfrm>
+          <a:off x="0" y="0"/>
+          <a:ext cx="0" cy="0"/>
+          <a:chOff x="0" y="0"/>
+          <a:chExt cx="0" cy="0"/>
+        </a:xfrm>
+      </p:grpSpPr>
+      <p:sp>
+        <p:nvSpPr>
+          <p:cNvPr id="2" name="Titre 1">
+            <a:extLst>
+              <a:ext uri="{FF2B5EF4-FFF2-40B4-BE49-F238E27FC236}">
+                <a16:creationId xmlns:a16="http://schemas.microsoft.com/office/drawing/2014/main" id="{8631E538-89DD-4666-BC9D-002A6ECE1E86}"/>
+              </a:ext>
+            </a:extLst>
+          </p:cNvPr>
+          <p:cNvSpPr>
+            <a:spLocks noGrp="1"/>
+          </p:cNvSpPr>
+          <p:nvPr>
+            <p:ph type="title"/>
+          </p:nvPr>
+        </p:nvSpPr>
+        <p:spPr/>
+        <p:txBody>
+          <a:bodyPr/>
+          <a:lstStyle/>
+          <a:p>
+            <a:r>
+              <a:rPr lang="en-US" dirty="0"/>
+              <a:t>Immo.py</a:t>
+            </a:r>
+          </a:p>
+        </p:txBody>
+      </p:sp>
+      <p:pic>
+        <p:nvPicPr>
+          <p:cNvPr id="6" name="Image 5">
+            <a:extLst>
+              <a:ext uri="{FF2B5EF4-FFF2-40B4-BE49-F238E27FC236}">
+                <a16:creationId xmlns:a16="http://schemas.microsoft.com/office/drawing/2014/main" id="{53E8F8E0-8A0C-4816-90CE-2F746AB08CDB}"/>
+              </a:ext>
+            </a:extLst>
+          </p:cNvPr>
+          <p:cNvPicPr>
+            <a:picLocks noChangeAspect="1"/>
+          </p:cNvPicPr>
+          <p:nvPr/>
+        </p:nvPicPr>
+        <p:blipFill>
+          <a:blip r:embed="rId2"/>
+          <a:stretch>
+            <a:fillRect/>
+          </a:stretch>
+        </p:blipFill>
+        <p:spPr>
+          <a:xfrm>
+            <a:off x="838200" y="1825625"/>
+            <a:ext cx="8573243" cy="2377646"/>
+          </a:xfrm>
+          <a:prstGeom prst="rect">
+            <a:avLst/>
+          </a:prstGeom>
+        </p:spPr>
+      </p:pic>
+      <p:pic>
+        <p:nvPicPr>
+          <p:cNvPr id="8" name="Image 7">
+            <a:extLst>
+              <a:ext uri="{FF2B5EF4-FFF2-40B4-BE49-F238E27FC236}">
+                <a16:creationId xmlns:a16="http://schemas.microsoft.com/office/drawing/2014/main" id="{DCD881C9-7760-4C93-A9C2-9BF58CDB6B1C}"/>
+              </a:ext>
+            </a:extLst>
+          </p:cNvPr>
+          <p:cNvPicPr>
+            <a:picLocks noChangeAspect="1"/>
+          </p:cNvPicPr>
+          <p:nvPr/>
+        </p:nvPicPr>
+        <p:blipFill>
+          <a:blip r:embed="rId3"/>
+          <a:stretch>
+            <a:fillRect/>
+          </a:stretch>
+        </p:blipFill>
+        <p:spPr>
+          <a:xfrm>
+            <a:off x="838200" y="4001294"/>
+            <a:ext cx="8573243" cy="2251713"/>
+          </a:xfrm>
+          <a:prstGeom prst="rect">
+            <a:avLst/>
+          </a:prstGeom>
+        </p:spPr>
+      </p:pic>
+    </p:spTree>
+    <p:extLst>
+      <p:ext uri="{BB962C8B-B14F-4D97-AF65-F5344CB8AC3E}">
+        <p14:creationId xmlns:p14="http://schemas.microsoft.com/office/powerpoint/2010/main" val="1961295858"/>
+      </p:ext>
+    </p:extLst>
+  </p:cSld>
+  <p:clrMapOvr>
+    <a:masterClrMapping/>
+  </p:clrMapOvr>
+</p:sld>
+</file>
+
+<file path=ppt/slides/slide24.xml><?xml version="1.0" encoding="utf-8"?>
 <p:sld xmlns:a="http://schemas.openxmlformats.org/drawingml/2006/main" xmlns:r="http://schemas.openxmlformats.org/officeDocument/2006/relationships" xmlns:p="http://schemas.openxmlformats.org/presentationml/2006/main">
   <p:cSld>
     <p:spTree>
@@ -8335,2885 +9083,6 @@
 </p:sld>
 </file>
 
-<file path=ppt/slides/slide2.xml><?xml version="1.0" encoding="utf-8"?>
-<p:sld xmlns:a="http://schemas.openxmlformats.org/drawingml/2006/main" xmlns:r="http://schemas.openxmlformats.org/officeDocument/2006/relationships" xmlns:p="http://schemas.openxmlformats.org/presentationml/2006/main">
-  <p:cSld>
-    <p:spTree>
-      <p:nvGrpSpPr>
-        <p:cNvPr id="1" name=""/>
-        <p:cNvGrpSpPr/>
-        <p:nvPr/>
-      </p:nvGrpSpPr>
-      <p:grpSpPr>
-        <a:xfrm>
-          <a:off x="0" y="0"/>
-          <a:ext cx="0" cy="0"/>
-          <a:chOff x="0" y="0"/>
-          <a:chExt cx="0" cy="0"/>
-        </a:xfrm>
-      </p:grpSpPr>
-      <p:sp>
-        <p:nvSpPr>
-          <p:cNvPr id="2" name="Titre 1">
-            <a:extLst>
-              <a:ext uri="{FF2B5EF4-FFF2-40B4-BE49-F238E27FC236}">
-                <a16:creationId xmlns:a16="http://schemas.microsoft.com/office/drawing/2014/main" id="{48F92182-19D0-4FE4-99B4-819D2D48C63E}"/>
-              </a:ext>
-            </a:extLst>
-          </p:cNvPr>
-          <p:cNvSpPr>
-            <a:spLocks noGrp="1"/>
-          </p:cNvSpPr>
-          <p:nvPr>
-            <p:ph type="title"/>
-          </p:nvPr>
-        </p:nvSpPr>
-        <p:spPr/>
-        <p:txBody>
-          <a:bodyPr/>
-          <a:lstStyle/>
-          <a:p>
-            <a:r>
-              <a:rPr lang="en-US" dirty="0"/>
-              <a:t>Plan</a:t>
-            </a:r>
-          </a:p>
-        </p:txBody>
-      </p:sp>
-      <p:sp>
-        <p:nvSpPr>
-          <p:cNvPr id="3" name="Espace réservé du contenu 2">
-            <a:extLst>
-              <a:ext uri="{FF2B5EF4-FFF2-40B4-BE49-F238E27FC236}">
-                <a16:creationId xmlns:a16="http://schemas.microsoft.com/office/drawing/2014/main" id="{7654CA66-18E3-4E10-84C7-E9F5F4DB0E6B}"/>
-              </a:ext>
-            </a:extLst>
-          </p:cNvPr>
-          <p:cNvSpPr>
-            <a:spLocks noGrp="1"/>
-          </p:cNvSpPr>
-          <p:nvPr>
-            <p:ph idx="1"/>
-          </p:nvPr>
-        </p:nvSpPr>
-        <p:spPr/>
-        <p:txBody>
-          <a:bodyPr/>
-          <a:lstStyle/>
-          <a:p>
-            <a:pPr marL="514350" indent="-514350">
-              <a:buFont typeface="+mj-lt"/>
-              <a:buAutoNum type="arabicPeriod"/>
-            </a:pPr>
-            <a:r>
-              <a:rPr lang="en-US" dirty="0"/>
-              <a:t>Datatypes (</a:t>
-            </a:r>
-            <a:r>
-              <a:rPr lang="en-US" dirty="0" err="1"/>
-              <a:t>numerics</a:t>
-            </a:r>
-            <a:r>
-              <a:rPr lang="en-US" dirty="0"/>
-              <a:t>, string, list, </a:t>
-            </a:r>
-            <a:r>
-              <a:rPr lang="en-US" dirty="0" err="1"/>
-              <a:t>dict</a:t>
-            </a:r>
-            <a:r>
-              <a:rPr lang="en-US" dirty="0"/>
-              <a:t>)</a:t>
-            </a:r>
-          </a:p>
-          <a:p>
-            <a:pPr marL="514350" indent="-514350">
-              <a:buFont typeface="+mj-lt"/>
-              <a:buAutoNum type="arabicPeriod"/>
-            </a:pPr>
-            <a:r>
-              <a:rPr lang="en-US" dirty="0"/>
-              <a:t>Loops , Conditions, Functions</a:t>
-            </a:r>
-          </a:p>
-          <a:p>
-            <a:pPr marL="514350" indent="-514350">
-              <a:buFont typeface="+mj-lt"/>
-              <a:buAutoNum type="arabicPeriod"/>
-            </a:pPr>
-            <a:r>
-              <a:rPr lang="en-US" dirty="0"/>
-              <a:t>Import/export data from files</a:t>
-            </a:r>
-          </a:p>
-        </p:txBody>
-      </p:sp>
-      <p:pic>
-        <p:nvPicPr>
-          <p:cNvPr id="5" name="Image 4">
-            <a:hlinkClick r:id="rId2"/>
-            <a:extLst>
-              <a:ext uri="{FF2B5EF4-FFF2-40B4-BE49-F238E27FC236}">
-                <a16:creationId xmlns:a16="http://schemas.microsoft.com/office/drawing/2014/main" id="{9FCD0C48-00CB-43DE-AB56-7C210914A30E}"/>
-              </a:ext>
-            </a:extLst>
-          </p:cNvPr>
-          <p:cNvPicPr>
-            <a:picLocks noChangeAspect="1"/>
-          </p:cNvPicPr>
-          <p:nvPr/>
-        </p:nvPicPr>
-        <p:blipFill>
-          <a:blip r:embed="rId3"/>
-          <a:stretch>
-            <a:fillRect/>
-          </a:stretch>
-        </p:blipFill>
-        <p:spPr>
-          <a:xfrm>
-            <a:off x="1913404" y="4330423"/>
-            <a:ext cx="8878539" cy="1981477"/>
-          </a:xfrm>
-          <a:prstGeom prst="rect">
-            <a:avLst/>
-          </a:prstGeom>
-        </p:spPr>
-      </p:pic>
-    </p:spTree>
-    <p:extLst>
-      <p:ext uri="{BB962C8B-B14F-4D97-AF65-F5344CB8AC3E}">
-        <p14:creationId xmlns:p14="http://schemas.microsoft.com/office/powerpoint/2010/main" val="2569639587"/>
-      </p:ext>
-    </p:extLst>
-  </p:cSld>
-  <p:clrMapOvr>
-    <a:masterClrMapping/>
-  </p:clrMapOvr>
-</p:sld>
-</file>
-
-<file path=ppt/slides/slide20.xml><?xml version="1.0" encoding="utf-8"?>
-<p:sld xmlns:a="http://schemas.openxmlformats.org/drawingml/2006/main" xmlns:r="http://schemas.openxmlformats.org/officeDocument/2006/relationships" xmlns:p="http://schemas.openxmlformats.org/presentationml/2006/main">
-  <p:cSld>
-    <p:spTree>
-      <p:nvGrpSpPr>
-        <p:cNvPr id="1" name=""/>
-        <p:cNvGrpSpPr/>
-        <p:nvPr/>
-      </p:nvGrpSpPr>
-      <p:grpSpPr>
-        <a:xfrm>
-          <a:off x="0" y="0"/>
-          <a:ext cx="0" cy="0"/>
-          <a:chOff x="0" y="0"/>
-          <a:chExt cx="0" cy="0"/>
-        </a:xfrm>
-      </p:grpSpPr>
-      <p:sp>
-        <p:nvSpPr>
-          <p:cNvPr id="2" name="Titre 1">
-            <a:extLst>
-              <a:ext uri="{FF2B5EF4-FFF2-40B4-BE49-F238E27FC236}">
-                <a16:creationId xmlns:a16="http://schemas.microsoft.com/office/drawing/2014/main" id="{7CC29116-944A-467F-BE52-23557CF6A4B0}"/>
-              </a:ext>
-            </a:extLst>
-          </p:cNvPr>
-          <p:cNvSpPr>
-            <a:spLocks noGrp="1"/>
-          </p:cNvSpPr>
-          <p:nvPr>
-            <p:ph type="title"/>
-          </p:nvPr>
-        </p:nvSpPr>
-        <p:spPr/>
-        <p:txBody>
-          <a:bodyPr/>
-          <a:lstStyle/>
-          <a:p>
-            <a:r>
-              <a:rPr lang="en-US" dirty="0"/>
-              <a:t>Music for loop</a:t>
-            </a:r>
-          </a:p>
-        </p:txBody>
-      </p:sp>
-      <p:sp>
-        <p:nvSpPr>
-          <p:cNvPr id="3" name="Espace réservé du contenu 2">
-            <a:extLst>
-              <a:ext uri="{FF2B5EF4-FFF2-40B4-BE49-F238E27FC236}">
-                <a16:creationId xmlns:a16="http://schemas.microsoft.com/office/drawing/2014/main" id="{E28E0A13-99B6-490D-816E-7D3E65A19094}"/>
-              </a:ext>
-            </a:extLst>
-          </p:cNvPr>
-          <p:cNvSpPr>
-            <a:spLocks noGrp="1"/>
-          </p:cNvSpPr>
-          <p:nvPr>
-            <p:ph idx="1"/>
-          </p:nvPr>
-        </p:nvSpPr>
-        <p:spPr/>
-        <p:txBody>
-          <a:bodyPr/>
-          <a:lstStyle/>
-          <a:p>
-            <a:pPr marL="0" indent="0">
-              <a:buNone/>
-            </a:pPr>
-            <a:r>
-              <a:rPr lang="en-US" b="0" dirty="0">
-                <a:solidFill>
-                  <a:srgbClr val="0000FF"/>
-                </a:solidFill>
-                <a:effectLst/>
-                <a:latin typeface="Consolas" panose="020B0609020204030204" pitchFamily="49" charset="0"/>
-              </a:rPr>
-              <a:t>with</a:t>
-            </a:r>
-            <a:r>
-              <a:rPr lang="en-US" b="0" dirty="0">
-                <a:solidFill>
-                  <a:srgbClr val="000000"/>
-                </a:solidFill>
-                <a:effectLst/>
-                <a:latin typeface="Consolas" panose="020B0609020204030204" pitchFamily="49" charset="0"/>
-              </a:rPr>
-              <a:t> open(</a:t>
-            </a:r>
-            <a:r>
-              <a:rPr lang="en-US" b="0" dirty="0">
-                <a:solidFill>
-                  <a:srgbClr val="A31515"/>
-                </a:solidFill>
-                <a:effectLst/>
-                <a:latin typeface="Consolas" panose="020B0609020204030204" pitchFamily="49" charset="0"/>
-              </a:rPr>
-              <a:t>"saved_tracks_20210306.json"</a:t>
-            </a:r>
-            <a:r>
-              <a:rPr lang="en-US" b="0" dirty="0">
-                <a:solidFill>
-                  <a:srgbClr val="000000"/>
-                </a:solidFill>
-                <a:effectLst/>
-                <a:latin typeface="Consolas" panose="020B0609020204030204" pitchFamily="49" charset="0"/>
-              </a:rPr>
-              <a:t>,</a:t>
-            </a:r>
-            <a:r>
-              <a:rPr lang="en-US" b="0" dirty="0">
-                <a:solidFill>
-                  <a:srgbClr val="A31515"/>
-                </a:solidFill>
-                <a:effectLst/>
-                <a:latin typeface="Consolas" panose="020B0609020204030204" pitchFamily="49" charset="0"/>
-              </a:rPr>
-              <a:t>"r"</a:t>
-            </a:r>
-            <a:r>
-              <a:rPr lang="en-US" b="0" dirty="0">
-                <a:solidFill>
-                  <a:srgbClr val="000000"/>
-                </a:solidFill>
-                <a:effectLst/>
-                <a:latin typeface="Consolas" panose="020B0609020204030204" pitchFamily="49" charset="0"/>
-              </a:rPr>
-              <a:t>) </a:t>
-            </a:r>
-            <a:r>
-              <a:rPr lang="en-US" b="0" dirty="0">
-                <a:solidFill>
-                  <a:srgbClr val="0000FF"/>
-                </a:solidFill>
-                <a:effectLst/>
-                <a:latin typeface="Consolas" panose="020B0609020204030204" pitchFamily="49" charset="0"/>
-              </a:rPr>
-              <a:t>as</a:t>
-            </a:r>
-            <a:r>
-              <a:rPr lang="en-US" b="0" dirty="0">
-                <a:solidFill>
-                  <a:srgbClr val="000000"/>
-                </a:solidFill>
-                <a:effectLst/>
-                <a:latin typeface="Consolas" panose="020B0609020204030204" pitchFamily="49" charset="0"/>
-              </a:rPr>
-              <a:t> f:</a:t>
-            </a:r>
-          </a:p>
-          <a:p>
-            <a:pPr marL="0" indent="0">
-              <a:buNone/>
-            </a:pPr>
-            <a:r>
-              <a:rPr lang="en-US" b="0" dirty="0">
-                <a:solidFill>
-                  <a:srgbClr val="000000"/>
-                </a:solidFill>
-                <a:effectLst/>
-                <a:latin typeface="Consolas" panose="020B0609020204030204" pitchFamily="49" charset="0"/>
-              </a:rPr>
-              <a:t>    results = </a:t>
-            </a:r>
-            <a:r>
-              <a:rPr lang="en-US" b="0" dirty="0" err="1">
-                <a:solidFill>
-                  <a:srgbClr val="000000"/>
-                </a:solidFill>
-                <a:effectLst/>
-                <a:latin typeface="Consolas" panose="020B0609020204030204" pitchFamily="49" charset="0"/>
-              </a:rPr>
-              <a:t>json.load</a:t>
-            </a:r>
-            <a:r>
-              <a:rPr lang="en-US" b="0" dirty="0">
-                <a:solidFill>
-                  <a:srgbClr val="000000"/>
-                </a:solidFill>
-                <a:effectLst/>
-                <a:latin typeface="Consolas" panose="020B0609020204030204" pitchFamily="49" charset="0"/>
-              </a:rPr>
-              <a:t>(f)</a:t>
-            </a:r>
-          </a:p>
-          <a:p>
-            <a:pPr marL="0" indent="0">
-              <a:buNone/>
-            </a:pPr>
-            <a:endParaRPr lang="fr-FR" b="0" dirty="0">
-              <a:solidFill>
-                <a:srgbClr val="000000"/>
-              </a:solidFill>
-              <a:effectLst/>
-              <a:latin typeface="Consolas" panose="020B0609020204030204" pitchFamily="49" charset="0"/>
-            </a:endParaRPr>
-          </a:p>
-          <a:p>
-            <a:pPr marL="0" indent="0">
-              <a:buNone/>
-            </a:pPr>
-            <a:r>
-              <a:rPr lang="fr-FR" b="0" dirty="0" err="1">
-                <a:solidFill>
-                  <a:srgbClr val="000000"/>
-                </a:solidFill>
-                <a:effectLst/>
-                <a:latin typeface="Consolas" panose="020B0609020204030204" pitchFamily="49" charset="0"/>
-              </a:rPr>
-              <a:t>tracks</a:t>
-            </a:r>
-            <a:r>
-              <a:rPr lang="fr-FR" b="0" dirty="0">
-                <a:solidFill>
-                  <a:srgbClr val="000000"/>
-                </a:solidFill>
-                <a:effectLst/>
-                <a:latin typeface="Consolas" panose="020B0609020204030204" pitchFamily="49" charset="0"/>
-              </a:rPr>
-              <a:t> = []</a:t>
-            </a:r>
-          </a:p>
-          <a:p>
-            <a:pPr marL="0" indent="0">
-              <a:buNone/>
-            </a:pPr>
-            <a:r>
-              <a:rPr lang="fr-FR" b="0" dirty="0">
-                <a:solidFill>
-                  <a:srgbClr val="0000FF"/>
-                </a:solidFill>
-                <a:effectLst/>
-                <a:latin typeface="Consolas" panose="020B0609020204030204" pitchFamily="49" charset="0"/>
-              </a:rPr>
-              <a:t>for</a:t>
-            </a:r>
-            <a:r>
-              <a:rPr lang="fr-FR" b="0" dirty="0">
-                <a:solidFill>
-                  <a:srgbClr val="000000"/>
-                </a:solidFill>
-                <a:effectLst/>
-                <a:latin typeface="Consolas" panose="020B0609020204030204" pitchFamily="49" charset="0"/>
-              </a:rPr>
-              <a:t> </a:t>
-            </a:r>
-            <a:r>
-              <a:rPr lang="fr-FR" b="0" dirty="0" err="1">
-                <a:solidFill>
-                  <a:srgbClr val="000000"/>
-                </a:solidFill>
-                <a:effectLst/>
-                <a:latin typeface="Consolas" panose="020B0609020204030204" pitchFamily="49" charset="0"/>
-              </a:rPr>
-              <a:t>idx</a:t>
-            </a:r>
-            <a:r>
-              <a:rPr lang="fr-FR" b="0" dirty="0">
-                <a:solidFill>
-                  <a:srgbClr val="000000"/>
-                </a:solidFill>
-                <a:effectLst/>
-                <a:latin typeface="Consolas" panose="020B0609020204030204" pitchFamily="49" charset="0"/>
-              </a:rPr>
-              <a:t>, item </a:t>
-            </a:r>
-            <a:r>
-              <a:rPr lang="fr-FR" b="0" dirty="0">
-                <a:solidFill>
-                  <a:srgbClr val="0000FF"/>
-                </a:solidFill>
-                <a:effectLst/>
-                <a:latin typeface="Consolas" panose="020B0609020204030204" pitchFamily="49" charset="0"/>
-              </a:rPr>
-              <a:t>in</a:t>
-            </a:r>
-            <a:r>
-              <a:rPr lang="fr-FR" b="0" dirty="0">
-                <a:solidFill>
-                  <a:srgbClr val="000000"/>
-                </a:solidFill>
-                <a:effectLst/>
-                <a:latin typeface="Consolas" panose="020B0609020204030204" pitchFamily="49" charset="0"/>
-              </a:rPr>
-              <a:t> </a:t>
-            </a:r>
-            <a:r>
-              <a:rPr lang="fr-FR" b="0" dirty="0" err="1">
-                <a:solidFill>
-                  <a:srgbClr val="000000"/>
-                </a:solidFill>
-                <a:effectLst/>
-                <a:latin typeface="Consolas" panose="020B0609020204030204" pitchFamily="49" charset="0"/>
-              </a:rPr>
-              <a:t>enumerate</a:t>
-            </a:r>
-            <a:r>
-              <a:rPr lang="fr-FR" b="0" dirty="0">
-                <a:solidFill>
-                  <a:srgbClr val="000000"/>
-                </a:solidFill>
-                <a:effectLst/>
-                <a:latin typeface="Consolas" panose="020B0609020204030204" pitchFamily="49" charset="0"/>
-              </a:rPr>
-              <a:t>(</a:t>
-            </a:r>
-            <a:r>
-              <a:rPr lang="fr-FR" b="0" dirty="0" err="1">
-                <a:solidFill>
-                  <a:srgbClr val="000000"/>
-                </a:solidFill>
-                <a:effectLst/>
-                <a:latin typeface="Consolas" panose="020B0609020204030204" pitchFamily="49" charset="0"/>
-              </a:rPr>
-              <a:t>results</a:t>
-            </a:r>
-            <a:r>
-              <a:rPr lang="fr-FR" b="0" dirty="0">
-                <a:solidFill>
-                  <a:srgbClr val="000000"/>
-                </a:solidFill>
-                <a:effectLst/>
-                <a:latin typeface="Consolas" panose="020B0609020204030204" pitchFamily="49" charset="0"/>
-              </a:rPr>
-              <a:t>[</a:t>
-            </a:r>
-            <a:r>
-              <a:rPr lang="fr-FR" b="0" dirty="0">
-                <a:solidFill>
-                  <a:srgbClr val="A31515"/>
-                </a:solidFill>
-                <a:effectLst/>
-                <a:latin typeface="Consolas" panose="020B0609020204030204" pitchFamily="49" charset="0"/>
-              </a:rPr>
-              <a:t>'items'</a:t>
-            </a:r>
-            <a:r>
-              <a:rPr lang="fr-FR" b="0" dirty="0">
-                <a:solidFill>
-                  <a:srgbClr val="000000"/>
-                </a:solidFill>
-                <a:effectLst/>
-                <a:latin typeface="Consolas" panose="020B0609020204030204" pitchFamily="49" charset="0"/>
-              </a:rPr>
-              <a:t>]):</a:t>
-            </a:r>
-          </a:p>
-          <a:p>
-            <a:pPr marL="0" indent="0">
-              <a:buNone/>
-            </a:pPr>
-            <a:r>
-              <a:rPr lang="fr-FR" b="0" dirty="0">
-                <a:solidFill>
-                  <a:srgbClr val="000000"/>
-                </a:solidFill>
-                <a:effectLst/>
-                <a:latin typeface="Consolas" panose="020B0609020204030204" pitchFamily="49" charset="0"/>
-              </a:rPr>
-              <a:t>    </a:t>
-            </a:r>
-            <a:r>
-              <a:rPr lang="fr-FR" b="0" dirty="0" err="1">
-                <a:solidFill>
-                  <a:srgbClr val="000000"/>
-                </a:solidFill>
-                <a:effectLst/>
-                <a:latin typeface="Consolas" panose="020B0609020204030204" pitchFamily="49" charset="0"/>
-              </a:rPr>
-              <a:t>track</a:t>
-            </a:r>
-            <a:r>
-              <a:rPr lang="fr-FR" b="0" dirty="0">
-                <a:solidFill>
-                  <a:srgbClr val="000000"/>
-                </a:solidFill>
-                <a:effectLst/>
-                <a:latin typeface="Consolas" panose="020B0609020204030204" pitchFamily="49" charset="0"/>
-              </a:rPr>
-              <a:t> = item[</a:t>
-            </a:r>
-            <a:r>
-              <a:rPr lang="fr-FR" b="0" dirty="0">
-                <a:solidFill>
-                  <a:srgbClr val="A31515"/>
-                </a:solidFill>
-                <a:effectLst/>
-                <a:latin typeface="Consolas" panose="020B0609020204030204" pitchFamily="49" charset="0"/>
-              </a:rPr>
-              <a:t>'</a:t>
-            </a:r>
-            <a:r>
-              <a:rPr lang="fr-FR" b="0" dirty="0" err="1">
-                <a:solidFill>
-                  <a:srgbClr val="A31515"/>
-                </a:solidFill>
-                <a:effectLst/>
-                <a:latin typeface="Consolas" panose="020B0609020204030204" pitchFamily="49" charset="0"/>
-              </a:rPr>
-              <a:t>track</a:t>
-            </a:r>
-            <a:r>
-              <a:rPr lang="fr-FR" b="0" dirty="0">
-                <a:solidFill>
-                  <a:srgbClr val="A31515"/>
-                </a:solidFill>
-                <a:effectLst/>
-                <a:latin typeface="Consolas" panose="020B0609020204030204" pitchFamily="49" charset="0"/>
-              </a:rPr>
-              <a:t>'</a:t>
-            </a:r>
-            <a:r>
-              <a:rPr lang="fr-FR" b="0" dirty="0">
-                <a:solidFill>
-                  <a:srgbClr val="000000"/>
-                </a:solidFill>
-                <a:effectLst/>
-                <a:latin typeface="Consolas" panose="020B0609020204030204" pitchFamily="49" charset="0"/>
-              </a:rPr>
-              <a:t>]</a:t>
-            </a:r>
-          </a:p>
-          <a:p>
-            <a:pPr marL="0" indent="0">
-              <a:buNone/>
-            </a:pPr>
-            <a:r>
-              <a:rPr lang="fr-FR" b="0" dirty="0">
-                <a:solidFill>
-                  <a:srgbClr val="000000"/>
-                </a:solidFill>
-                <a:effectLst/>
-                <a:latin typeface="Consolas" panose="020B0609020204030204" pitchFamily="49" charset="0"/>
-              </a:rPr>
-              <a:t>    </a:t>
-            </a:r>
-            <a:r>
-              <a:rPr lang="fr-FR" b="0" dirty="0" err="1">
-                <a:solidFill>
-                  <a:srgbClr val="000000"/>
-                </a:solidFill>
-                <a:effectLst/>
-                <a:latin typeface="Consolas" panose="020B0609020204030204" pitchFamily="49" charset="0"/>
-              </a:rPr>
-              <a:t>tracks.append</a:t>
-            </a:r>
-            <a:r>
-              <a:rPr lang="fr-FR" b="0" dirty="0">
-                <a:solidFill>
-                  <a:srgbClr val="000000"/>
-                </a:solidFill>
-                <a:effectLst/>
-                <a:latin typeface="Consolas" panose="020B0609020204030204" pitchFamily="49" charset="0"/>
-              </a:rPr>
-              <a:t>([</a:t>
-            </a:r>
-            <a:r>
-              <a:rPr lang="fr-FR" b="0" dirty="0" err="1">
-                <a:solidFill>
-                  <a:srgbClr val="000000"/>
-                </a:solidFill>
-                <a:effectLst/>
-                <a:latin typeface="Consolas" panose="020B0609020204030204" pitchFamily="49" charset="0"/>
-              </a:rPr>
-              <a:t>idx</a:t>
-            </a:r>
-            <a:r>
-              <a:rPr lang="fr-FR" b="0" dirty="0">
-                <a:solidFill>
-                  <a:srgbClr val="000000"/>
-                </a:solidFill>
-                <a:effectLst/>
-                <a:latin typeface="Consolas" panose="020B0609020204030204" pitchFamily="49" charset="0"/>
-              </a:rPr>
-              <a:t>, </a:t>
-            </a:r>
-            <a:r>
-              <a:rPr lang="fr-FR" b="0" dirty="0" err="1">
-                <a:solidFill>
-                  <a:srgbClr val="000000"/>
-                </a:solidFill>
-                <a:effectLst/>
-                <a:latin typeface="Consolas" panose="020B0609020204030204" pitchFamily="49" charset="0"/>
-              </a:rPr>
-              <a:t>track</a:t>
-            </a:r>
-            <a:r>
-              <a:rPr lang="fr-FR" b="0" dirty="0">
-                <a:solidFill>
-                  <a:srgbClr val="000000"/>
-                </a:solidFill>
-                <a:effectLst/>
-                <a:latin typeface="Consolas" panose="020B0609020204030204" pitchFamily="49" charset="0"/>
-              </a:rPr>
-              <a:t>[</a:t>
-            </a:r>
-            <a:r>
-              <a:rPr lang="fr-FR" b="0" dirty="0">
-                <a:solidFill>
-                  <a:srgbClr val="A31515"/>
-                </a:solidFill>
-                <a:effectLst/>
-                <a:latin typeface="Consolas" panose="020B0609020204030204" pitchFamily="49" charset="0"/>
-              </a:rPr>
-              <a:t>'</a:t>
-            </a:r>
-            <a:r>
-              <a:rPr lang="fr-FR" b="0" dirty="0" err="1">
-                <a:solidFill>
-                  <a:srgbClr val="A31515"/>
-                </a:solidFill>
-                <a:effectLst/>
-                <a:latin typeface="Consolas" panose="020B0609020204030204" pitchFamily="49" charset="0"/>
-              </a:rPr>
-              <a:t>artists</a:t>
-            </a:r>
-            <a:r>
-              <a:rPr lang="fr-FR" b="0" dirty="0">
-                <a:solidFill>
-                  <a:srgbClr val="A31515"/>
-                </a:solidFill>
-                <a:effectLst/>
-                <a:latin typeface="Consolas" panose="020B0609020204030204" pitchFamily="49" charset="0"/>
-              </a:rPr>
-              <a:t>'</a:t>
-            </a:r>
-            <a:r>
-              <a:rPr lang="fr-FR" b="0" dirty="0">
-                <a:solidFill>
-                  <a:srgbClr val="000000"/>
-                </a:solidFill>
-                <a:effectLst/>
-                <a:latin typeface="Consolas" panose="020B0609020204030204" pitchFamily="49" charset="0"/>
-              </a:rPr>
-              <a:t>][</a:t>
-            </a:r>
-            <a:r>
-              <a:rPr lang="fr-FR" b="0" dirty="0">
-                <a:solidFill>
-                  <a:srgbClr val="098658"/>
-                </a:solidFill>
-                <a:effectLst/>
-                <a:latin typeface="Consolas" panose="020B0609020204030204" pitchFamily="49" charset="0"/>
-              </a:rPr>
-              <a:t>0</a:t>
-            </a:r>
-            <a:r>
-              <a:rPr lang="fr-FR" b="0" dirty="0">
-                <a:solidFill>
-                  <a:srgbClr val="000000"/>
-                </a:solidFill>
-                <a:effectLst/>
-                <a:latin typeface="Consolas" panose="020B0609020204030204" pitchFamily="49" charset="0"/>
-              </a:rPr>
-              <a:t>][</a:t>
-            </a:r>
-            <a:r>
-              <a:rPr lang="fr-FR" b="0" dirty="0">
-                <a:solidFill>
-                  <a:srgbClr val="A31515"/>
-                </a:solidFill>
-                <a:effectLst/>
-                <a:latin typeface="Consolas" panose="020B0609020204030204" pitchFamily="49" charset="0"/>
-              </a:rPr>
-              <a:t>'</a:t>
-            </a:r>
-            <a:r>
-              <a:rPr lang="fr-FR" b="0" dirty="0" err="1">
-                <a:solidFill>
-                  <a:srgbClr val="A31515"/>
-                </a:solidFill>
-                <a:effectLst/>
-                <a:latin typeface="Consolas" panose="020B0609020204030204" pitchFamily="49" charset="0"/>
-              </a:rPr>
-              <a:t>name</a:t>
-            </a:r>
-            <a:r>
-              <a:rPr lang="fr-FR" b="0" dirty="0">
-                <a:solidFill>
-                  <a:srgbClr val="A31515"/>
-                </a:solidFill>
-                <a:effectLst/>
-                <a:latin typeface="Consolas" panose="020B0609020204030204" pitchFamily="49" charset="0"/>
-              </a:rPr>
-              <a:t>'</a:t>
-            </a:r>
-            <a:r>
-              <a:rPr lang="fr-FR" b="0" dirty="0">
-                <a:solidFill>
-                  <a:srgbClr val="000000"/>
-                </a:solidFill>
-                <a:effectLst/>
-                <a:latin typeface="Consolas" panose="020B0609020204030204" pitchFamily="49" charset="0"/>
-              </a:rPr>
-              <a:t>], </a:t>
-            </a:r>
-            <a:r>
-              <a:rPr lang="fr-FR" b="0" dirty="0" err="1">
-                <a:solidFill>
-                  <a:srgbClr val="000000"/>
-                </a:solidFill>
-                <a:effectLst/>
-                <a:latin typeface="Consolas" panose="020B0609020204030204" pitchFamily="49" charset="0"/>
-              </a:rPr>
-              <a:t>track</a:t>
-            </a:r>
-            <a:r>
-              <a:rPr lang="fr-FR" b="0" dirty="0">
-                <a:solidFill>
-                  <a:srgbClr val="000000"/>
-                </a:solidFill>
-                <a:effectLst/>
-                <a:latin typeface="Consolas" panose="020B0609020204030204" pitchFamily="49" charset="0"/>
-              </a:rPr>
-              <a:t>[</a:t>
-            </a:r>
-            <a:r>
-              <a:rPr lang="fr-FR" b="0" dirty="0">
-                <a:solidFill>
-                  <a:srgbClr val="A31515"/>
-                </a:solidFill>
-                <a:effectLst/>
-                <a:latin typeface="Consolas" panose="020B0609020204030204" pitchFamily="49" charset="0"/>
-              </a:rPr>
-              <a:t>'</a:t>
-            </a:r>
-            <a:r>
-              <a:rPr lang="fr-FR" b="0" dirty="0" err="1">
-                <a:solidFill>
-                  <a:srgbClr val="A31515"/>
-                </a:solidFill>
-                <a:effectLst/>
-                <a:latin typeface="Consolas" panose="020B0609020204030204" pitchFamily="49" charset="0"/>
-              </a:rPr>
-              <a:t>name</a:t>
-            </a:r>
-            <a:r>
-              <a:rPr lang="fr-FR" b="0" dirty="0">
-                <a:solidFill>
-                  <a:srgbClr val="A31515"/>
-                </a:solidFill>
-                <a:effectLst/>
-                <a:latin typeface="Consolas" panose="020B0609020204030204" pitchFamily="49" charset="0"/>
-              </a:rPr>
-              <a:t>'</a:t>
-            </a:r>
-            <a:r>
-              <a:rPr lang="fr-FR" b="0" dirty="0">
-                <a:solidFill>
-                  <a:srgbClr val="000000"/>
-                </a:solidFill>
-                <a:effectLst/>
-                <a:latin typeface="Consolas" panose="020B0609020204030204" pitchFamily="49" charset="0"/>
-              </a:rPr>
-              <a:t>]])</a:t>
-            </a:r>
-          </a:p>
-          <a:p>
-            <a:pPr marL="0" indent="0">
-              <a:buNone/>
-            </a:pPr>
-            <a:endParaRPr lang="en-US" dirty="0"/>
-          </a:p>
-        </p:txBody>
-      </p:sp>
-    </p:spTree>
-    <p:extLst>
-      <p:ext uri="{BB962C8B-B14F-4D97-AF65-F5344CB8AC3E}">
-        <p14:creationId xmlns:p14="http://schemas.microsoft.com/office/powerpoint/2010/main" val="2882204637"/>
-      </p:ext>
-    </p:extLst>
-  </p:cSld>
-  <p:clrMapOvr>
-    <a:masterClrMapping/>
-  </p:clrMapOvr>
-</p:sld>
-</file>
-
-<file path=ppt/slides/slide21.xml><?xml version="1.0" encoding="utf-8"?>
-<p:sld xmlns:a="http://schemas.openxmlformats.org/drawingml/2006/main" xmlns:r="http://schemas.openxmlformats.org/officeDocument/2006/relationships" xmlns:p="http://schemas.openxmlformats.org/presentationml/2006/main">
-  <p:cSld>
-    <p:spTree>
-      <p:nvGrpSpPr>
-        <p:cNvPr id="1" name=""/>
-        <p:cNvGrpSpPr/>
-        <p:nvPr/>
-      </p:nvGrpSpPr>
-      <p:grpSpPr>
-        <a:xfrm>
-          <a:off x="0" y="0"/>
-          <a:ext cx="0" cy="0"/>
-          <a:chOff x="0" y="0"/>
-          <a:chExt cx="0" cy="0"/>
-        </a:xfrm>
-      </p:grpSpPr>
-      <p:sp>
-        <p:nvSpPr>
-          <p:cNvPr id="2" name="Titre 1">
-            <a:extLst>
-              <a:ext uri="{FF2B5EF4-FFF2-40B4-BE49-F238E27FC236}">
-                <a16:creationId xmlns:a16="http://schemas.microsoft.com/office/drawing/2014/main" id="{E1E79EC4-17AD-4552-A81A-0EEEDD0B8CA7}"/>
-              </a:ext>
-            </a:extLst>
-          </p:cNvPr>
-          <p:cNvSpPr>
-            <a:spLocks noGrp="1"/>
-          </p:cNvSpPr>
-          <p:nvPr>
-            <p:ph type="title"/>
-          </p:nvPr>
-        </p:nvSpPr>
-        <p:spPr/>
-        <p:txBody>
-          <a:bodyPr/>
-          <a:lstStyle/>
-          <a:p>
-            <a:r>
-              <a:rPr lang="en-US" dirty="0"/>
-              <a:t>Music </a:t>
-            </a:r>
-            <a:r>
-              <a:rPr lang="en-US" dirty="0" err="1"/>
-              <a:t>Dict</a:t>
-            </a:r>
-            <a:endParaRPr lang="en-US" dirty="0"/>
-          </a:p>
-        </p:txBody>
-      </p:sp>
-      <p:sp>
-        <p:nvSpPr>
-          <p:cNvPr id="3" name="Espace réservé du contenu 2">
-            <a:extLst>
-              <a:ext uri="{FF2B5EF4-FFF2-40B4-BE49-F238E27FC236}">
-                <a16:creationId xmlns:a16="http://schemas.microsoft.com/office/drawing/2014/main" id="{621AAD02-6C44-49E0-96D3-FA619B4AE629}"/>
-              </a:ext>
-            </a:extLst>
-          </p:cNvPr>
-          <p:cNvSpPr>
-            <a:spLocks noGrp="1"/>
-          </p:cNvSpPr>
-          <p:nvPr>
-            <p:ph idx="1"/>
-          </p:nvPr>
-        </p:nvSpPr>
-        <p:spPr/>
-        <p:txBody>
-          <a:bodyPr/>
-          <a:lstStyle/>
-          <a:p>
-            <a:pPr marL="0" indent="0">
-              <a:buNone/>
-            </a:pPr>
-            <a:r>
-              <a:rPr lang="fr-FR" b="0" dirty="0" err="1">
-                <a:solidFill>
-                  <a:srgbClr val="000000"/>
-                </a:solidFill>
-                <a:effectLst/>
-                <a:latin typeface="Consolas" panose="020B0609020204030204" pitchFamily="49" charset="0"/>
-              </a:rPr>
-              <a:t>trackDict</a:t>
-            </a:r>
-            <a:r>
-              <a:rPr lang="fr-FR" b="0" dirty="0">
-                <a:solidFill>
-                  <a:srgbClr val="000000"/>
-                </a:solidFill>
-                <a:effectLst/>
-                <a:latin typeface="Consolas" panose="020B0609020204030204" pitchFamily="49" charset="0"/>
-              </a:rPr>
-              <a:t> = {</a:t>
-            </a:r>
-            <a:r>
-              <a:rPr lang="fr-FR" b="0" dirty="0">
-                <a:solidFill>
-                  <a:srgbClr val="A31515"/>
-                </a:solidFill>
-                <a:effectLst/>
-                <a:latin typeface="Consolas" panose="020B0609020204030204" pitchFamily="49" charset="0"/>
-              </a:rPr>
-              <a:t>"id"</a:t>
-            </a:r>
-            <a:r>
-              <a:rPr lang="fr-FR" b="0" dirty="0">
-                <a:solidFill>
-                  <a:srgbClr val="000000"/>
-                </a:solidFill>
-                <a:effectLst/>
-                <a:latin typeface="Consolas" panose="020B0609020204030204" pitchFamily="49" charset="0"/>
-              </a:rPr>
-              <a:t>:[], </a:t>
-            </a:r>
-            <a:r>
-              <a:rPr lang="fr-FR" b="0" dirty="0">
-                <a:solidFill>
-                  <a:srgbClr val="A31515"/>
-                </a:solidFill>
-                <a:effectLst/>
-                <a:latin typeface="Consolas" panose="020B0609020204030204" pitchFamily="49" charset="0"/>
-              </a:rPr>
-              <a:t>"</a:t>
-            </a:r>
-            <a:r>
-              <a:rPr lang="fr-FR" b="0" dirty="0" err="1">
-                <a:solidFill>
-                  <a:srgbClr val="A31515"/>
-                </a:solidFill>
-                <a:effectLst/>
-                <a:latin typeface="Consolas" panose="020B0609020204030204" pitchFamily="49" charset="0"/>
-              </a:rPr>
-              <a:t>artist</a:t>
-            </a:r>
-            <a:r>
-              <a:rPr lang="fr-FR" b="0" dirty="0">
-                <a:solidFill>
-                  <a:srgbClr val="A31515"/>
-                </a:solidFill>
-                <a:effectLst/>
-                <a:latin typeface="Consolas" panose="020B0609020204030204" pitchFamily="49" charset="0"/>
-              </a:rPr>
-              <a:t>"</a:t>
-            </a:r>
-            <a:r>
-              <a:rPr lang="fr-FR" b="0" dirty="0">
-                <a:solidFill>
-                  <a:srgbClr val="000000"/>
-                </a:solidFill>
-                <a:effectLst/>
-                <a:latin typeface="Consolas" panose="020B0609020204030204" pitchFamily="49" charset="0"/>
-              </a:rPr>
-              <a:t>:[],</a:t>
-            </a:r>
-            <a:r>
-              <a:rPr lang="fr-FR" b="0" dirty="0">
-                <a:solidFill>
-                  <a:srgbClr val="A31515"/>
-                </a:solidFill>
-                <a:effectLst/>
-                <a:latin typeface="Consolas" panose="020B0609020204030204" pitchFamily="49" charset="0"/>
-              </a:rPr>
-              <a:t>"</a:t>
-            </a:r>
-            <a:r>
-              <a:rPr lang="fr-FR" b="0" dirty="0" err="1">
-                <a:solidFill>
-                  <a:srgbClr val="A31515"/>
-                </a:solidFill>
-                <a:effectLst/>
-                <a:latin typeface="Consolas" panose="020B0609020204030204" pitchFamily="49" charset="0"/>
-              </a:rPr>
-              <a:t>name</a:t>
-            </a:r>
-            <a:r>
-              <a:rPr lang="fr-FR" b="0" dirty="0">
-                <a:solidFill>
-                  <a:srgbClr val="A31515"/>
-                </a:solidFill>
-                <a:effectLst/>
-                <a:latin typeface="Consolas" panose="020B0609020204030204" pitchFamily="49" charset="0"/>
-              </a:rPr>
-              <a:t>"</a:t>
-            </a:r>
-            <a:r>
-              <a:rPr lang="fr-FR" b="0" dirty="0">
-                <a:solidFill>
-                  <a:srgbClr val="000000"/>
-                </a:solidFill>
-                <a:effectLst/>
-                <a:latin typeface="Consolas" panose="020B0609020204030204" pitchFamily="49" charset="0"/>
-              </a:rPr>
-              <a:t>:[]}</a:t>
-            </a:r>
-          </a:p>
-          <a:p>
-            <a:pPr marL="0" indent="0">
-              <a:buNone/>
-            </a:pPr>
-            <a:r>
-              <a:rPr lang="fr-FR" b="0" dirty="0">
-                <a:solidFill>
-                  <a:srgbClr val="0000FF"/>
-                </a:solidFill>
-                <a:effectLst/>
-                <a:latin typeface="Consolas" panose="020B0609020204030204" pitchFamily="49" charset="0"/>
-              </a:rPr>
-              <a:t>for</a:t>
-            </a:r>
-            <a:r>
-              <a:rPr lang="fr-FR" b="0" dirty="0">
-                <a:solidFill>
-                  <a:srgbClr val="000000"/>
-                </a:solidFill>
-                <a:effectLst/>
-                <a:latin typeface="Consolas" panose="020B0609020204030204" pitchFamily="49" charset="0"/>
-              </a:rPr>
-              <a:t> </a:t>
-            </a:r>
-            <a:r>
-              <a:rPr lang="fr-FR" b="0" dirty="0" err="1">
-                <a:solidFill>
-                  <a:srgbClr val="000000"/>
-                </a:solidFill>
-                <a:effectLst/>
-                <a:latin typeface="Consolas" panose="020B0609020204030204" pitchFamily="49" charset="0"/>
-              </a:rPr>
-              <a:t>idx</a:t>
-            </a:r>
-            <a:r>
-              <a:rPr lang="fr-FR" b="0" dirty="0">
-                <a:solidFill>
-                  <a:srgbClr val="000000"/>
-                </a:solidFill>
-                <a:effectLst/>
-                <a:latin typeface="Consolas" panose="020B0609020204030204" pitchFamily="49" charset="0"/>
-              </a:rPr>
-              <a:t>, item </a:t>
-            </a:r>
-            <a:r>
-              <a:rPr lang="fr-FR" b="0" dirty="0">
-                <a:solidFill>
-                  <a:srgbClr val="0000FF"/>
-                </a:solidFill>
-                <a:effectLst/>
-                <a:latin typeface="Consolas" panose="020B0609020204030204" pitchFamily="49" charset="0"/>
-              </a:rPr>
-              <a:t>in</a:t>
-            </a:r>
-            <a:r>
-              <a:rPr lang="fr-FR" b="0" dirty="0">
-                <a:solidFill>
-                  <a:srgbClr val="000000"/>
-                </a:solidFill>
-                <a:effectLst/>
-                <a:latin typeface="Consolas" panose="020B0609020204030204" pitchFamily="49" charset="0"/>
-              </a:rPr>
-              <a:t> </a:t>
-            </a:r>
-            <a:r>
-              <a:rPr lang="fr-FR" b="0" dirty="0" err="1">
-                <a:solidFill>
-                  <a:srgbClr val="000000"/>
-                </a:solidFill>
-                <a:effectLst/>
-                <a:latin typeface="Consolas" panose="020B0609020204030204" pitchFamily="49" charset="0"/>
-              </a:rPr>
-              <a:t>enumerate</a:t>
-            </a:r>
-            <a:r>
-              <a:rPr lang="fr-FR" b="0" dirty="0">
-                <a:solidFill>
-                  <a:srgbClr val="000000"/>
-                </a:solidFill>
-                <a:effectLst/>
-                <a:latin typeface="Consolas" panose="020B0609020204030204" pitchFamily="49" charset="0"/>
-              </a:rPr>
-              <a:t>(</a:t>
-            </a:r>
-            <a:r>
-              <a:rPr lang="fr-FR" b="0" dirty="0" err="1">
-                <a:solidFill>
-                  <a:srgbClr val="000000"/>
-                </a:solidFill>
-                <a:effectLst/>
-                <a:latin typeface="Consolas" panose="020B0609020204030204" pitchFamily="49" charset="0"/>
-              </a:rPr>
-              <a:t>results</a:t>
-            </a:r>
-            <a:r>
-              <a:rPr lang="fr-FR" b="0" dirty="0">
-                <a:solidFill>
-                  <a:srgbClr val="000000"/>
-                </a:solidFill>
-                <a:effectLst/>
-                <a:latin typeface="Consolas" panose="020B0609020204030204" pitchFamily="49" charset="0"/>
-              </a:rPr>
-              <a:t>[</a:t>
-            </a:r>
-            <a:r>
-              <a:rPr lang="fr-FR" b="0" dirty="0">
-                <a:solidFill>
-                  <a:srgbClr val="A31515"/>
-                </a:solidFill>
-                <a:effectLst/>
-                <a:latin typeface="Consolas" panose="020B0609020204030204" pitchFamily="49" charset="0"/>
-              </a:rPr>
-              <a:t>'items'</a:t>
-            </a:r>
-            <a:r>
-              <a:rPr lang="fr-FR" b="0" dirty="0">
-                <a:solidFill>
-                  <a:srgbClr val="000000"/>
-                </a:solidFill>
-                <a:effectLst/>
-                <a:latin typeface="Consolas" panose="020B0609020204030204" pitchFamily="49" charset="0"/>
-              </a:rPr>
-              <a:t>]):</a:t>
-            </a:r>
-          </a:p>
-          <a:p>
-            <a:pPr marL="0" indent="0">
-              <a:buNone/>
-            </a:pPr>
-            <a:r>
-              <a:rPr lang="fr-FR" b="0" dirty="0">
-                <a:solidFill>
-                  <a:srgbClr val="000000"/>
-                </a:solidFill>
-                <a:effectLst/>
-                <a:latin typeface="Consolas" panose="020B0609020204030204" pitchFamily="49" charset="0"/>
-              </a:rPr>
-              <a:t>    </a:t>
-            </a:r>
-            <a:r>
-              <a:rPr lang="fr-FR" b="0" dirty="0" err="1">
-                <a:solidFill>
-                  <a:srgbClr val="000000"/>
-                </a:solidFill>
-                <a:effectLst/>
-                <a:latin typeface="Consolas" panose="020B0609020204030204" pitchFamily="49" charset="0"/>
-              </a:rPr>
-              <a:t>track</a:t>
-            </a:r>
-            <a:r>
-              <a:rPr lang="fr-FR" b="0" dirty="0">
-                <a:solidFill>
-                  <a:srgbClr val="000000"/>
-                </a:solidFill>
-                <a:effectLst/>
-                <a:latin typeface="Consolas" panose="020B0609020204030204" pitchFamily="49" charset="0"/>
-              </a:rPr>
-              <a:t> = item[</a:t>
-            </a:r>
-            <a:r>
-              <a:rPr lang="fr-FR" b="0" dirty="0">
-                <a:solidFill>
-                  <a:srgbClr val="A31515"/>
-                </a:solidFill>
-                <a:effectLst/>
-                <a:latin typeface="Consolas" panose="020B0609020204030204" pitchFamily="49" charset="0"/>
-              </a:rPr>
-              <a:t>'</a:t>
-            </a:r>
-            <a:r>
-              <a:rPr lang="fr-FR" b="0" dirty="0" err="1">
-                <a:solidFill>
-                  <a:srgbClr val="A31515"/>
-                </a:solidFill>
-                <a:effectLst/>
-                <a:latin typeface="Consolas" panose="020B0609020204030204" pitchFamily="49" charset="0"/>
-              </a:rPr>
-              <a:t>track</a:t>
-            </a:r>
-            <a:r>
-              <a:rPr lang="fr-FR" b="0" dirty="0">
-                <a:solidFill>
-                  <a:srgbClr val="A31515"/>
-                </a:solidFill>
-                <a:effectLst/>
-                <a:latin typeface="Consolas" panose="020B0609020204030204" pitchFamily="49" charset="0"/>
-              </a:rPr>
-              <a:t>'</a:t>
-            </a:r>
-            <a:r>
-              <a:rPr lang="fr-FR" b="0" dirty="0">
-                <a:solidFill>
-                  <a:srgbClr val="000000"/>
-                </a:solidFill>
-                <a:effectLst/>
-                <a:latin typeface="Consolas" panose="020B0609020204030204" pitchFamily="49" charset="0"/>
-              </a:rPr>
-              <a:t>]</a:t>
-            </a:r>
-          </a:p>
-          <a:p>
-            <a:pPr marL="0" indent="0">
-              <a:buNone/>
-            </a:pPr>
-            <a:r>
-              <a:rPr lang="fr-FR" b="0" dirty="0">
-                <a:solidFill>
-                  <a:srgbClr val="000000"/>
-                </a:solidFill>
-                <a:effectLst/>
-                <a:latin typeface="Consolas" panose="020B0609020204030204" pitchFamily="49" charset="0"/>
-              </a:rPr>
-              <a:t>    </a:t>
-            </a:r>
-            <a:r>
-              <a:rPr lang="fr-FR" b="0" dirty="0" err="1">
-                <a:solidFill>
-                  <a:srgbClr val="000000"/>
-                </a:solidFill>
-                <a:effectLst/>
-                <a:latin typeface="Consolas" panose="020B0609020204030204" pitchFamily="49" charset="0"/>
-              </a:rPr>
-              <a:t>trackDict</a:t>
-            </a:r>
-            <a:r>
-              <a:rPr lang="fr-FR" b="0" dirty="0">
-                <a:solidFill>
-                  <a:srgbClr val="000000"/>
-                </a:solidFill>
-                <a:effectLst/>
-                <a:latin typeface="Consolas" panose="020B0609020204030204" pitchFamily="49" charset="0"/>
-              </a:rPr>
-              <a:t>[</a:t>
-            </a:r>
-            <a:r>
-              <a:rPr lang="fr-FR" b="0" dirty="0">
-                <a:solidFill>
-                  <a:srgbClr val="A31515"/>
-                </a:solidFill>
-                <a:effectLst/>
-                <a:latin typeface="Consolas" panose="020B0609020204030204" pitchFamily="49" charset="0"/>
-              </a:rPr>
-              <a:t>"id"</a:t>
-            </a:r>
-            <a:r>
-              <a:rPr lang="fr-FR" b="0" dirty="0">
-                <a:solidFill>
-                  <a:srgbClr val="000000"/>
-                </a:solidFill>
-                <a:effectLst/>
-                <a:latin typeface="Consolas" panose="020B0609020204030204" pitchFamily="49" charset="0"/>
-              </a:rPr>
-              <a:t>].append(</a:t>
-            </a:r>
-            <a:r>
-              <a:rPr lang="fr-FR" b="0" dirty="0" err="1">
-                <a:solidFill>
-                  <a:srgbClr val="000000"/>
-                </a:solidFill>
-                <a:effectLst/>
-                <a:latin typeface="Consolas" panose="020B0609020204030204" pitchFamily="49" charset="0"/>
-              </a:rPr>
-              <a:t>idx</a:t>
-            </a:r>
-            <a:r>
-              <a:rPr lang="fr-FR" b="0" dirty="0">
-                <a:solidFill>
-                  <a:srgbClr val="000000"/>
-                </a:solidFill>
-                <a:effectLst/>
-                <a:latin typeface="Consolas" panose="020B0609020204030204" pitchFamily="49" charset="0"/>
-              </a:rPr>
-              <a:t>)</a:t>
-            </a:r>
-          </a:p>
-          <a:p>
-            <a:pPr marL="0" indent="0">
-              <a:buNone/>
-            </a:pPr>
-            <a:r>
-              <a:rPr lang="fr-FR" b="0" dirty="0">
-                <a:solidFill>
-                  <a:srgbClr val="000000"/>
-                </a:solidFill>
-                <a:effectLst/>
-                <a:latin typeface="Consolas" panose="020B0609020204030204" pitchFamily="49" charset="0"/>
-              </a:rPr>
-              <a:t>    </a:t>
-            </a:r>
-            <a:r>
-              <a:rPr lang="fr-FR" b="0" dirty="0" err="1">
-                <a:solidFill>
-                  <a:srgbClr val="000000"/>
-                </a:solidFill>
-                <a:effectLst/>
-                <a:latin typeface="Consolas" panose="020B0609020204030204" pitchFamily="49" charset="0"/>
-              </a:rPr>
-              <a:t>trackDict</a:t>
-            </a:r>
-            <a:r>
-              <a:rPr lang="fr-FR" b="0" dirty="0">
-                <a:solidFill>
-                  <a:srgbClr val="000000"/>
-                </a:solidFill>
-                <a:effectLst/>
-                <a:latin typeface="Consolas" panose="020B0609020204030204" pitchFamily="49" charset="0"/>
-              </a:rPr>
-              <a:t>[</a:t>
-            </a:r>
-            <a:r>
-              <a:rPr lang="fr-FR" b="0" dirty="0">
-                <a:solidFill>
-                  <a:srgbClr val="A31515"/>
-                </a:solidFill>
-                <a:effectLst/>
-                <a:latin typeface="Consolas" panose="020B0609020204030204" pitchFamily="49" charset="0"/>
-              </a:rPr>
-              <a:t>"</a:t>
-            </a:r>
-            <a:r>
-              <a:rPr lang="fr-FR" b="0" dirty="0" err="1">
-                <a:solidFill>
-                  <a:srgbClr val="A31515"/>
-                </a:solidFill>
-                <a:effectLst/>
-                <a:latin typeface="Consolas" panose="020B0609020204030204" pitchFamily="49" charset="0"/>
-              </a:rPr>
-              <a:t>artist</a:t>
-            </a:r>
-            <a:r>
-              <a:rPr lang="fr-FR" b="0" dirty="0">
-                <a:solidFill>
-                  <a:srgbClr val="A31515"/>
-                </a:solidFill>
-                <a:effectLst/>
-                <a:latin typeface="Consolas" panose="020B0609020204030204" pitchFamily="49" charset="0"/>
-              </a:rPr>
-              <a:t>"</a:t>
-            </a:r>
-            <a:r>
-              <a:rPr lang="fr-FR" b="0" dirty="0">
-                <a:solidFill>
-                  <a:srgbClr val="000000"/>
-                </a:solidFill>
-                <a:effectLst/>
-                <a:latin typeface="Consolas" panose="020B0609020204030204" pitchFamily="49" charset="0"/>
-              </a:rPr>
-              <a:t>].append(</a:t>
-            </a:r>
-            <a:r>
-              <a:rPr lang="fr-FR" b="0" dirty="0" err="1">
-                <a:solidFill>
-                  <a:srgbClr val="000000"/>
-                </a:solidFill>
-                <a:effectLst/>
-                <a:latin typeface="Consolas" panose="020B0609020204030204" pitchFamily="49" charset="0"/>
-              </a:rPr>
-              <a:t>track</a:t>
-            </a:r>
-            <a:r>
-              <a:rPr lang="fr-FR" b="0" dirty="0">
-                <a:solidFill>
-                  <a:srgbClr val="000000"/>
-                </a:solidFill>
-                <a:effectLst/>
-                <a:latin typeface="Consolas" panose="020B0609020204030204" pitchFamily="49" charset="0"/>
-              </a:rPr>
-              <a:t>[</a:t>
-            </a:r>
-            <a:r>
-              <a:rPr lang="fr-FR" b="0" dirty="0">
-                <a:solidFill>
-                  <a:srgbClr val="A31515"/>
-                </a:solidFill>
-                <a:effectLst/>
-                <a:latin typeface="Consolas" panose="020B0609020204030204" pitchFamily="49" charset="0"/>
-              </a:rPr>
-              <a:t>'</a:t>
-            </a:r>
-            <a:r>
-              <a:rPr lang="fr-FR" b="0" dirty="0" err="1">
-                <a:solidFill>
-                  <a:srgbClr val="A31515"/>
-                </a:solidFill>
-                <a:effectLst/>
-                <a:latin typeface="Consolas" panose="020B0609020204030204" pitchFamily="49" charset="0"/>
-              </a:rPr>
-              <a:t>artists</a:t>
-            </a:r>
-            <a:r>
-              <a:rPr lang="fr-FR" b="0" dirty="0">
-                <a:solidFill>
-                  <a:srgbClr val="A31515"/>
-                </a:solidFill>
-                <a:effectLst/>
-                <a:latin typeface="Consolas" panose="020B0609020204030204" pitchFamily="49" charset="0"/>
-              </a:rPr>
-              <a:t>'</a:t>
-            </a:r>
-            <a:r>
-              <a:rPr lang="fr-FR" b="0" dirty="0">
-                <a:solidFill>
-                  <a:srgbClr val="000000"/>
-                </a:solidFill>
-                <a:effectLst/>
-                <a:latin typeface="Consolas" panose="020B0609020204030204" pitchFamily="49" charset="0"/>
-              </a:rPr>
-              <a:t>][</a:t>
-            </a:r>
-            <a:r>
-              <a:rPr lang="fr-FR" b="0" dirty="0">
-                <a:solidFill>
-                  <a:srgbClr val="098658"/>
-                </a:solidFill>
-                <a:effectLst/>
-                <a:latin typeface="Consolas" panose="020B0609020204030204" pitchFamily="49" charset="0"/>
-              </a:rPr>
-              <a:t>0</a:t>
-            </a:r>
-            <a:r>
-              <a:rPr lang="fr-FR" b="0" dirty="0">
-                <a:solidFill>
-                  <a:srgbClr val="000000"/>
-                </a:solidFill>
-                <a:effectLst/>
-                <a:latin typeface="Consolas" panose="020B0609020204030204" pitchFamily="49" charset="0"/>
-              </a:rPr>
-              <a:t>][</a:t>
-            </a:r>
-            <a:r>
-              <a:rPr lang="fr-FR" b="0" dirty="0">
-                <a:solidFill>
-                  <a:srgbClr val="A31515"/>
-                </a:solidFill>
-                <a:effectLst/>
-                <a:latin typeface="Consolas" panose="020B0609020204030204" pitchFamily="49" charset="0"/>
-              </a:rPr>
-              <a:t>'</a:t>
-            </a:r>
-            <a:r>
-              <a:rPr lang="fr-FR" b="0" dirty="0" err="1">
-                <a:solidFill>
-                  <a:srgbClr val="A31515"/>
-                </a:solidFill>
-                <a:effectLst/>
-                <a:latin typeface="Consolas" panose="020B0609020204030204" pitchFamily="49" charset="0"/>
-              </a:rPr>
-              <a:t>name</a:t>
-            </a:r>
-            <a:r>
-              <a:rPr lang="fr-FR" b="0" dirty="0">
-                <a:solidFill>
-                  <a:srgbClr val="A31515"/>
-                </a:solidFill>
-                <a:effectLst/>
-                <a:latin typeface="Consolas" panose="020B0609020204030204" pitchFamily="49" charset="0"/>
-              </a:rPr>
-              <a:t>'</a:t>
-            </a:r>
-            <a:r>
-              <a:rPr lang="fr-FR" b="0" dirty="0">
-                <a:solidFill>
-                  <a:srgbClr val="000000"/>
-                </a:solidFill>
-                <a:effectLst/>
-                <a:latin typeface="Consolas" panose="020B0609020204030204" pitchFamily="49" charset="0"/>
-              </a:rPr>
-              <a:t>])</a:t>
-            </a:r>
-          </a:p>
-          <a:p>
-            <a:pPr marL="0" indent="0">
-              <a:buNone/>
-            </a:pPr>
-            <a:r>
-              <a:rPr lang="fr-FR" b="0" dirty="0">
-                <a:solidFill>
-                  <a:srgbClr val="000000"/>
-                </a:solidFill>
-                <a:effectLst/>
-                <a:latin typeface="Consolas" panose="020B0609020204030204" pitchFamily="49" charset="0"/>
-              </a:rPr>
-              <a:t>    </a:t>
-            </a:r>
-            <a:r>
-              <a:rPr lang="fr-FR" b="0" dirty="0" err="1">
-                <a:solidFill>
-                  <a:srgbClr val="000000"/>
-                </a:solidFill>
-                <a:effectLst/>
-                <a:latin typeface="Consolas" panose="020B0609020204030204" pitchFamily="49" charset="0"/>
-              </a:rPr>
-              <a:t>trackDict</a:t>
-            </a:r>
-            <a:r>
-              <a:rPr lang="fr-FR" b="0" dirty="0">
-                <a:solidFill>
-                  <a:srgbClr val="000000"/>
-                </a:solidFill>
-                <a:effectLst/>
-                <a:latin typeface="Consolas" panose="020B0609020204030204" pitchFamily="49" charset="0"/>
-              </a:rPr>
-              <a:t>[</a:t>
-            </a:r>
-            <a:r>
-              <a:rPr lang="fr-FR" b="0" dirty="0">
-                <a:solidFill>
-                  <a:srgbClr val="A31515"/>
-                </a:solidFill>
-                <a:effectLst/>
-                <a:latin typeface="Consolas" panose="020B0609020204030204" pitchFamily="49" charset="0"/>
-              </a:rPr>
-              <a:t>"</a:t>
-            </a:r>
-            <a:r>
-              <a:rPr lang="fr-FR" b="0" dirty="0" err="1">
-                <a:solidFill>
-                  <a:srgbClr val="A31515"/>
-                </a:solidFill>
-                <a:effectLst/>
-                <a:latin typeface="Consolas" panose="020B0609020204030204" pitchFamily="49" charset="0"/>
-              </a:rPr>
-              <a:t>name</a:t>
-            </a:r>
-            <a:r>
-              <a:rPr lang="fr-FR" b="0" dirty="0">
-                <a:solidFill>
-                  <a:srgbClr val="A31515"/>
-                </a:solidFill>
-                <a:effectLst/>
-                <a:latin typeface="Consolas" panose="020B0609020204030204" pitchFamily="49" charset="0"/>
-              </a:rPr>
-              <a:t>"</a:t>
-            </a:r>
-            <a:r>
-              <a:rPr lang="fr-FR" b="0" dirty="0">
-                <a:solidFill>
-                  <a:srgbClr val="000000"/>
-                </a:solidFill>
-                <a:effectLst/>
-                <a:latin typeface="Consolas" panose="020B0609020204030204" pitchFamily="49" charset="0"/>
-              </a:rPr>
-              <a:t>].append(</a:t>
-            </a:r>
-            <a:r>
-              <a:rPr lang="fr-FR" b="0" dirty="0" err="1">
-                <a:solidFill>
-                  <a:srgbClr val="000000"/>
-                </a:solidFill>
-                <a:effectLst/>
-                <a:latin typeface="Consolas" panose="020B0609020204030204" pitchFamily="49" charset="0"/>
-              </a:rPr>
-              <a:t>track</a:t>
-            </a:r>
-            <a:r>
-              <a:rPr lang="fr-FR" b="0" dirty="0">
-                <a:solidFill>
-                  <a:srgbClr val="000000"/>
-                </a:solidFill>
-                <a:effectLst/>
-                <a:latin typeface="Consolas" panose="020B0609020204030204" pitchFamily="49" charset="0"/>
-              </a:rPr>
-              <a:t>[</a:t>
-            </a:r>
-            <a:r>
-              <a:rPr lang="fr-FR" b="0" dirty="0">
-                <a:solidFill>
-                  <a:srgbClr val="A31515"/>
-                </a:solidFill>
-                <a:effectLst/>
-                <a:latin typeface="Consolas" panose="020B0609020204030204" pitchFamily="49" charset="0"/>
-              </a:rPr>
-              <a:t>'</a:t>
-            </a:r>
-            <a:r>
-              <a:rPr lang="fr-FR" b="0" dirty="0" err="1">
-                <a:solidFill>
-                  <a:srgbClr val="A31515"/>
-                </a:solidFill>
-                <a:effectLst/>
-                <a:latin typeface="Consolas" panose="020B0609020204030204" pitchFamily="49" charset="0"/>
-              </a:rPr>
-              <a:t>name</a:t>
-            </a:r>
-            <a:r>
-              <a:rPr lang="fr-FR" b="0" dirty="0">
-                <a:solidFill>
-                  <a:srgbClr val="A31515"/>
-                </a:solidFill>
-                <a:effectLst/>
-                <a:latin typeface="Consolas" panose="020B0609020204030204" pitchFamily="49" charset="0"/>
-              </a:rPr>
-              <a:t>'</a:t>
-            </a:r>
-            <a:r>
-              <a:rPr lang="fr-FR" b="0" dirty="0">
-                <a:solidFill>
-                  <a:srgbClr val="000000"/>
-                </a:solidFill>
-                <a:effectLst/>
-                <a:latin typeface="Consolas" panose="020B0609020204030204" pitchFamily="49" charset="0"/>
-              </a:rPr>
-              <a:t>])</a:t>
-            </a:r>
-          </a:p>
-          <a:p>
-            <a:pPr marL="0" indent="0">
-              <a:buNone/>
-            </a:pPr>
-            <a:endParaRPr lang="en-US" dirty="0"/>
-          </a:p>
-        </p:txBody>
-      </p:sp>
-    </p:spTree>
-    <p:extLst>
-      <p:ext uri="{BB962C8B-B14F-4D97-AF65-F5344CB8AC3E}">
-        <p14:creationId xmlns:p14="http://schemas.microsoft.com/office/powerpoint/2010/main" val="2694540865"/>
-      </p:ext>
-    </p:extLst>
-  </p:cSld>
-  <p:clrMapOvr>
-    <a:masterClrMapping/>
-  </p:clrMapOvr>
-</p:sld>
-</file>
-
-<file path=ppt/slides/slide22.xml><?xml version="1.0" encoding="utf-8"?>
-<p:sld xmlns:a="http://schemas.openxmlformats.org/drawingml/2006/main" xmlns:r="http://schemas.openxmlformats.org/officeDocument/2006/relationships" xmlns:p="http://schemas.openxmlformats.org/presentationml/2006/main">
-  <p:cSld>
-    <p:spTree>
-      <p:nvGrpSpPr>
-        <p:cNvPr id="1" name=""/>
-        <p:cNvGrpSpPr/>
-        <p:nvPr/>
-      </p:nvGrpSpPr>
-      <p:grpSpPr>
-        <a:xfrm>
-          <a:off x="0" y="0"/>
-          <a:ext cx="0" cy="0"/>
-          <a:chOff x="0" y="0"/>
-          <a:chExt cx="0" cy="0"/>
-        </a:xfrm>
-      </p:grpSpPr>
-      <p:sp>
-        <p:nvSpPr>
-          <p:cNvPr id="2" name="Titre 1">
-            <a:extLst>
-              <a:ext uri="{FF2B5EF4-FFF2-40B4-BE49-F238E27FC236}">
-                <a16:creationId xmlns:a16="http://schemas.microsoft.com/office/drawing/2014/main" id="{0EC55D33-C83F-4CDC-8A1B-2B504D77D8CF}"/>
-              </a:ext>
-            </a:extLst>
-          </p:cNvPr>
-          <p:cNvSpPr>
-            <a:spLocks noGrp="1"/>
-          </p:cNvSpPr>
-          <p:nvPr>
-            <p:ph type="title"/>
-          </p:nvPr>
-        </p:nvSpPr>
-        <p:spPr/>
-        <p:txBody>
-          <a:bodyPr/>
-          <a:lstStyle/>
-          <a:p>
-            <a:r>
-              <a:rPr lang="en-US" dirty="0"/>
-              <a:t>Music taste analysis</a:t>
-            </a:r>
-          </a:p>
-        </p:txBody>
-      </p:sp>
-      <p:pic>
-        <p:nvPicPr>
-          <p:cNvPr id="5" name="Espace réservé du contenu 4">
-            <a:extLst>
-              <a:ext uri="{FF2B5EF4-FFF2-40B4-BE49-F238E27FC236}">
-                <a16:creationId xmlns:a16="http://schemas.microsoft.com/office/drawing/2014/main" id="{B65D1556-1E0B-4F6D-ADA0-19BEB299B914}"/>
-              </a:ext>
-            </a:extLst>
-          </p:cNvPr>
-          <p:cNvPicPr>
-            <a:picLocks noGrp="1" noChangeAspect="1"/>
-          </p:cNvPicPr>
-          <p:nvPr>
-            <p:ph idx="1"/>
-          </p:nvPr>
-        </p:nvPicPr>
-        <p:blipFill>
-          <a:blip r:embed="rId2">
-            <a:extLst>
-              <a:ext uri="{28A0092B-C50C-407E-A947-70E740481C1C}">
-                <a14:useLocalDpi xmlns:a14="http://schemas.microsoft.com/office/drawing/2010/main" val="0"/>
-              </a:ext>
-              <a:ext uri="{96DAC541-7B7A-43D3-8B79-37D633B846F1}">
-                <asvg:svgBlip xmlns:asvg="http://schemas.microsoft.com/office/drawing/2016/SVG/main" r:embed="rId3"/>
-              </a:ext>
-            </a:extLst>
-          </a:blip>
-          <a:stretch>
-            <a:fillRect/>
-          </a:stretch>
-        </p:blipFill>
-        <p:spPr>
-          <a:xfrm>
-            <a:off x="3592811" y="1825625"/>
-            <a:ext cx="5006378" cy="4351338"/>
-          </a:xfrm>
-        </p:spPr>
-      </p:pic>
-    </p:spTree>
-    <p:extLst>
-      <p:ext uri="{BB962C8B-B14F-4D97-AF65-F5344CB8AC3E}">
-        <p14:creationId xmlns:p14="http://schemas.microsoft.com/office/powerpoint/2010/main" val="898901086"/>
-      </p:ext>
-    </p:extLst>
-  </p:cSld>
-  <p:clrMapOvr>
-    <a:masterClrMapping/>
-  </p:clrMapOvr>
-</p:sld>
-</file>
-
-<file path=ppt/slides/slide23.xml><?xml version="1.0" encoding="utf-8"?>
-<p:sld xmlns:a="http://schemas.openxmlformats.org/drawingml/2006/main" xmlns:r="http://schemas.openxmlformats.org/officeDocument/2006/relationships" xmlns:p="http://schemas.openxmlformats.org/presentationml/2006/main">
-  <p:cSld>
-    <p:spTree>
-      <p:nvGrpSpPr>
-        <p:cNvPr id="1" name=""/>
-        <p:cNvGrpSpPr/>
-        <p:nvPr/>
-      </p:nvGrpSpPr>
-      <p:grpSpPr>
-        <a:xfrm>
-          <a:off x="0" y="0"/>
-          <a:ext cx="0" cy="0"/>
-          <a:chOff x="0" y="0"/>
-          <a:chExt cx="0" cy="0"/>
-        </a:xfrm>
-      </p:grpSpPr>
-      <p:sp>
-        <p:nvSpPr>
-          <p:cNvPr id="2" name="Titre 1">
-            <a:extLst>
-              <a:ext uri="{FF2B5EF4-FFF2-40B4-BE49-F238E27FC236}">
-                <a16:creationId xmlns:a16="http://schemas.microsoft.com/office/drawing/2014/main" id="{1FFD6DE5-85EF-47E5-AA4F-44714B399865}"/>
-              </a:ext>
-            </a:extLst>
-          </p:cNvPr>
-          <p:cNvSpPr>
-            <a:spLocks noGrp="1"/>
-          </p:cNvSpPr>
-          <p:nvPr>
-            <p:ph type="title"/>
-          </p:nvPr>
-        </p:nvSpPr>
-        <p:spPr/>
-        <p:txBody>
-          <a:bodyPr/>
-          <a:lstStyle/>
-          <a:p>
-            <a:r>
-              <a:rPr lang="en-US" dirty="0"/>
-              <a:t>Music taste analysis</a:t>
-            </a:r>
-          </a:p>
-        </p:txBody>
-      </p:sp>
-      <p:sp>
-        <p:nvSpPr>
-          <p:cNvPr id="3" name="Espace réservé du contenu 2">
-            <a:extLst>
-              <a:ext uri="{FF2B5EF4-FFF2-40B4-BE49-F238E27FC236}">
-                <a16:creationId xmlns:a16="http://schemas.microsoft.com/office/drawing/2014/main" id="{46E947A8-E519-473F-9A43-139D0C5C634C}"/>
-              </a:ext>
-            </a:extLst>
-          </p:cNvPr>
-          <p:cNvSpPr>
-            <a:spLocks noGrp="1"/>
-          </p:cNvSpPr>
-          <p:nvPr>
-            <p:ph idx="1"/>
-          </p:nvPr>
-        </p:nvSpPr>
-        <p:spPr/>
-        <p:txBody>
-          <a:bodyPr/>
-          <a:lstStyle/>
-          <a:p>
-            <a:pPr marL="0" indent="0">
-              <a:buNone/>
-            </a:pPr>
-            <a:r>
-              <a:rPr lang="fr-FR" b="0" dirty="0">
-                <a:solidFill>
-                  <a:srgbClr val="0000FF"/>
-                </a:solidFill>
-                <a:effectLst/>
-                <a:latin typeface="Consolas" panose="020B0609020204030204" pitchFamily="49" charset="0"/>
-              </a:rPr>
-              <a:t>import</a:t>
-            </a:r>
-            <a:r>
-              <a:rPr lang="fr-FR" b="0" dirty="0">
-                <a:solidFill>
-                  <a:srgbClr val="000000"/>
-                </a:solidFill>
-                <a:effectLst/>
-                <a:latin typeface="Consolas" panose="020B0609020204030204" pitchFamily="49" charset="0"/>
-              </a:rPr>
-              <a:t> </a:t>
-            </a:r>
-            <a:r>
-              <a:rPr lang="fr-FR" b="0" dirty="0" err="1">
-                <a:solidFill>
-                  <a:srgbClr val="000000"/>
-                </a:solidFill>
-                <a:effectLst/>
-                <a:latin typeface="Consolas" panose="020B0609020204030204" pitchFamily="49" charset="0"/>
-              </a:rPr>
-              <a:t>spotifyAPI</a:t>
-            </a:r>
-            <a:endParaRPr lang="fr-FR" b="0" dirty="0">
-              <a:solidFill>
-                <a:srgbClr val="000000"/>
-              </a:solidFill>
-              <a:effectLst/>
-              <a:latin typeface="Consolas" panose="020B0609020204030204" pitchFamily="49" charset="0"/>
-            </a:endParaRPr>
-          </a:p>
-          <a:p>
-            <a:pPr marL="0" indent="0">
-              <a:buNone/>
-            </a:pPr>
-            <a:r>
-              <a:rPr lang="fr-FR" b="0" dirty="0" err="1">
-                <a:solidFill>
-                  <a:srgbClr val="0000FF"/>
-                </a:solidFill>
-                <a:effectLst/>
-                <a:latin typeface="Consolas" panose="020B0609020204030204" pitchFamily="49" charset="0"/>
-              </a:rPr>
-              <a:t>from</a:t>
-            </a:r>
-            <a:r>
-              <a:rPr lang="fr-FR" b="0" dirty="0">
-                <a:solidFill>
-                  <a:srgbClr val="000000"/>
-                </a:solidFill>
-                <a:effectLst/>
-                <a:latin typeface="Consolas" panose="020B0609020204030204" pitchFamily="49" charset="0"/>
-              </a:rPr>
-              <a:t> secret </a:t>
-            </a:r>
-            <a:r>
-              <a:rPr lang="fr-FR" b="0" dirty="0">
-                <a:solidFill>
-                  <a:srgbClr val="0000FF"/>
-                </a:solidFill>
-                <a:effectLst/>
-                <a:latin typeface="Consolas" panose="020B0609020204030204" pitchFamily="49" charset="0"/>
-              </a:rPr>
-              <a:t>import</a:t>
-            </a:r>
-            <a:r>
-              <a:rPr lang="fr-FR" b="0" dirty="0">
-                <a:solidFill>
-                  <a:srgbClr val="000000"/>
-                </a:solidFill>
-                <a:effectLst/>
-                <a:latin typeface="Consolas" panose="020B0609020204030204" pitchFamily="49" charset="0"/>
-              </a:rPr>
-              <a:t> </a:t>
-            </a:r>
-            <a:r>
-              <a:rPr lang="fr-FR" b="0" dirty="0" err="1">
-                <a:solidFill>
-                  <a:srgbClr val="000000"/>
-                </a:solidFill>
-                <a:effectLst/>
-                <a:latin typeface="Consolas" panose="020B0609020204030204" pitchFamily="49" charset="0"/>
-              </a:rPr>
-              <a:t>clientId,clientSecret</a:t>
-            </a:r>
-            <a:br>
-              <a:rPr lang="fr-FR" b="0" dirty="0">
-                <a:solidFill>
-                  <a:srgbClr val="000000"/>
-                </a:solidFill>
-                <a:effectLst/>
-                <a:latin typeface="Consolas" panose="020B0609020204030204" pitchFamily="49" charset="0"/>
-              </a:rPr>
-            </a:br>
-            <a:r>
-              <a:rPr lang="fr-FR" b="0" dirty="0" err="1">
-                <a:solidFill>
-                  <a:srgbClr val="000000"/>
-                </a:solidFill>
-                <a:effectLst/>
-                <a:latin typeface="Consolas" panose="020B0609020204030204" pitchFamily="49" charset="0"/>
-              </a:rPr>
-              <a:t>token</a:t>
-            </a:r>
-            <a:r>
-              <a:rPr lang="fr-FR" b="0" dirty="0">
-                <a:solidFill>
-                  <a:srgbClr val="000000"/>
-                </a:solidFill>
-                <a:effectLst/>
-                <a:latin typeface="Consolas" panose="020B0609020204030204" pitchFamily="49" charset="0"/>
-              </a:rPr>
-              <a:t>  = </a:t>
-            </a:r>
-            <a:r>
-              <a:rPr lang="fr-FR" b="0" dirty="0" err="1">
-                <a:solidFill>
-                  <a:srgbClr val="000000"/>
-                </a:solidFill>
-                <a:effectLst/>
-                <a:latin typeface="Consolas" panose="020B0609020204030204" pitchFamily="49" charset="0"/>
-              </a:rPr>
-              <a:t>spotifyAPI.get_token</a:t>
-            </a:r>
-            <a:r>
-              <a:rPr lang="fr-FR" b="0" dirty="0">
-                <a:solidFill>
-                  <a:srgbClr val="000000"/>
-                </a:solidFill>
-                <a:effectLst/>
-                <a:latin typeface="Consolas" panose="020B0609020204030204" pitchFamily="49" charset="0"/>
-              </a:rPr>
-              <a:t>(</a:t>
-            </a:r>
-            <a:r>
-              <a:rPr lang="fr-FR" b="0" dirty="0" err="1">
-                <a:solidFill>
-                  <a:srgbClr val="000000"/>
-                </a:solidFill>
-                <a:effectLst/>
-                <a:latin typeface="Consolas" panose="020B0609020204030204" pitchFamily="49" charset="0"/>
-              </a:rPr>
-              <a:t>clientId,clientSecret</a:t>
-            </a:r>
-            <a:r>
-              <a:rPr lang="fr-FR" b="0" dirty="0">
-                <a:solidFill>
-                  <a:srgbClr val="000000"/>
-                </a:solidFill>
-                <a:effectLst/>
-                <a:latin typeface="Consolas" panose="020B0609020204030204" pitchFamily="49" charset="0"/>
-              </a:rPr>
-              <a:t>)</a:t>
-            </a:r>
-          </a:p>
-          <a:p>
-            <a:pPr marL="0" indent="0">
-              <a:buNone/>
-            </a:pPr>
-            <a:r>
-              <a:rPr lang="en-US" b="0" dirty="0" err="1">
-                <a:solidFill>
-                  <a:srgbClr val="000000"/>
-                </a:solidFill>
-                <a:effectLst/>
-                <a:latin typeface="Consolas" panose="020B0609020204030204" pitchFamily="49" charset="0"/>
-              </a:rPr>
-              <a:t>lucy_id</a:t>
-            </a:r>
-            <a:r>
-              <a:rPr lang="en-US" b="0" dirty="0">
-                <a:solidFill>
-                  <a:srgbClr val="000000"/>
-                </a:solidFill>
-                <a:effectLst/>
-                <a:latin typeface="Consolas" panose="020B0609020204030204" pitchFamily="49" charset="0"/>
-              </a:rPr>
-              <a:t> = spotifyAPI.get_track_id2(</a:t>
-            </a:r>
-            <a:r>
-              <a:rPr lang="en-US" b="0" dirty="0">
-                <a:solidFill>
-                  <a:srgbClr val="A31515"/>
-                </a:solidFill>
-                <a:effectLst/>
-                <a:latin typeface="Consolas" panose="020B0609020204030204" pitchFamily="49" charset="0"/>
-              </a:rPr>
-              <a:t>'Lucy in the Sky'</a:t>
-            </a:r>
-            <a:r>
-              <a:rPr lang="en-US" b="0" dirty="0">
-                <a:solidFill>
-                  <a:srgbClr val="000000"/>
-                </a:solidFill>
-                <a:effectLst/>
-                <a:latin typeface="Consolas" panose="020B0609020204030204" pitchFamily="49" charset="0"/>
-              </a:rPr>
-              <a:t>, token, artist = </a:t>
-            </a:r>
-            <a:r>
-              <a:rPr lang="en-US" b="0" dirty="0">
-                <a:solidFill>
-                  <a:srgbClr val="A31515"/>
-                </a:solidFill>
-                <a:effectLst/>
-                <a:latin typeface="Consolas" panose="020B0609020204030204" pitchFamily="49" charset="0"/>
-              </a:rPr>
-              <a:t>'The Beatles’</a:t>
-            </a:r>
-            <a:r>
-              <a:rPr lang="en-US" b="0" dirty="0">
-                <a:solidFill>
-                  <a:srgbClr val="000000"/>
-                </a:solidFill>
-                <a:effectLst/>
-                <a:latin typeface="Consolas" panose="020B0609020204030204" pitchFamily="49" charset="0"/>
-              </a:rPr>
-              <a:t>)</a:t>
-            </a:r>
-          </a:p>
-          <a:p>
-            <a:pPr marL="0" indent="0">
-              <a:buNone/>
-            </a:pPr>
-            <a:endParaRPr lang="en-US" dirty="0"/>
-          </a:p>
-          <a:p>
-            <a:pPr marL="0" indent="0">
-              <a:buNone/>
-            </a:pPr>
-            <a:r>
-              <a:rPr lang="fr-FR" b="0" dirty="0">
-                <a:solidFill>
-                  <a:srgbClr val="000000"/>
-                </a:solidFill>
-                <a:effectLst/>
-                <a:latin typeface="Consolas" panose="020B0609020204030204" pitchFamily="49" charset="0"/>
-              </a:rPr>
-              <a:t>url = </a:t>
-            </a:r>
-            <a:r>
-              <a:rPr lang="fr-FR" b="0" dirty="0">
-                <a:solidFill>
-                  <a:srgbClr val="A31515"/>
-                </a:solidFill>
-                <a:effectLst/>
-                <a:latin typeface="Consolas" panose="020B0609020204030204" pitchFamily="49" charset="0"/>
-              </a:rPr>
-              <a:t>"https://open.spotify.com/</a:t>
-            </a:r>
-            <a:r>
-              <a:rPr lang="fr-FR" b="0" dirty="0" err="1">
-                <a:solidFill>
-                  <a:srgbClr val="A31515"/>
-                </a:solidFill>
-                <a:effectLst/>
-                <a:latin typeface="Consolas" panose="020B0609020204030204" pitchFamily="49" charset="0"/>
-              </a:rPr>
-              <a:t>track</a:t>
-            </a:r>
-            <a:r>
-              <a:rPr lang="fr-FR" b="0" dirty="0">
-                <a:solidFill>
-                  <a:srgbClr val="A31515"/>
-                </a:solidFill>
-                <a:effectLst/>
-                <a:latin typeface="Consolas" panose="020B0609020204030204" pitchFamily="49" charset="0"/>
-              </a:rPr>
-              <a:t>/"</a:t>
-            </a:r>
-            <a:r>
-              <a:rPr lang="fr-FR" b="0" dirty="0">
-                <a:solidFill>
-                  <a:srgbClr val="000000"/>
-                </a:solidFill>
-                <a:effectLst/>
-                <a:latin typeface="Consolas" panose="020B0609020204030204" pitchFamily="49" charset="0"/>
-              </a:rPr>
-              <a:t>+</a:t>
-            </a:r>
-            <a:r>
-              <a:rPr lang="fr-FR" b="0" dirty="0" err="1">
-                <a:solidFill>
-                  <a:srgbClr val="000000"/>
-                </a:solidFill>
-                <a:effectLst/>
-                <a:latin typeface="Consolas" panose="020B0609020204030204" pitchFamily="49" charset="0"/>
-              </a:rPr>
-              <a:t>lucy_id</a:t>
-            </a:r>
-            <a:endParaRPr lang="fr-FR" b="0" dirty="0">
-              <a:solidFill>
-                <a:srgbClr val="000000"/>
-              </a:solidFill>
-              <a:effectLst/>
-              <a:latin typeface="Consolas" panose="020B0609020204030204" pitchFamily="49" charset="0"/>
-            </a:endParaRPr>
-          </a:p>
-          <a:p>
-            <a:pPr marL="0" indent="0">
-              <a:buNone/>
-            </a:pPr>
-            <a:r>
-              <a:rPr lang="fr-FR" b="0" dirty="0">
-                <a:solidFill>
-                  <a:srgbClr val="0000FF"/>
-                </a:solidFill>
-                <a:effectLst/>
-                <a:latin typeface="Consolas" panose="020B0609020204030204" pitchFamily="49" charset="0"/>
-              </a:rPr>
-              <a:t>import</a:t>
-            </a:r>
-            <a:r>
-              <a:rPr lang="fr-FR" b="0" dirty="0">
-                <a:solidFill>
-                  <a:srgbClr val="000000"/>
-                </a:solidFill>
-                <a:effectLst/>
-                <a:latin typeface="Consolas" panose="020B0609020204030204" pitchFamily="49" charset="0"/>
-              </a:rPr>
-              <a:t> </a:t>
-            </a:r>
-            <a:r>
-              <a:rPr lang="fr-FR" b="0" dirty="0" err="1">
-                <a:solidFill>
-                  <a:srgbClr val="000000"/>
-                </a:solidFill>
-                <a:effectLst/>
-                <a:latin typeface="Consolas" panose="020B0609020204030204" pitchFamily="49" charset="0"/>
-              </a:rPr>
-              <a:t>webbrowser</a:t>
-            </a:r>
-            <a:endParaRPr lang="fr-FR" b="0" dirty="0">
-              <a:solidFill>
-                <a:srgbClr val="000000"/>
-              </a:solidFill>
-              <a:effectLst/>
-              <a:latin typeface="Consolas" panose="020B0609020204030204" pitchFamily="49" charset="0"/>
-            </a:endParaRPr>
-          </a:p>
-          <a:p>
-            <a:pPr marL="0" indent="0">
-              <a:buNone/>
-            </a:pPr>
-            <a:r>
-              <a:rPr lang="fr-FR" b="0" dirty="0" err="1">
-                <a:solidFill>
-                  <a:srgbClr val="000000"/>
-                </a:solidFill>
-                <a:effectLst/>
-                <a:latin typeface="Consolas" panose="020B0609020204030204" pitchFamily="49" charset="0"/>
-              </a:rPr>
-              <a:t>webbrowser.open</a:t>
-            </a:r>
-            <a:r>
-              <a:rPr lang="fr-FR" b="0" dirty="0">
-                <a:solidFill>
-                  <a:srgbClr val="000000"/>
-                </a:solidFill>
-                <a:effectLst/>
-                <a:latin typeface="Consolas" panose="020B0609020204030204" pitchFamily="49" charset="0"/>
-              </a:rPr>
-              <a:t>(url)</a:t>
-            </a:r>
-          </a:p>
-          <a:p>
-            <a:pPr marL="0" indent="0">
-              <a:buNone/>
-            </a:pPr>
-            <a:endParaRPr lang="en-US" dirty="0"/>
-          </a:p>
-        </p:txBody>
-      </p:sp>
-    </p:spTree>
-    <p:extLst>
-      <p:ext uri="{BB962C8B-B14F-4D97-AF65-F5344CB8AC3E}">
-        <p14:creationId xmlns:p14="http://schemas.microsoft.com/office/powerpoint/2010/main" val="96630242"/>
-      </p:ext>
-    </p:extLst>
-  </p:cSld>
-  <p:clrMapOvr>
-    <a:masterClrMapping/>
-  </p:clrMapOvr>
-</p:sld>
-</file>
-
-<file path=ppt/slides/slide24.xml><?xml version="1.0" encoding="utf-8"?>
-<p:sld xmlns:a="http://schemas.openxmlformats.org/drawingml/2006/main" xmlns:r="http://schemas.openxmlformats.org/officeDocument/2006/relationships" xmlns:p="http://schemas.openxmlformats.org/presentationml/2006/main">
-  <p:cSld>
-    <p:spTree>
-      <p:nvGrpSpPr>
-        <p:cNvPr id="1" name=""/>
-        <p:cNvGrpSpPr/>
-        <p:nvPr/>
-      </p:nvGrpSpPr>
-      <p:grpSpPr>
-        <a:xfrm>
-          <a:off x="0" y="0"/>
-          <a:ext cx="0" cy="0"/>
-          <a:chOff x="0" y="0"/>
-          <a:chExt cx="0" cy="0"/>
-        </a:xfrm>
-      </p:grpSpPr>
-      <p:sp>
-        <p:nvSpPr>
-          <p:cNvPr id="2" name="Titre 1">
-            <a:extLst>
-              <a:ext uri="{FF2B5EF4-FFF2-40B4-BE49-F238E27FC236}">
-                <a16:creationId xmlns:a16="http://schemas.microsoft.com/office/drawing/2014/main" id="{E12B2271-5007-4F80-96AA-3C5BBD49E4A4}"/>
-              </a:ext>
-            </a:extLst>
-          </p:cNvPr>
-          <p:cNvSpPr>
-            <a:spLocks noGrp="1"/>
-          </p:cNvSpPr>
-          <p:nvPr>
-            <p:ph type="title"/>
-          </p:nvPr>
-        </p:nvSpPr>
-        <p:spPr/>
-        <p:txBody>
-          <a:bodyPr/>
-          <a:lstStyle/>
-          <a:p>
-            <a:endParaRPr lang="en-US"/>
-          </a:p>
-        </p:txBody>
-      </p:sp>
-      <p:sp>
-        <p:nvSpPr>
-          <p:cNvPr id="3" name="Espace réservé du contenu 2">
-            <a:extLst>
-              <a:ext uri="{FF2B5EF4-FFF2-40B4-BE49-F238E27FC236}">
-                <a16:creationId xmlns:a16="http://schemas.microsoft.com/office/drawing/2014/main" id="{B2E6B7F4-0E10-4EA5-A57D-A67AD015B698}"/>
-              </a:ext>
-            </a:extLst>
-          </p:cNvPr>
-          <p:cNvSpPr>
-            <a:spLocks noGrp="1"/>
-          </p:cNvSpPr>
-          <p:nvPr>
-            <p:ph idx="1"/>
-          </p:nvPr>
-        </p:nvSpPr>
-        <p:spPr/>
-        <p:txBody>
-          <a:bodyPr>
-            <a:normAutofit lnSpcReduction="10000"/>
-          </a:bodyPr>
-          <a:lstStyle/>
-          <a:p>
-            <a:pPr marL="0" indent="0">
-              <a:buNone/>
-            </a:pPr>
-            <a:r>
-              <a:rPr lang="fr-FR" b="0" dirty="0">
-                <a:solidFill>
-                  <a:srgbClr val="0000FF"/>
-                </a:solidFill>
-                <a:effectLst/>
-                <a:latin typeface="Consolas" panose="020B0609020204030204" pitchFamily="49" charset="0"/>
-              </a:rPr>
-              <a:t>import</a:t>
-            </a:r>
-            <a:r>
-              <a:rPr lang="fr-FR" b="0" dirty="0">
-                <a:solidFill>
-                  <a:srgbClr val="000000"/>
-                </a:solidFill>
-                <a:effectLst/>
-                <a:latin typeface="Consolas" panose="020B0609020204030204" pitchFamily="49" charset="0"/>
-              </a:rPr>
-              <a:t> pandas </a:t>
-            </a:r>
-            <a:r>
-              <a:rPr lang="fr-FR" b="0" dirty="0">
-                <a:solidFill>
-                  <a:srgbClr val="0000FF"/>
-                </a:solidFill>
-                <a:effectLst/>
-                <a:latin typeface="Consolas" panose="020B0609020204030204" pitchFamily="49" charset="0"/>
-              </a:rPr>
-              <a:t>as</a:t>
-            </a:r>
-            <a:r>
-              <a:rPr lang="fr-FR" b="0" dirty="0">
-                <a:solidFill>
-                  <a:srgbClr val="000000"/>
-                </a:solidFill>
-                <a:effectLst/>
-                <a:latin typeface="Consolas" panose="020B0609020204030204" pitchFamily="49" charset="0"/>
-              </a:rPr>
-              <a:t> </a:t>
-            </a:r>
-            <a:r>
-              <a:rPr lang="fr-FR" b="0" dirty="0" err="1">
-                <a:solidFill>
-                  <a:srgbClr val="000000"/>
-                </a:solidFill>
-                <a:effectLst/>
-                <a:latin typeface="Consolas" panose="020B0609020204030204" pitchFamily="49" charset="0"/>
-              </a:rPr>
-              <a:t>pd</a:t>
-            </a:r>
-            <a:endParaRPr lang="fr-FR" b="0" dirty="0">
-              <a:solidFill>
-                <a:srgbClr val="000000"/>
-              </a:solidFill>
-              <a:effectLst/>
-              <a:latin typeface="Consolas" panose="020B0609020204030204" pitchFamily="49" charset="0"/>
-            </a:endParaRPr>
-          </a:p>
-          <a:p>
-            <a:pPr marL="0" indent="0">
-              <a:buNone/>
-            </a:pPr>
-            <a:endParaRPr lang="en-US" b="0" dirty="0">
-              <a:solidFill>
-                <a:srgbClr val="000000"/>
-              </a:solidFill>
-              <a:effectLst/>
-              <a:latin typeface="Consolas" panose="020B0609020204030204" pitchFamily="49" charset="0"/>
-            </a:endParaRPr>
-          </a:p>
-          <a:p>
-            <a:pPr marL="0" indent="0">
-              <a:buNone/>
-            </a:pPr>
-            <a:r>
-              <a:rPr lang="en-US" b="0" dirty="0" err="1">
-                <a:solidFill>
-                  <a:srgbClr val="000000"/>
-                </a:solidFill>
-                <a:effectLst/>
-                <a:latin typeface="Consolas" panose="020B0609020204030204" pitchFamily="49" charset="0"/>
-              </a:rPr>
-              <a:t>lucy_features</a:t>
-            </a:r>
-            <a:r>
-              <a:rPr lang="en-US" b="0" dirty="0">
-                <a:solidFill>
-                  <a:srgbClr val="000000"/>
-                </a:solidFill>
-                <a:effectLst/>
-                <a:latin typeface="Consolas" panose="020B0609020204030204" pitchFamily="49" charset="0"/>
-              </a:rPr>
-              <a:t> = </a:t>
-            </a:r>
-            <a:r>
-              <a:rPr lang="en-US" b="0" dirty="0" err="1">
-                <a:solidFill>
-                  <a:srgbClr val="000000"/>
-                </a:solidFill>
-                <a:effectLst/>
-                <a:latin typeface="Consolas" panose="020B0609020204030204" pitchFamily="49" charset="0"/>
-              </a:rPr>
-              <a:t>spotifyAPI.get_features</a:t>
-            </a:r>
-            <a:r>
-              <a:rPr lang="en-US" b="0" dirty="0">
-                <a:solidFill>
-                  <a:srgbClr val="000000"/>
-                </a:solidFill>
-                <a:effectLst/>
-                <a:latin typeface="Consolas" panose="020B0609020204030204" pitchFamily="49" charset="0"/>
-              </a:rPr>
-              <a:t>(</a:t>
-            </a:r>
-            <a:r>
-              <a:rPr lang="en-US" b="0" dirty="0" err="1">
-                <a:solidFill>
-                  <a:srgbClr val="000000"/>
-                </a:solidFill>
-                <a:effectLst/>
-                <a:latin typeface="Consolas" panose="020B0609020204030204" pitchFamily="49" charset="0"/>
-              </a:rPr>
-              <a:t>lucy_id,token</a:t>
-            </a:r>
-            <a:r>
-              <a:rPr lang="en-US" b="0" dirty="0">
-                <a:solidFill>
-                  <a:srgbClr val="000000"/>
-                </a:solidFill>
-                <a:effectLst/>
-                <a:latin typeface="Consolas" panose="020B0609020204030204" pitchFamily="49" charset="0"/>
-              </a:rPr>
-              <a:t>)</a:t>
-            </a:r>
-          </a:p>
-          <a:p>
-            <a:pPr marL="0" indent="0">
-              <a:buNone/>
-            </a:pPr>
-            <a:r>
-              <a:rPr lang="fr-FR" b="0" dirty="0" err="1">
-                <a:solidFill>
-                  <a:srgbClr val="000000"/>
-                </a:solidFill>
-                <a:effectLst/>
-                <a:latin typeface="Consolas" panose="020B0609020204030204" pitchFamily="49" charset="0"/>
-              </a:rPr>
-              <a:t>df</a:t>
-            </a:r>
-            <a:r>
-              <a:rPr lang="fr-FR" b="0" dirty="0">
-                <a:solidFill>
-                  <a:srgbClr val="000000"/>
-                </a:solidFill>
-                <a:effectLst/>
-                <a:latin typeface="Consolas" panose="020B0609020204030204" pitchFamily="49" charset="0"/>
-              </a:rPr>
-              <a:t> = </a:t>
-            </a:r>
-            <a:r>
-              <a:rPr lang="fr-FR" b="0" dirty="0" err="1">
-                <a:solidFill>
-                  <a:srgbClr val="000000"/>
-                </a:solidFill>
-                <a:effectLst/>
-                <a:latin typeface="Consolas" panose="020B0609020204030204" pitchFamily="49" charset="0"/>
-              </a:rPr>
-              <a:t>pd.DataFrame</a:t>
-            </a:r>
-            <a:r>
-              <a:rPr lang="fr-FR" b="0" dirty="0">
-                <a:solidFill>
-                  <a:srgbClr val="000000"/>
-                </a:solidFill>
-                <a:effectLst/>
-                <a:latin typeface="Consolas" panose="020B0609020204030204" pitchFamily="49" charset="0"/>
-              </a:rPr>
-              <a:t>(</a:t>
-            </a:r>
-            <a:r>
-              <a:rPr lang="fr-FR" b="0" dirty="0" err="1">
-                <a:solidFill>
-                  <a:srgbClr val="000000"/>
-                </a:solidFill>
-                <a:effectLst/>
-                <a:latin typeface="Consolas" panose="020B0609020204030204" pitchFamily="49" charset="0"/>
-              </a:rPr>
-              <a:t>lucy_features</a:t>
-            </a:r>
-            <a:r>
-              <a:rPr lang="fr-FR" b="0" dirty="0">
-                <a:solidFill>
-                  <a:srgbClr val="000000"/>
-                </a:solidFill>
-                <a:effectLst/>
-                <a:latin typeface="Consolas" panose="020B0609020204030204" pitchFamily="49" charset="0"/>
-              </a:rPr>
-              <a:t>, index=[</a:t>
-            </a:r>
-            <a:r>
-              <a:rPr lang="fr-FR" b="0" dirty="0">
-                <a:solidFill>
-                  <a:srgbClr val="098658"/>
-                </a:solidFill>
-                <a:effectLst/>
-                <a:latin typeface="Consolas" panose="020B0609020204030204" pitchFamily="49" charset="0"/>
-              </a:rPr>
-              <a:t>0</a:t>
-            </a:r>
-            <a:r>
-              <a:rPr lang="fr-FR" b="0" dirty="0">
-                <a:solidFill>
-                  <a:srgbClr val="000000"/>
-                </a:solidFill>
-                <a:effectLst/>
-                <a:latin typeface="Consolas" panose="020B0609020204030204" pitchFamily="49" charset="0"/>
-              </a:rPr>
-              <a:t>])</a:t>
-            </a:r>
-          </a:p>
-          <a:p>
-            <a:pPr marL="0" indent="0">
-              <a:buNone/>
-            </a:pPr>
-            <a:r>
-              <a:rPr lang="fr-FR" b="0" dirty="0" err="1">
-                <a:solidFill>
-                  <a:srgbClr val="000000"/>
-                </a:solidFill>
-                <a:effectLst/>
-                <a:latin typeface="Consolas" panose="020B0609020204030204" pitchFamily="49" charset="0"/>
-              </a:rPr>
-              <a:t>df_features</a:t>
-            </a:r>
-            <a:r>
-              <a:rPr lang="fr-FR" b="0" dirty="0">
-                <a:solidFill>
-                  <a:srgbClr val="000000"/>
-                </a:solidFill>
-                <a:effectLst/>
-                <a:latin typeface="Consolas" panose="020B0609020204030204" pitchFamily="49" charset="0"/>
-              </a:rPr>
-              <a:t> = </a:t>
-            </a:r>
-            <a:r>
-              <a:rPr lang="fr-FR" b="0" dirty="0" err="1">
-                <a:solidFill>
-                  <a:srgbClr val="000000"/>
-                </a:solidFill>
-                <a:effectLst/>
-                <a:latin typeface="Consolas" panose="020B0609020204030204" pitchFamily="49" charset="0"/>
-              </a:rPr>
-              <a:t>df.loc</a:t>
-            </a:r>
-            <a:r>
-              <a:rPr lang="fr-FR" b="0" dirty="0">
-                <a:solidFill>
-                  <a:srgbClr val="000000"/>
-                </a:solidFill>
-                <a:effectLst/>
-                <a:latin typeface="Consolas" panose="020B0609020204030204" pitchFamily="49" charset="0"/>
-              </a:rPr>
-              <a:t>[: ,[</a:t>
-            </a:r>
-            <a:r>
-              <a:rPr lang="fr-FR" b="0" dirty="0">
-                <a:solidFill>
-                  <a:srgbClr val="A31515"/>
-                </a:solidFill>
-                <a:effectLst/>
-                <a:latin typeface="Consolas" panose="020B0609020204030204" pitchFamily="49" charset="0"/>
-              </a:rPr>
-              <a:t>'</a:t>
-            </a:r>
-            <a:r>
-              <a:rPr lang="fr-FR" b="0" dirty="0" err="1">
-                <a:solidFill>
-                  <a:srgbClr val="A31515"/>
-                </a:solidFill>
-                <a:effectLst/>
-                <a:latin typeface="Consolas" panose="020B0609020204030204" pitchFamily="49" charset="0"/>
-              </a:rPr>
-              <a:t>acousticness</a:t>
-            </a:r>
-            <a:r>
-              <a:rPr lang="fr-FR" b="0" dirty="0">
-                <a:solidFill>
-                  <a:srgbClr val="A31515"/>
-                </a:solidFill>
-                <a:effectLst/>
-                <a:latin typeface="Consolas" panose="020B0609020204030204" pitchFamily="49" charset="0"/>
-              </a:rPr>
-              <a:t>'</a:t>
-            </a:r>
-            <a:r>
-              <a:rPr lang="fr-FR" b="0" dirty="0">
-                <a:solidFill>
-                  <a:srgbClr val="000000"/>
-                </a:solidFill>
-                <a:effectLst/>
-                <a:latin typeface="Consolas" panose="020B0609020204030204" pitchFamily="49" charset="0"/>
-              </a:rPr>
-              <a:t>, </a:t>
-            </a:r>
-            <a:r>
-              <a:rPr lang="fr-FR" b="0" dirty="0">
-                <a:solidFill>
-                  <a:srgbClr val="A31515"/>
-                </a:solidFill>
-                <a:effectLst/>
-                <a:latin typeface="Consolas" panose="020B0609020204030204" pitchFamily="49" charset="0"/>
-              </a:rPr>
-              <a:t>'</a:t>
-            </a:r>
-            <a:r>
-              <a:rPr lang="fr-FR" b="0" dirty="0" err="1">
-                <a:solidFill>
-                  <a:srgbClr val="A31515"/>
-                </a:solidFill>
-                <a:effectLst/>
-                <a:latin typeface="Consolas" panose="020B0609020204030204" pitchFamily="49" charset="0"/>
-              </a:rPr>
-              <a:t>danceability</a:t>
-            </a:r>
-            <a:r>
-              <a:rPr lang="fr-FR" b="0" dirty="0">
-                <a:solidFill>
-                  <a:srgbClr val="A31515"/>
-                </a:solidFill>
-                <a:effectLst/>
-                <a:latin typeface="Consolas" panose="020B0609020204030204" pitchFamily="49" charset="0"/>
-              </a:rPr>
-              <a:t>'</a:t>
-            </a:r>
-            <a:r>
-              <a:rPr lang="fr-FR" b="0" dirty="0">
-                <a:solidFill>
-                  <a:srgbClr val="000000"/>
-                </a:solidFill>
-                <a:effectLst/>
-                <a:latin typeface="Consolas" panose="020B0609020204030204" pitchFamily="49" charset="0"/>
-              </a:rPr>
-              <a:t>, </a:t>
-            </a:r>
-            <a:r>
-              <a:rPr lang="fr-FR" b="0" dirty="0">
-                <a:solidFill>
-                  <a:srgbClr val="A31515"/>
-                </a:solidFill>
-                <a:effectLst/>
-                <a:latin typeface="Consolas" panose="020B0609020204030204" pitchFamily="49" charset="0"/>
-              </a:rPr>
-              <a:t>'</a:t>
-            </a:r>
-            <a:r>
-              <a:rPr lang="fr-FR" b="0" dirty="0" err="1">
-                <a:solidFill>
-                  <a:srgbClr val="A31515"/>
-                </a:solidFill>
-                <a:effectLst/>
-                <a:latin typeface="Consolas" panose="020B0609020204030204" pitchFamily="49" charset="0"/>
-              </a:rPr>
-              <a:t>energy</a:t>
-            </a:r>
-            <a:r>
-              <a:rPr lang="fr-FR" b="0" dirty="0">
-                <a:solidFill>
-                  <a:srgbClr val="A31515"/>
-                </a:solidFill>
-                <a:effectLst/>
-                <a:latin typeface="Consolas" panose="020B0609020204030204" pitchFamily="49" charset="0"/>
-              </a:rPr>
-              <a:t>'</a:t>
-            </a:r>
-            <a:r>
-              <a:rPr lang="fr-FR" b="0" dirty="0">
-                <a:solidFill>
-                  <a:srgbClr val="000000"/>
-                </a:solidFill>
-                <a:effectLst/>
-                <a:latin typeface="Consolas" panose="020B0609020204030204" pitchFamily="49" charset="0"/>
-              </a:rPr>
-              <a:t>, </a:t>
-            </a:r>
-            <a:r>
-              <a:rPr lang="fr-FR" b="0" dirty="0">
-                <a:solidFill>
-                  <a:srgbClr val="A31515"/>
-                </a:solidFill>
-                <a:effectLst/>
-                <a:latin typeface="Consolas" panose="020B0609020204030204" pitchFamily="49" charset="0"/>
-              </a:rPr>
-              <a:t>'</a:t>
-            </a:r>
-            <a:r>
-              <a:rPr lang="fr-FR" b="0" dirty="0" err="1">
-                <a:solidFill>
-                  <a:srgbClr val="A31515"/>
-                </a:solidFill>
-                <a:effectLst/>
-                <a:latin typeface="Consolas" panose="020B0609020204030204" pitchFamily="49" charset="0"/>
-              </a:rPr>
-              <a:t>instrumentalness</a:t>
-            </a:r>
-            <a:r>
-              <a:rPr lang="fr-FR" b="0" dirty="0">
-                <a:solidFill>
-                  <a:srgbClr val="A31515"/>
-                </a:solidFill>
-                <a:effectLst/>
-                <a:latin typeface="Consolas" panose="020B0609020204030204" pitchFamily="49" charset="0"/>
-              </a:rPr>
-              <a:t>'</a:t>
-            </a:r>
-            <a:r>
-              <a:rPr lang="fr-FR" b="0" dirty="0">
-                <a:solidFill>
-                  <a:srgbClr val="000000"/>
-                </a:solidFill>
-                <a:effectLst/>
-                <a:latin typeface="Consolas" panose="020B0609020204030204" pitchFamily="49" charset="0"/>
-              </a:rPr>
-              <a:t>, </a:t>
-            </a:r>
-            <a:r>
-              <a:rPr lang="fr-FR" b="0" dirty="0">
-                <a:solidFill>
-                  <a:srgbClr val="A31515"/>
-                </a:solidFill>
-                <a:effectLst/>
-                <a:latin typeface="Consolas" panose="020B0609020204030204" pitchFamily="49" charset="0"/>
-              </a:rPr>
-              <a:t>'</a:t>
-            </a:r>
-            <a:r>
-              <a:rPr lang="fr-FR" b="0" dirty="0" err="1">
-                <a:solidFill>
-                  <a:srgbClr val="A31515"/>
-                </a:solidFill>
-                <a:effectLst/>
-                <a:latin typeface="Consolas" panose="020B0609020204030204" pitchFamily="49" charset="0"/>
-              </a:rPr>
-              <a:t>liveness</a:t>
-            </a:r>
-            <a:r>
-              <a:rPr lang="fr-FR" b="0" dirty="0">
-                <a:solidFill>
-                  <a:srgbClr val="A31515"/>
-                </a:solidFill>
-                <a:effectLst/>
-                <a:latin typeface="Consolas" panose="020B0609020204030204" pitchFamily="49" charset="0"/>
-              </a:rPr>
-              <a:t>'</a:t>
-            </a:r>
-            <a:r>
-              <a:rPr lang="fr-FR" b="0" dirty="0">
-                <a:solidFill>
-                  <a:srgbClr val="000000"/>
-                </a:solidFill>
-                <a:effectLst/>
-                <a:latin typeface="Consolas" panose="020B0609020204030204" pitchFamily="49" charset="0"/>
-              </a:rPr>
-              <a:t>, </a:t>
-            </a:r>
-            <a:r>
-              <a:rPr lang="fr-FR" b="0" dirty="0">
-                <a:solidFill>
-                  <a:srgbClr val="A31515"/>
-                </a:solidFill>
-                <a:effectLst/>
-                <a:latin typeface="Consolas" panose="020B0609020204030204" pitchFamily="49" charset="0"/>
-              </a:rPr>
-              <a:t>'</a:t>
-            </a:r>
-            <a:r>
-              <a:rPr lang="fr-FR" b="0" dirty="0" err="1">
-                <a:solidFill>
-                  <a:srgbClr val="A31515"/>
-                </a:solidFill>
-                <a:effectLst/>
-                <a:latin typeface="Consolas" panose="020B0609020204030204" pitchFamily="49" charset="0"/>
-              </a:rPr>
-              <a:t>speechiness</a:t>
-            </a:r>
-            <a:r>
-              <a:rPr lang="fr-FR" b="0" dirty="0">
-                <a:solidFill>
-                  <a:srgbClr val="A31515"/>
-                </a:solidFill>
-                <a:effectLst/>
-                <a:latin typeface="Consolas" panose="020B0609020204030204" pitchFamily="49" charset="0"/>
-              </a:rPr>
-              <a:t>'</a:t>
-            </a:r>
-            <a:r>
-              <a:rPr lang="fr-FR" b="0" dirty="0">
-                <a:solidFill>
-                  <a:srgbClr val="000000"/>
-                </a:solidFill>
-                <a:effectLst/>
-                <a:latin typeface="Consolas" panose="020B0609020204030204" pitchFamily="49" charset="0"/>
-              </a:rPr>
-              <a:t>, </a:t>
-            </a:r>
-            <a:r>
-              <a:rPr lang="fr-FR" b="0" dirty="0">
-                <a:solidFill>
-                  <a:srgbClr val="A31515"/>
-                </a:solidFill>
-                <a:effectLst/>
-                <a:latin typeface="Consolas" panose="020B0609020204030204" pitchFamily="49" charset="0"/>
-              </a:rPr>
-              <a:t>'valence’</a:t>
-            </a:r>
-            <a:r>
-              <a:rPr lang="fr-FR" b="0" dirty="0">
-                <a:solidFill>
-                  <a:srgbClr val="000000"/>
-                </a:solidFill>
-                <a:effectLst/>
-                <a:latin typeface="Consolas" panose="020B0609020204030204" pitchFamily="49" charset="0"/>
-              </a:rPr>
-              <a:t>]]</a:t>
-            </a:r>
-          </a:p>
-          <a:p>
-            <a:pPr marL="0" indent="0">
-              <a:buNone/>
-            </a:pPr>
-            <a:endParaRPr lang="en-US" dirty="0"/>
-          </a:p>
-          <a:p>
-            <a:pPr marL="0" indent="0">
-              <a:buNone/>
-            </a:pPr>
-            <a:r>
-              <a:rPr lang="en-US" b="0" dirty="0" err="1">
-                <a:solidFill>
-                  <a:srgbClr val="000000"/>
-                </a:solidFill>
-                <a:effectLst/>
-                <a:latin typeface="Consolas" panose="020B0609020204030204" pitchFamily="49" charset="0"/>
-              </a:rPr>
-              <a:t>spotifyAPI.feature_plot</a:t>
-            </a:r>
-            <a:r>
-              <a:rPr lang="en-US" b="0" dirty="0">
-                <a:solidFill>
-                  <a:srgbClr val="000000"/>
-                </a:solidFill>
-                <a:effectLst/>
-                <a:latin typeface="Consolas" panose="020B0609020204030204" pitchFamily="49" charset="0"/>
-              </a:rPr>
-              <a:t>(</a:t>
-            </a:r>
-            <a:r>
-              <a:rPr lang="en-US" b="0" dirty="0" err="1">
-                <a:solidFill>
-                  <a:srgbClr val="000000"/>
-                </a:solidFill>
-                <a:effectLst/>
-                <a:latin typeface="Consolas" panose="020B0609020204030204" pitchFamily="49" charset="0"/>
-              </a:rPr>
-              <a:t>df_features</a:t>
-            </a:r>
-            <a:r>
-              <a:rPr lang="en-US" b="0" dirty="0">
-                <a:solidFill>
-                  <a:srgbClr val="000000"/>
-                </a:solidFill>
-                <a:effectLst/>
-                <a:latin typeface="Consolas" panose="020B0609020204030204" pitchFamily="49" charset="0"/>
-              </a:rPr>
-              <a:t>)</a:t>
-            </a:r>
-          </a:p>
-          <a:p>
-            <a:pPr marL="0" indent="0">
-              <a:buNone/>
-            </a:pPr>
-            <a:endParaRPr lang="en-US" dirty="0"/>
-          </a:p>
-        </p:txBody>
-      </p:sp>
-    </p:spTree>
-    <p:extLst>
-      <p:ext uri="{BB962C8B-B14F-4D97-AF65-F5344CB8AC3E}">
-        <p14:creationId xmlns:p14="http://schemas.microsoft.com/office/powerpoint/2010/main" val="1563616285"/>
-      </p:ext>
-    </p:extLst>
-  </p:cSld>
-  <p:clrMapOvr>
-    <a:masterClrMapping/>
-  </p:clrMapOvr>
-</p:sld>
-</file>
-
 <file path=ppt/slides/slide25.xml><?xml version="1.0" encoding="utf-8"?>
 <p:sld xmlns:a="http://schemas.openxmlformats.org/drawingml/2006/main" xmlns:r="http://schemas.openxmlformats.org/officeDocument/2006/relationships" xmlns:p="http://schemas.openxmlformats.org/presentationml/2006/main">
   <p:cSld>
@@ -11236,7 +9105,7 @@
           <p:cNvPr id="2" name="Titre 1">
             <a:extLst>
               <a:ext uri="{FF2B5EF4-FFF2-40B4-BE49-F238E27FC236}">
-                <a16:creationId xmlns:a16="http://schemas.microsoft.com/office/drawing/2014/main" id="{3B89FBA2-62ED-4166-8A63-434304514FB1}"/>
+                <a16:creationId xmlns:a16="http://schemas.microsoft.com/office/drawing/2014/main" id="{7CC29116-944A-467F-BE52-23557CF6A4B0}"/>
               </a:ext>
             </a:extLst>
           </p:cNvPr>
@@ -11254,7 +9123,7 @@
           <a:p>
             <a:r>
               <a:rPr lang="en-US" dirty="0"/>
-              <a:t>Music recommendation</a:t>
+              <a:t>Music for loop</a:t>
             </a:r>
           </a:p>
         </p:txBody>
@@ -11264,7 +9133,7 @@
           <p:cNvPr id="3" name="Espace réservé du contenu 2">
             <a:extLst>
               <a:ext uri="{FF2B5EF4-FFF2-40B4-BE49-F238E27FC236}">
-                <a16:creationId xmlns:a16="http://schemas.microsoft.com/office/drawing/2014/main" id="{28246BF2-8208-4C1D-B2C5-8B52B4F870FB}"/>
+                <a16:creationId xmlns:a16="http://schemas.microsoft.com/office/drawing/2014/main" id="{E28E0A13-99B6-490D-816E-7D3E65A19094}"/>
               </a:ext>
             </a:extLst>
           </p:cNvPr>
@@ -11284,64 +9153,84 @@
               <a:buNone/>
             </a:pPr>
             <a:r>
-              <a:rPr lang="fr-FR" b="0" dirty="0" err="1">
+              <a:rPr lang="en-US" b="0" dirty="0">
+                <a:solidFill>
+                  <a:srgbClr val="0000FF"/>
+                </a:solidFill>
+                <a:effectLst/>
+                <a:latin typeface="Consolas" panose="020B0609020204030204" pitchFamily="49" charset="0"/>
+              </a:rPr>
+              <a:t>with</a:t>
+            </a:r>
+            <a:r>
+              <a:rPr lang="en-US" b="0" dirty="0">
                 <a:solidFill>
                   <a:srgbClr val="000000"/>
                 </a:solidFill>
                 <a:effectLst/>
                 <a:latin typeface="Consolas" panose="020B0609020204030204" pitchFamily="49" charset="0"/>
               </a:rPr>
-              <a:t>json_response</a:t>
-            </a:r>
-            <a:r>
-              <a:rPr lang="fr-FR" b="0" dirty="0">
+              <a:t> open(</a:t>
+            </a:r>
+            <a:r>
+              <a:rPr lang="en-US" b="0" dirty="0">
+                <a:solidFill>
+                  <a:srgbClr val="A31515"/>
+                </a:solidFill>
+                <a:effectLst/>
+                <a:latin typeface="Consolas" panose="020B0609020204030204" pitchFamily="49" charset="0"/>
+              </a:rPr>
+              <a:t>"saved_tracks_20210306.json"</a:t>
+            </a:r>
+            <a:r>
+              <a:rPr lang="en-US" b="0" dirty="0">
                 <a:solidFill>
                   <a:srgbClr val="000000"/>
                 </a:solidFill>
                 <a:effectLst/>
                 <a:latin typeface="Consolas" panose="020B0609020204030204" pitchFamily="49" charset="0"/>
               </a:rPr>
-              <a:t> = </a:t>
-            </a:r>
-            <a:r>
-              <a:rPr lang="fr-FR" b="0" dirty="0" err="1">
+              <a:t>,</a:t>
+            </a:r>
+            <a:r>
+              <a:rPr lang="en-US" b="0" dirty="0">
+                <a:solidFill>
+                  <a:srgbClr val="A31515"/>
+                </a:solidFill>
+                <a:effectLst/>
+                <a:latin typeface="Consolas" panose="020B0609020204030204" pitchFamily="49" charset="0"/>
+              </a:rPr>
+              <a:t>"r"</a:t>
+            </a:r>
+            <a:r>
+              <a:rPr lang="en-US" b="0" dirty="0">
                 <a:solidFill>
                   <a:srgbClr val="000000"/>
                 </a:solidFill>
                 <a:effectLst/>
                 <a:latin typeface="Consolas" panose="020B0609020204030204" pitchFamily="49" charset="0"/>
               </a:rPr>
-              <a:t>spotifyAPI.get_track_reco</a:t>
-            </a:r>
-            <a:r>
-              <a:rPr lang="fr-FR" b="0" dirty="0">
+              <a:t>) </a:t>
+            </a:r>
+            <a:r>
+              <a:rPr lang="en-US" b="0" dirty="0">
+                <a:solidFill>
+                  <a:srgbClr val="0000FF"/>
+                </a:solidFill>
+                <a:effectLst/>
+                <a:latin typeface="Consolas" panose="020B0609020204030204" pitchFamily="49" charset="0"/>
+              </a:rPr>
+              <a:t>as</a:t>
+            </a:r>
+            <a:r>
+              <a:rPr lang="en-US" b="0" dirty="0">
                 <a:solidFill>
                   <a:srgbClr val="000000"/>
                 </a:solidFill>
                 <a:effectLst/>
                 <a:latin typeface="Consolas" panose="020B0609020204030204" pitchFamily="49" charset="0"/>
               </a:rPr>
-              <a:t>(</a:t>
-            </a:r>
-            <a:r>
-              <a:rPr lang="fr-FR" b="0" dirty="0" err="1">
-                <a:solidFill>
-                  <a:srgbClr val="000000"/>
-                </a:solidFill>
-                <a:effectLst/>
-                <a:latin typeface="Consolas" panose="020B0609020204030204" pitchFamily="49" charset="0"/>
-              </a:rPr>
-              <a:t>lucy_id,token</a:t>
-            </a:r>
-            <a:r>
-              <a:rPr lang="fr-FR" b="0" dirty="0">
-                <a:solidFill>
-                  <a:srgbClr val="000000"/>
-                </a:solidFill>
-                <a:effectLst/>
-                <a:latin typeface="Consolas" panose="020B0609020204030204" pitchFamily="49" charset="0"/>
-              </a:rPr>
-              <a:t>)</a:t>
+              <a:t> f:</a:t>
             </a:r>
           </a:p>
           <a:p>
@@ -11349,136 +9238,63 @@
               <a:buNone/>
             </a:pPr>
             <a:r>
-              <a:rPr lang="fr-FR" b="0" dirty="0" err="1">
+              <a:rPr lang="en-US" b="0" dirty="0">
                 <a:solidFill>
                   <a:srgbClr val="000000"/>
                 </a:solidFill>
                 <a:effectLst/>
                 <a:latin typeface="Consolas" panose="020B0609020204030204" pitchFamily="49" charset="0"/>
               </a:rPr>
-              <a:t>uris</a:t>
-            </a:r>
-            <a:r>
-              <a:rPr lang="fr-FR" b="0" dirty="0">
+              <a:t>    results = </a:t>
+            </a:r>
+            <a:r>
+              <a:rPr lang="en-US" b="0" dirty="0" err="1">
                 <a:solidFill>
                   <a:srgbClr val="000000"/>
                 </a:solidFill>
                 <a:effectLst/>
                 <a:latin typeface="Consolas" panose="020B0609020204030204" pitchFamily="49" charset="0"/>
               </a:rPr>
-              <a:t> =[]</a:t>
+              <a:t>json.load</a:t>
+            </a:r>
+            <a:r>
+              <a:rPr lang="en-US" b="0" dirty="0">
+                <a:solidFill>
+                  <a:srgbClr val="000000"/>
+                </a:solidFill>
+                <a:effectLst/>
+                <a:latin typeface="Consolas" panose="020B0609020204030204" pitchFamily="49" charset="0"/>
+              </a:rPr>
+              <a:t>(f)</a:t>
             </a:r>
           </a:p>
           <a:p>
             <a:pPr marL="0" indent="0">
               <a:buNone/>
             </a:pPr>
-            <a:r>
-              <a:rPr lang="fr-FR" b="0" dirty="0">
-                <a:solidFill>
-                  <a:srgbClr val="0000FF"/>
-                </a:solidFill>
-                <a:effectLst/>
-                <a:latin typeface="Consolas" panose="020B0609020204030204" pitchFamily="49" charset="0"/>
-              </a:rPr>
-              <a:t>for</a:t>
-            </a:r>
-            <a:r>
-              <a:rPr lang="fr-FR" b="0" dirty="0">
-                <a:solidFill>
-                  <a:srgbClr val="000000"/>
-                </a:solidFill>
-                <a:effectLst/>
-                <a:latin typeface="Consolas" panose="020B0609020204030204" pitchFamily="49" charset="0"/>
-              </a:rPr>
-              <a:t> i </a:t>
-            </a:r>
-            <a:r>
-              <a:rPr lang="fr-FR" b="0" dirty="0">
-                <a:solidFill>
-                  <a:srgbClr val="0000FF"/>
-                </a:solidFill>
-                <a:effectLst/>
-                <a:latin typeface="Consolas" panose="020B0609020204030204" pitchFamily="49" charset="0"/>
-              </a:rPr>
-              <a:t>in</a:t>
-            </a:r>
-            <a:r>
-              <a:rPr lang="fr-FR" b="0" dirty="0">
-                <a:solidFill>
-                  <a:srgbClr val="000000"/>
-                </a:solidFill>
-                <a:effectLst/>
-                <a:latin typeface="Consolas" panose="020B0609020204030204" pitchFamily="49" charset="0"/>
-              </a:rPr>
-              <a:t> </a:t>
-            </a:r>
-            <a:r>
-              <a:rPr lang="fr-FR" b="0" dirty="0" err="1">
-                <a:solidFill>
-                  <a:srgbClr val="000000"/>
-                </a:solidFill>
-                <a:effectLst/>
-                <a:latin typeface="Consolas" panose="020B0609020204030204" pitchFamily="49" charset="0"/>
-              </a:rPr>
-              <a:t>json_response</a:t>
-            </a:r>
-            <a:r>
-              <a:rPr lang="fr-FR" b="0" dirty="0">
-                <a:solidFill>
-                  <a:srgbClr val="000000"/>
-                </a:solidFill>
-                <a:effectLst/>
-                <a:latin typeface="Consolas" panose="020B0609020204030204" pitchFamily="49" charset="0"/>
-              </a:rPr>
-              <a:t>[</a:t>
-            </a:r>
-            <a:r>
-              <a:rPr lang="fr-FR" b="0" dirty="0">
-                <a:solidFill>
-                  <a:srgbClr val="A31515"/>
-                </a:solidFill>
-                <a:effectLst/>
-                <a:latin typeface="Consolas" panose="020B0609020204030204" pitchFamily="49" charset="0"/>
-              </a:rPr>
-              <a:t>'</a:t>
-            </a:r>
-            <a:r>
-              <a:rPr lang="fr-FR" b="0" dirty="0" err="1">
-                <a:solidFill>
-                  <a:srgbClr val="A31515"/>
-                </a:solidFill>
-                <a:effectLst/>
-                <a:latin typeface="Consolas" panose="020B0609020204030204" pitchFamily="49" charset="0"/>
-              </a:rPr>
-              <a:t>tracks</a:t>
-            </a:r>
-            <a:r>
-              <a:rPr lang="fr-FR" b="0" dirty="0">
-                <a:solidFill>
-                  <a:srgbClr val="A31515"/>
-                </a:solidFill>
-                <a:effectLst/>
-                <a:latin typeface="Consolas" panose="020B0609020204030204" pitchFamily="49" charset="0"/>
-              </a:rPr>
-              <a:t>'</a:t>
-            </a:r>
-            <a:r>
-              <a:rPr lang="fr-FR" b="0" dirty="0">
-                <a:solidFill>
-                  <a:srgbClr val="000000"/>
-                </a:solidFill>
-                <a:effectLst/>
-                <a:latin typeface="Consolas" panose="020B0609020204030204" pitchFamily="49" charset="0"/>
-              </a:rPr>
-              <a:t>]:</a:t>
-            </a:r>
+            <a:endParaRPr lang="fr-FR" b="0" dirty="0">
+              <a:solidFill>
+                <a:srgbClr val="000000"/>
+              </a:solidFill>
+              <a:effectLst/>
+              <a:latin typeface="Consolas" panose="020B0609020204030204" pitchFamily="49" charset="0"/>
+            </a:endParaRPr>
           </a:p>
           <a:p>
             <a:pPr marL="0" indent="0">
               <a:buNone/>
             </a:pPr>
             <a:r>
+              <a:rPr lang="fr-FR" b="0" dirty="0" err="1">
+                <a:solidFill>
+                  <a:srgbClr val="000000"/>
+                </a:solidFill>
+                <a:effectLst/>
+                <a:latin typeface="Consolas" panose="020B0609020204030204" pitchFamily="49" charset="0"/>
+              </a:rPr>
+              <a:t>tracks</a:t>
+            </a:r>
+            <a:r>
               <a:rPr lang="fr-FR" b="0" dirty="0">
                 <a:solidFill>
                   <a:srgbClr val="000000"/>
@@ -11486,27 +9302,7 @@
                 <a:effectLst/>
                 <a:latin typeface="Consolas" panose="020B0609020204030204" pitchFamily="49" charset="0"/>
               </a:rPr>
-              <a:t>            </a:t>
-            </a:r>
-            <a:r>
-              <a:rPr lang="fr-FR" b="0" dirty="0" err="1">
-                <a:solidFill>
-                  <a:srgbClr val="000000"/>
-                </a:solidFill>
-                <a:effectLst/>
-                <a:latin typeface="Consolas" panose="020B0609020204030204" pitchFamily="49" charset="0"/>
-              </a:rPr>
-              <a:t>uris.append</a:t>
-            </a:r>
-            <a:r>
-              <a:rPr lang="fr-FR" b="0" dirty="0">
-                <a:solidFill>
-                  <a:srgbClr val="000000"/>
-                </a:solidFill>
-                <a:effectLst/>
-                <a:latin typeface="Consolas" panose="020B0609020204030204" pitchFamily="49" charset="0"/>
-              </a:rPr>
-              <a:t>(i)</a:t>
+              <a:t> = []</a:t>
             </a:r>
           </a:p>
           <a:p>
@@ -11516,12 +9312,22 @@
             <a:r>
               <a:rPr lang="fr-FR" b="0" dirty="0">
                 <a:solidFill>
+                  <a:srgbClr val="0000FF"/>
+                </a:solidFill>
+                <a:effectLst/>
+                <a:latin typeface="Consolas" panose="020B0609020204030204" pitchFamily="49" charset="0"/>
+              </a:rPr>
+              <a:t>for</a:t>
+            </a:r>
+            <a:r>
+              <a:rPr lang="fr-FR" b="0" dirty="0">
+                <a:solidFill>
                   <a:srgbClr val="000000"/>
                 </a:solidFill>
                 <a:effectLst/>
                 <a:latin typeface="Consolas" panose="020B0609020204030204" pitchFamily="49" charset="0"/>
               </a:rPr>
-              <a:t>            </a:t>
+              <a:t> </a:t>
             </a:r>
             <a:r>
               <a:rPr lang="fr-FR" b="0" dirty="0" err="1">
@@ -11531,7 +9337,7 @@
                 <a:effectLst/>
                 <a:latin typeface="Consolas" panose="020B0609020204030204" pitchFamily="49" charset="0"/>
               </a:rPr>
-              <a:t>print</a:t>
+              <a:t>idx</a:t>
             </a:r>
             <a:r>
               <a:rPr lang="fr-FR" b="0" dirty="0">
@@ -11541,17 +9347,67 @@
                 <a:effectLst/>
                 <a:latin typeface="Consolas" panose="020B0609020204030204" pitchFamily="49" charset="0"/>
               </a:rPr>
+              <a:t>, item </a:t>
+            </a:r>
+            <a:r>
+              <a:rPr lang="fr-FR" b="0" dirty="0">
+                <a:solidFill>
+                  <a:srgbClr val="0000FF"/>
+                </a:solidFill>
+                <a:effectLst/>
+                <a:latin typeface="Consolas" panose="020B0609020204030204" pitchFamily="49" charset="0"/>
+              </a:rPr>
+              <a:t>in</a:t>
+            </a:r>
+            <a:r>
+              <a:rPr lang="fr-FR" b="0" dirty="0">
+                <a:solidFill>
+                  <a:srgbClr val="000000"/>
+                </a:solidFill>
+                <a:effectLst/>
+                <a:latin typeface="Consolas" panose="020B0609020204030204" pitchFamily="49" charset="0"/>
+              </a:rPr>
+              <a:t> </a:t>
+            </a:r>
+            <a:r>
+              <a:rPr lang="fr-FR" b="0" dirty="0" err="1">
+                <a:solidFill>
+                  <a:srgbClr val="000000"/>
+                </a:solidFill>
+                <a:effectLst/>
+                <a:latin typeface="Consolas" panose="020B0609020204030204" pitchFamily="49" charset="0"/>
+              </a:rPr>
+              <a:t>enumerate</a:t>
+            </a:r>
+            <a:r>
+              <a:rPr lang="fr-FR" b="0" dirty="0">
+                <a:solidFill>
+                  <a:srgbClr val="000000"/>
+                </a:solidFill>
+                <a:effectLst/>
+                <a:latin typeface="Consolas" panose="020B0609020204030204" pitchFamily="49" charset="0"/>
+              </a:rPr>
               <a:t>(</a:t>
             </a:r>
             <a:r>
+              <a:rPr lang="fr-FR" b="0" dirty="0" err="1">
+                <a:solidFill>
+                  <a:srgbClr val="000000"/>
+                </a:solidFill>
+                <a:effectLst/>
+                <a:latin typeface="Consolas" panose="020B0609020204030204" pitchFamily="49" charset="0"/>
+              </a:rPr>
+              <a:t>results</a:t>
+            </a:r>
+            <a:r>
               <a:rPr lang="fr-FR" b="0" dirty="0">
                 <a:solidFill>
-                  <a:srgbClr val="0000FF"/>
-                </a:solidFill>
-                <a:effectLst/>
-                <a:latin typeface="Consolas" panose="020B0609020204030204" pitchFamily="49" charset="0"/>
-              </a:rPr>
-              <a:t>f</a:t>
+                  <a:srgbClr val="000000"/>
+                </a:solidFill>
+                <a:effectLst/>
+                <a:latin typeface="Consolas" panose="020B0609020204030204" pitchFamily="49" charset="0"/>
+              </a:rPr>
+              <a:t>[</a:t>
             </a:r>
             <a:r>
               <a:rPr lang="fr-FR" b="0" dirty="0">
@@ -11561,7 +9417,7 @@
                 <a:effectLst/>
                 <a:latin typeface="Consolas" panose="020B0609020204030204" pitchFamily="49" charset="0"/>
               </a:rPr>
-              <a:t>"</a:t>
+              <a:t>'items'</a:t>
             </a:r>
             <a:r>
               <a:rPr lang="fr-FR" b="0" dirty="0">
@@ -11571,11 +9427,46 @@
                 <a:effectLst/>
                 <a:latin typeface="Consolas" panose="020B0609020204030204" pitchFamily="49" charset="0"/>
               </a:rPr>
-              <a:t>\"{i[</a:t>
-            </a:r>
+              <a:t>]):</a:t>
+            </a:r>
+          </a:p>
+          <a:p>
+            <a:pPr marL="0" indent="0">
+              <a:buNone/>
+            </a:pPr>
             <a:r>
               <a:rPr lang="fr-FR" b="0" dirty="0">
                 <a:solidFill>
+                  <a:srgbClr val="000000"/>
+                </a:solidFill>
+                <a:effectLst/>
+                <a:latin typeface="Consolas" panose="020B0609020204030204" pitchFamily="49" charset="0"/>
+              </a:rPr>
+              <a:t>    </a:t>
+            </a:r>
+            <a:r>
+              <a:rPr lang="fr-FR" b="0" dirty="0" err="1">
+                <a:solidFill>
+                  <a:srgbClr val="000000"/>
+                </a:solidFill>
+                <a:effectLst/>
+                <a:latin typeface="Consolas" panose="020B0609020204030204" pitchFamily="49" charset="0"/>
+              </a:rPr>
+              <a:t>track</a:t>
+            </a:r>
+            <a:r>
+              <a:rPr lang="fr-FR" b="0" dirty="0">
+                <a:solidFill>
+                  <a:srgbClr val="000000"/>
+                </a:solidFill>
+                <a:effectLst/>
+                <a:latin typeface="Consolas" panose="020B0609020204030204" pitchFamily="49" charset="0"/>
+              </a:rPr>
+              <a:t> = item[</a:t>
+            </a:r>
+            <a:r>
+              <a:rPr lang="fr-FR" b="0" dirty="0">
+                <a:solidFill>
                   <a:srgbClr val="A31515"/>
                 </a:solidFill>
                 <a:effectLst/>
@@ -11591,6 +9482,181 @@
                 <a:effectLst/>
                 <a:latin typeface="Consolas" panose="020B0609020204030204" pitchFamily="49" charset="0"/>
               </a:rPr>
+              <a:t>track</a:t>
+            </a:r>
+            <a:r>
+              <a:rPr lang="fr-FR" b="0" dirty="0">
+                <a:solidFill>
+                  <a:srgbClr val="A31515"/>
+                </a:solidFill>
+                <a:effectLst/>
+                <a:latin typeface="Consolas" panose="020B0609020204030204" pitchFamily="49" charset="0"/>
+              </a:rPr>
+              <a:t>'</a:t>
+            </a:r>
+            <a:r>
+              <a:rPr lang="fr-FR" b="0" dirty="0">
+                <a:solidFill>
+                  <a:srgbClr val="000000"/>
+                </a:solidFill>
+                <a:effectLst/>
+                <a:latin typeface="Consolas" panose="020B0609020204030204" pitchFamily="49" charset="0"/>
+              </a:rPr>
+              <a:t>]</a:t>
+            </a:r>
+          </a:p>
+          <a:p>
+            <a:pPr marL="0" indent="0">
+              <a:buNone/>
+            </a:pPr>
+            <a:r>
+              <a:rPr lang="fr-FR" b="0" dirty="0">
+                <a:solidFill>
+                  <a:srgbClr val="000000"/>
+                </a:solidFill>
+                <a:effectLst/>
+                <a:latin typeface="Consolas" panose="020B0609020204030204" pitchFamily="49" charset="0"/>
+              </a:rPr>
+              <a:t>    </a:t>
+            </a:r>
+            <a:r>
+              <a:rPr lang="fr-FR" b="0" dirty="0" err="1">
+                <a:solidFill>
+                  <a:srgbClr val="000000"/>
+                </a:solidFill>
+                <a:effectLst/>
+                <a:latin typeface="Consolas" panose="020B0609020204030204" pitchFamily="49" charset="0"/>
+              </a:rPr>
+              <a:t>tracks.append</a:t>
+            </a:r>
+            <a:r>
+              <a:rPr lang="fr-FR" b="0" dirty="0">
+                <a:solidFill>
+                  <a:srgbClr val="000000"/>
+                </a:solidFill>
+                <a:effectLst/>
+                <a:latin typeface="Consolas" panose="020B0609020204030204" pitchFamily="49" charset="0"/>
+              </a:rPr>
+              <a:t>([</a:t>
+            </a:r>
+            <a:r>
+              <a:rPr lang="fr-FR" b="0" dirty="0" err="1">
+                <a:solidFill>
+                  <a:srgbClr val="000000"/>
+                </a:solidFill>
+                <a:effectLst/>
+                <a:latin typeface="Consolas" panose="020B0609020204030204" pitchFamily="49" charset="0"/>
+              </a:rPr>
+              <a:t>idx</a:t>
+            </a:r>
+            <a:r>
+              <a:rPr lang="fr-FR" b="0" dirty="0">
+                <a:solidFill>
+                  <a:srgbClr val="000000"/>
+                </a:solidFill>
+                <a:effectLst/>
+                <a:latin typeface="Consolas" panose="020B0609020204030204" pitchFamily="49" charset="0"/>
+              </a:rPr>
+              <a:t>, </a:t>
+            </a:r>
+            <a:r>
+              <a:rPr lang="fr-FR" b="0" dirty="0" err="1">
+                <a:solidFill>
+                  <a:srgbClr val="000000"/>
+                </a:solidFill>
+                <a:effectLst/>
+                <a:latin typeface="Consolas" panose="020B0609020204030204" pitchFamily="49" charset="0"/>
+              </a:rPr>
+              <a:t>track</a:t>
+            </a:r>
+            <a:r>
+              <a:rPr lang="fr-FR" b="0" dirty="0">
+                <a:solidFill>
+                  <a:srgbClr val="000000"/>
+                </a:solidFill>
+                <a:effectLst/>
+                <a:latin typeface="Consolas" panose="020B0609020204030204" pitchFamily="49" charset="0"/>
+              </a:rPr>
+              <a:t>[</a:t>
+            </a:r>
+            <a:r>
+              <a:rPr lang="fr-FR" b="0" dirty="0">
+                <a:solidFill>
+                  <a:srgbClr val="A31515"/>
+                </a:solidFill>
+                <a:effectLst/>
+                <a:latin typeface="Consolas" panose="020B0609020204030204" pitchFamily="49" charset="0"/>
+              </a:rPr>
+              <a:t>'</a:t>
+            </a:r>
+            <a:r>
+              <a:rPr lang="fr-FR" b="0" dirty="0" err="1">
+                <a:solidFill>
+                  <a:srgbClr val="A31515"/>
+                </a:solidFill>
+                <a:effectLst/>
+                <a:latin typeface="Consolas" panose="020B0609020204030204" pitchFamily="49" charset="0"/>
+              </a:rPr>
+              <a:t>artists</a:t>
+            </a:r>
+            <a:r>
+              <a:rPr lang="fr-FR" b="0" dirty="0">
+                <a:solidFill>
+                  <a:srgbClr val="A31515"/>
+                </a:solidFill>
+                <a:effectLst/>
+                <a:latin typeface="Consolas" panose="020B0609020204030204" pitchFamily="49" charset="0"/>
+              </a:rPr>
+              <a:t>'</a:t>
+            </a:r>
+            <a:r>
+              <a:rPr lang="fr-FR" b="0" dirty="0">
+                <a:solidFill>
+                  <a:srgbClr val="000000"/>
+                </a:solidFill>
+                <a:effectLst/>
+                <a:latin typeface="Consolas" panose="020B0609020204030204" pitchFamily="49" charset="0"/>
+              </a:rPr>
+              <a:t>][</a:t>
+            </a:r>
+            <a:r>
+              <a:rPr lang="fr-FR" b="0" dirty="0">
+                <a:solidFill>
+                  <a:srgbClr val="098658"/>
+                </a:solidFill>
+                <a:effectLst/>
+                <a:latin typeface="Consolas" panose="020B0609020204030204" pitchFamily="49" charset="0"/>
+              </a:rPr>
+              <a:t>0</a:t>
+            </a:r>
+            <a:r>
+              <a:rPr lang="fr-FR" b="0" dirty="0">
+                <a:solidFill>
+                  <a:srgbClr val="000000"/>
+                </a:solidFill>
+                <a:effectLst/>
+                <a:latin typeface="Consolas" panose="020B0609020204030204" pitchFamily="49" charset="0"/>
+              </a:rPr>
+              <a:t>][</a:t>
+            </a:r>
+            <a:r>
+              <a:rPr lang="fr-FR" b="0" dirty="0">
+                <a:solidFill>
+                  <a:srgbClr val="A31515"/>
+                </a:solidFill>
+                <a:effectLst/>
+                <a:latin typeface="Consolas" panose="020B0609020204030204" pitchFamily="49" charset="0"/>
+              </a:rPr>
+              <a:t>'</a:t>
+            </a:r>
+            <a:r>
+              <a:rPr lang="fr-FR" b="0" dirty="0" err="1">
+                <a:solidFill>
+                  <a:srgbClr val="A31515"/>
+                </a:solidFill>
+                <a:effectLst/>
+                <a:latin typeface="Consolas" panose="020B0609020204030204" pitchFamily="49" charset="0"/>
+              </a:rPr>
               <a:t>name</a:t>
             </a:r>
             <a:r>
@@ -11611,147 +9677,67 @@
                 <a:effectLst/>
                 <a:latin typeface="Consolas" panose="020B0609020204030204" pitchFamily="49" charset="0"/>
               </a:rPr>
-              <a:t>]}\"</a:t>
+              <a:t>], </a:t>
+            </a:r>
+            <a:r>
+              <a:rPr lang="fr-FR" b="0" dirty="0" err="1">
+                <a:solidFill>
+                  <a:srgbClr val="000000"/>
+                </a:solidFill>
+                <a:effectLst/>
+                <a:latin typeface="Consolas" panose="020B0609020204030204" pitchFamily="49" charset="0"/>
+              </a:rPr>
+              <a:t>track</a:t>
             </a:r>
             <a:r>
               <a:rPr lang="fr-FR" b="0" dirty="0">
                 <a:solidFill>
+                  <a:srgbClr val="000000"/>
+                </a:solidFill>
+                <a:effectLst/>
+                <a:latin typeface="Consolas" panose="020B0609020204030204" pitchFamily="49" charset="0"/>
+              </a:rPr>
+              <a:t>[</a:t>
+            </a:r>
+            <a:r>
+              <a:rPr lang="fr-FR" b="0" dirty="0">
+                <a:solidFill>
                   <a:srgbClr val="A31515"/>
                 </a:solidFill>
                 <a:effectLst/>
                 <a:latin typeface="Consolas" panose="020B0609020204030204" pitchFamily="49" charset="0"/>
               </a:rPr>
-              <a:t> by </a:t>
+              <a:t>'</a:t>
+            </a:r>
+            <a:r>
+              <a:rPr lang="fr-FR" b="0" dirty="0" err="1">
+                <a:solidFill>
+                  <a:srgbClr val="A31515"/>
+                </a:solidFill>
+                <a:effectLst/>
+                <a:latin typeface="Consolas" panose="020B0609020204030204" pitchFamily="49" charset="0"/>
+              </a:rPr>
+              <a:t>name</a:t>
             </a:r>
             <a:r>
               <a:rPr lang="fr-FR" b="0" dirty="0">
                 <a:solidFill>
+                  <a:srgbClr val="A31515"/>
+                </a:solidFill>
+                <a:effectLst/>
+                <a:latin typeface="Consolas" panose="020B0609020204030204" pitchFamily="49" charset="0"/>
+              </a:rPr>
+              <a:t>'</a:t>
+            </a:r>
+            <a:r>
+              <a:rPr lang="fr-FR" b="0" dirty="0">
+                <a:solidFill>
                   <a:srgbClr val="000000"/>
                 </a:solidFill>
                 <a:effectLst/>
                 <a:latin typeface="Consolas" panose="020B0609020204030204" pitchFamily="49" charset="0"/>
               </a:rPr>
-              <a:t>{i[</a:t>
-            </a:r>
-            <a:r>
-              <a:rPr lang="fr-FR" b="0" dirty="0">
-                <a:solidFill>
-                  <a:srgbClr val="A31515"/>
-                </a:solidFill>
-                <a:effectLst/>
-                <a:latin typeface="Consolas" panose="020B0609020204030204" pitchFamily="49" charset="0"/>
-              </a:rPr>
-              <a:t>'</a:t>
-            </a:r>
-            <a:r>
-              <a:rPr lang="fr-FR" b="0" dirty="0" err="1">
-                <a:solidFill>
-                  <a:srgbClr val="A31515"/>
-                </a:solidFill>
-                <a:effectLst/>
-                <a:latin typeface="Consolas" panose="020B0609020204030204" pitchFamily="49" charset="0"/>
-              </a:rPr>
-              <a:t>artists</a:t>
-            </a:r>
-            <a:r>
-              <a:rPr lang="fr-FR" b="0" dirty="0">
-                <a:solidFill>
-                  <a:srgbClr val="A31515"/>
-                </a:solidFill>
-                <a:effectLst/>
-                <a:latin typeface="Consolas" panose="020B0609020204030204" pitchFamily="49" charset="0"/>
-              </a:rPr>
-              <a:t>'</a:t>
-            </a:r>
-            <a:r>
-              <a:rPr lang="fr-FR" b="0" dirty="0">
-                <a:solidFill>
-                  <a:srgbClr val="000000"/>
-                </a:solidFill>
-                <a:effectLst/>
-                <a:latin typeface="Consolas" panose="020B0609020204030204" pitchFamily="49" charset="0"/>
-              </a:rPr>
-              <a:t>][</a:t>
-            </a:r>
-            <a:r>
-              <a:rPr lang="fr-FR" b="0" dirty="0">
-                <a:solidFill>
-                  <a:srgbClr val="098658"/>
-                </a:solidFill>
-                <a:effectLst/>
-                <a:latin typeface="Consolas" panose="020B0609020204030204" pitchFamily="49" charset="0"/>
-              </a:rPr>
-              <a:t>0</a:t>
-            </a:r>
-            <a:r>
-              <a:rPr lang="fr-FR" b="0" dirty="0">
-                <a:solidFill>
-                  <a:srgbClr val="000000"/>
-                </a:solidFill>
-                <a:effectLst/>
-                <a:latin typeface="Consolas" panose="020B0609020204030204" pitchFamily="49" charset="0"/>
-              </a:rPr>
-              <a:t>][</a:t>
-            </a:r>
-            <a:r>
-              <a:rPr lang="fr-FR" b="0" dirty="0">
-                <a:solidFill>
-                  <a:srgbClr val="A31515"/>
-                </a:solidFill>
-                <a:effectLst/>
-                <a:latin typeface="Consolas" panose="020B0609020204030204" pitchFamily="49" charset="0"/>
-              </a:rPr>
-              <a:t>'</a:t>
-            </a:r>
-            <a:r>
-              <a:rPr lang="fr-FR" b="0" dirty="0" err="1">
-                <a:solidFill>
-                  <a:srgbClr val="A31515"/>
-                </a:solidFill>
-                <a:effectLst/>
-                <a:latin typeface="Consolas" panose="020B0609020204030204" pitchFamily="49" charset="0"/>
-              </a:rPr>
-              <a:t>name</a:t>
-            </a:r>
-            <a:r>
-              <a:rPr lang="fr-FR" b="0" dirty="0">
-                <a:solidFill>
-                  <a:srgbClr val="A31515"/>
-                </a:solidFill>
-                <a:effectLst/>
-                <a:latin typeface="Consolas" panose="020B0609020204030204" pitchFamily="49" charset="0"/>
-              </a:rPr>
-              <a:t>'</a:t>
-            </a:r>
-            <a:r>
-              <a:rPr lang="fr-FR" b="0" dirty="0">
-                <a:solidFill>
-                  <a:srgbClr val="000000"/>
-                </a:solidFill>
-                <a:effectLst/>
-                <a:latin typeface="Consolas" panose="020B0609020204030204" pitchFamily="49" charset="0"/>
-              </a:rPr>
-              <a:t>]}</a:t>
-            </a:r>
-            <a:r>
-              <a:rPr lang="fr-FR" b="0" dirty="0">
-                <a:solidFill>
-                  <a:srgbClr val="A31515"/>
-                </a:solidFill>
-                <a:effectLst/>
-                <a:latin typeface="Consolas" panose="020B0609020204030204" pitchFamily="49" charset="0"/>
-              </a:rPr>
-              <a:t>"</a:t>
-            </a:r>
-            <a:r>
-              <a:rPr lang="fr-FR" b="0" dirty="0">
-                <a:solidFill>
-                  <a:srgbClr val="000000"/>
-                </a:solidFill>
-                <a:effectLst/>
-                <a:latin typeface="Consolas" panose="020B0609020204030204" pitchFamily="49" charset="0"/>
-              </a:rPr>
-              <a:t>)</a:t>
+              <a:t>]])</a:t>
             </a:r>
           </a:p>
           <a:p>
@@ -11765,7 +9751,7 @@
     </p:spTree>
     <p:extLst>
       <p:ext uri="{BB962C8B-B14F-4D97-AF65-F5344CB8AC3E}">
-        <p14:creationId xmlns:p14="http://schemas.microsoft.com/office/powerpoint/2010/main" val="3211413765"/>
+        <p14:creationId xmlns:p14="http://schemas.microsoft.com/office/powerpoint/2010/main" val="2882204637"/>
       </p:ext>
     </p:extLst>
   </p:cSld>
@@ -11797,7 +9783,7 @@
           <p:cNvPr id="2" name="Titre 1">
             <a:extLst>
               <a:ext uri="{FF2B5EF4-FFF2-40B4-BE49-F238E27FC236}">
-                <a16:creationId xmlns:a16="http://schemas.microsoft.com/office/drawing/2014/main" id="{F0FC3381-E3DD-4CEF-87CD-E6FEE43D3C86}"/>
+                <a16:creationId xmlns:a16="http://schemas.microsoft.com/office/drawing/2014/main" id="{E1E79EC4-17AD-4552-A81A-0EEEDD0B8CA7}"/>
               </a:ext>
             </a:extLst>
           </p:cNvPr>
@@ -11815,74 +9801,11 @@
           <a:p>
             <a:r>
               <a:rPr lang="en-US" dirty="0"/>
-              <a:t>Sources</a:t>
-            </a:r>
-          </a:p>
-        </p:txBody>
-      </p:sp>
-      <p:pic>
-        <p:nvPicPr>
-          <p:cNvPr id="4" name="Image 3">
-            <a:extLst>
-              <a:ext uri="{FF2B5EF4-FFF2-40B4-BE49-F238E27FC236}">
-                <a16:creationId xmlns:a16="http://schemas.microsoft.com/office/drawing/2014/main" id="{B29EEE22-6825-4206-B3FB-E40B2EB2E245}"/>
-              </a:ext>
-            </a:extLst>
-          </p:cNvPr>
-          <p:cNvPicPr>
-            <a:picLocks noChangeAspect="1"/>
-          </p:cNvPicPr>
-          <p:nvPr/>
-        </p:nvPicPr>
-        <p:blipFill>
-          <a:blip r:embed="rId2"/>
-          <a:stretch>
-            <a:fillRect/>
-          </a:stretch>
-        </p:blipFill>
-        <p:spPr>
-          <a:xfrm>
-            <a:off x="838200" y="2358084"/>
-            <a:ext cx="10515600" cy="3194685"/>
-          </a:xfrm>
-          <a:prstGeom prst="rect">
-            <a:avLst/>
-          </a:prstGeom>
-        </p:spPr>
-      </p:pic>
-      <p:sp>
-        <p:nvSpPr>
-          <p:cNvPr id="6" name="ZoneTexte 5">
-            <a:extLst>
-              <a:ext uri="{FF2B5EF4-FFF2-40B4-BE49-F238E27FC236}">
-                <a16:creationId xmlns:a16="http://schemas.microsoft.com/office/drawing/2014/main" id="{406AAB81-0EE4-43A8-B2D4-027770D82DB9}"/>
-              </a:ext>
-            </a:extLst>
-          </p:cNvPr>
-          <p:cNvSpPr txBox="1"/>
-          <p:nvPr/>
-        </p:nvSpPr>
-        <p:spPr>
-          <a:xfrm>
-            <a:off x="1163052" y="4393759"/>
-            <a:ext cx="2566737" cy="369332"/>
-          </a:xfrm>
-          <a:prstGeom prst="rect">
-            <a:avLst/>
-          </a:prstGeom>
-          <a:noFill/>
-        </p:spPr>
-        <p:txBody>
-          <a:bodyPr wrap="square">
-            <a:spAutoFit/>
-          </a:bodyPr>
-          <a:lstStyle/>
-          <a:p>
-            <a:r>
-              <a:rPr lang="fr-FR" dirty="0">
-                <a:hlinkClick r:id="rId3"/>
-              </a:rPr>
-              <a:t>Data Structures</a:t>
+              <a:t>Music </a:t>
+            </a:r>
+            <a:r>
+              <a:rPr lang="en-US" dirty="0" err="1"/>
+              <a:t>Dict</a:t>
             </a:r>
             <a:endParaRPr lang="en-US" dirty="0"/>
           </a:p>
@@ -11890,204 +9813,766 @@
       </p:sp>
       <p:sp>
         <p:nvSpPr>
-          <p:cNvPr id="8" name="ZoneTexte 7">
-            <a:extLst>
-              <a:ext uri="{FF2B5EF4-FFF2-40B4-BE49-F238E27FC236}">
-                <a16:creationId xmlns:a16="http://schemas.microsoft.com/office/drawing/2014/main" id="{D3A804C5-AD18-4895-97CB-C524229B33B6}"/>
-              </a:ext>
-            </a:extLst>
-          </p:cNvPr>
-          <p:cNvSpPr txBox="1"/>
-          <p:nvPr/>
+          <p:cNvPr id="3" name="Espace réservé du contenu 2">
+            <a:extLst>
+              <a:ext uri="{FF2B5EF4-FFF2-40B4-BE49-F238E27FC236}">
+                <a16:creationId xmlns:a16="http://schemas.microsoft.com/office/drawing/2014/main" id="{621AAD02-6C44-49E0-96D3-FA619B4AE629}"/>
+              </a:ext>
+            </a:extLst>
+          </p:cNvPr>
+          <p:cNvSpPr>
+            <a:spLocks noGrp="1"/>
+          </p:cNvSpPr>
+          <p:nvPr>
+            <p:ph idx="1"/>
+          </p:nvPr>
         </p:nvSpPr>
-        <p:spPr>
-          <a:xfrm>
-            <a:off x="3729789" y="4393759"/>
-            <a:ext cx="2566737" cy="646331"/>
-          </a:xfrm>
-          <a:prstGeom prst="rect">
-            <a:avLst/>
-          </a:prstGeom>
-          <a:noFill/>
-        </p:spPr>
+        <p:spPr/>
         <p:txBody>
-          <a:bodyPr wrap="square">
-            <a:spAutoFit/>
-          </a:bodyPr>
+          <a:bodyPr/>
           <a:lstStyle/>
           <a:p>
-            <a:r>
-              <a:rPr lang="en-US" dirty="0">
-                <a:hlinkClick r:id="rId4"/>
-              </a:rPr>
-              <a:t>Using Python to Access Web Data</a:t>
-            </a:r>
+            <a:pPr marL="0" indent="0">
+              <a:buNone/>
+            </a:pPr>
+            <a:r>
+              <a:rPr lang="fr-FR" b="0" dirty="0" err="1">
+                <a:solidFill>
+                  <a:srgbClr val="000000"/>
+                </a:solidFill>
+                <a:effectLst/>
+                <a:latin typeface="Consolas" panose="020B0609020204030204" pitchFamily="49" charset="0"/>
+              </a:rPr>
+              <a:t>trackDict</a:t>
+            </a:r>
+            <a:r>
+              <a:rPr lang="fr-FR" b="0" dirty="0">
+                <a:solidFill>
+                  <a:srgbClr val="000000"/>
+                </a:solidFill>
+                <a:effectLst/>
+                <a:latin typeface="Consolas" panose="020B0609020204030204" pitchFamily="49" charset="0"/>
+              </a:rPr>
+              <a:t> = {</a:t>
+            </a:r>
+            <a:r>
+              <a:rPr lang="fr-FR" b="0" dirty="0">
+                <a:solidFill>
+                  <a:srgbClr val="A31515"/>
+                </a:solidFill>
+                <a:effectLst/>
+                <a:latin typeface="Consolas" panose="020B0609020204030204" pitchFamily="49" charset="0"/>
+              </a:rPr>
+              <a:t>"id"</a:t>
+            </a:r>
+            <a:r>
+              <a:rPr lang="fr-FR" b="0" dirty="0">
+                <a:solidFill>
+                  <a:srgbClr val="000000"/>
+                </a:solidFill>
+                <a:effectLst/>
+                <a:latin typeface="Consolas" panose="020B0609020204030204" pitchFamily="49" charset="0"/>
+              </a:rPr>
+              <a:t>:[], </a:t>
+            </a:r>
+            <a:r>
+              <a:rPr lang="fr-FR" b="0" dirty="0">
+                <a:solidFill>
+                  <a:srgbClr val="A31515"/>
+                </a:solidFill>
+                <a:effectLst/>
+                <a:latin typeface="Consolas" panose="020B0609020204030204" pitchFamily="49" charset="0"/>
+              </a:rPr>
+              <a:t>"</a:t>
+            </a:r>
+            <a:r>
+              <a:rPr lang="fr-FR" b="0" dirty="0" err="1">
+                <a:solidFill>
+                  <a:srgbClr val="A31515"/>
+                </a:solidFill>
+                <a:effectLst/>
+                <a:latin typeface="Consolas" panose="020B0609020204030204" pitchFamily="49" charset="0"/>
+              </a:rPr>
+              <a:t>artist</a:t>
+            </a:r>
+            <a:r>
+              <a:rPr lang="fr-FR" b="0" dirty="0">
+                <a:solidFill>
+                  <a:srgbClr val="A31515"/>
+                </a:solidFill>
+                <a:effectLst/>
+                <a:latin typeface="Consolas" panose="020B0609020204030204" pitchFamily="49" charset="0"/>
+              </a:rPr>
+              <a:t>"</a:t>
+            </a:r>
+            <a:r>
+              <a:rPr lang="fr-FR" b="0" dirty="0">
+                <a:solidFill>
+                  <a:srgbClr val="000000"/>
+                </a:solidFill>
+                <a:effectLst/>
+                <a:latin typeface="Consolas" panose="020B0609020204030204" pitchFamily="49" charset="0"/>
+              </a:rPr>
+              <a:t>:[],</a:t>
+            </a:r>
+            <a:r>
+              <a:rPr lang="fr-FR" b="0" dirty="0">
+                <a:solidFill>
+                  <a:srgbClr val="A31515"/>
+                </a:solidFill>
+                <a:effectLst/>
+                <a:latin typeface="Consolas" panose="020B0609020204030204" pitchFamily="49" charset="0"/>
+              </a:rPr>
+              <a:t>"</a:t>
+            </a:r>
+            <a:r>
+              <a:rPr lang="fr-FR" b="0" dirty="0" err="1">
+                <a:solidFill>
+                  <a:srgbClr val="A31515"/>
+                </a:solidFill>
+                <a:effectLst/>
+                <a:latin typeface="Consolas" panose="020B0609020204030204" pitchFamily="49" charset="0"/>
+              </a:rPr>
+              <a:t>name</a:t>
+            </a:r>
+            <a:r>
+              <a:rPr lang="fr-FR" b="0" dirty="0">
+                <a:solidFill>
+                  <a:srgbClr val="A31515"/>
+                </a:solidFill>
+                <a:effectLst/>
+                <a:latin typeface="Consolas" panose="020B0609020204030204" pitchFamily="49" charset="0"/>
+              </a:rPr>
+              <a:t>"</a:t>
+            </a:r>
+            <a:r>
+              <a:rPr lang="fr-FR" b="0" dirty="0">
+                <a:solidFill>
+                  <a:srgbClr val="000000"/>
+                </a:solidFill>
+                <a:effectLst/>
+                <a:latin typeface="Consolas" panose="020B0609020204030204" pitchFamily="49" charset="0"/>
+              </a:rPr>
+              <a:t>:[]}</a:t>
+            </a:r>
+          </a:p>
+          <a:p>
+            <a:pPr marL="0" indent="0">
+              <a:buNone/>
+            </a:pPr>
+            <a:r>
+              <a:rPr lang="fr-FR" b="0" dirty="0">
+                <a:solidFill>
+                  <a:srgbClr val="0000FF"/>
+                </a:solidFill>
+                <a:effectLst/>
+                <a:latin typeface="Consolas" panose="020B0609020204030204" pitchFamily="49" charset="0"/>
+              </a:rPr>
+              <a:t>for</a:t>
+            </a:r>
+            <a:r>
+              <a:rPr lang="fr-FR" b="0" dirty="0">
+                <a:solidFill>
+                  <a:srgbClr val="000000"/>
+                </a:solidFill>
+                <a:effectLst/>
+                <a:latin typeface="Consolas" panose="020B0609020204030204" pitchFamily="49" charset="0"/>
+              </a:rPr>
+              <a:t> </a:t>
+            </a:r>
+            <a:r>
+              <a:rPr lang="fr-FR" b="0" dirty="0" err="1">
+                <a:solidFill>
+                  <a:srgbClr val="000000"/>
+                </a:solidFill>
+                <a:effectLst/>
+                <a:latin typeface="Consolas" panose="020B0609020204030204" pitchFamily="49" charset="0"/>
+              </a:rPr>
+              <a:t>idx</a:t>
+            </a:r>
+            <a:r>
+              <a:rPr lang="fr-FR" b="0" dirty="0">
+                <a:solidFill>
+                  <a:srgbClr val="000000"/>
+                </a:solidFill>
+                <a:effectLst/>
+                <a:latin typeface="Consolas" panose="020B0609020204030204" pitchFamily="49" charset="0"/>
+              </a:rPr>
+              <a:t>, item </a:t>
+            </a:r>
+            <a:r>
+              <a:rPr lang="fr-FR" b="0" dirty="0">
+                <a:solidFill>
+                  <a:srgbClr val="0000FF"/>
+                </a:solidFill>
+                <a:effectLst/>
+                <a:latin typeface="Consolas" panose="020B0609020204030204" pitchFamily="49" charset="0"/>
+              </a:rPr>
+              <a:t>in</a:t>
+            </a:r>
+            <a:r>
+              <a:rPr lang="fr-FR" b="0" dirty="0">
+                <a:solidFill>
+                  <a:srgbClr val="000000"/>
+                </a:solidFill>
+                <a:effectLst/>
+                <a:latin typeface="Consolas" panose="020B0609020204030204" pitchFamily="49" charset="0"/>
+              </a:rPr>
+              <a:t> </a:t>
+            </a:r>
+            <a:r>
+              <a:rPr lang="fr-FR" b="0" dirty="0" err="1">
+                <a:solidFill>
+                  <a:srgbClr val="000000"/>
+                </a:solidFill>
+                <a:effectLst/>
+                <a:latin typeface="Consolas" panose="020B0609020204030204" pitchFamily="49" charset="0"/>
+              </a:rPr>
+              <a:t>enumerate</a:t>
+            </a:r>
+            <a:r>
+              <a:rPr lang="fr-FR" b="0" dirty="0">
+                <a:solidFill>
+                  <a:srgbClr val="000000"/>
+                </a:solidFill>
+                <a:effectLst/>
+                <a:latin typeface="Consolas" panose="020B0609020204030204" pitchFamily="49" charset="0"/>
+              </a:rPr>
+              <a:t>(</a:t>
+            </a:r>
+            <a:r>
+              <a:rPr lang="fr-FR" b="0" dirty="0" err="1">
+                <a:solidFill>
+                  <a:srgbClr val="000000"/>
+                </a:solidFill>
+                <a:effectLst/>
+                <a:latin typeface="Consolas" panose="020B0609020204030204" pitchFamily="49" charset="0"/>
+              </a:rPr>
+              <a:t>results</a:t>
+            </a:r>
+            <a:r>
+              <a:rPr lang="fr-FR" b="0" dirty="0">
+                <a:solidFill>
+                  <a:srgbClr val="000000"/>
+                </a:solidFill>
+                <a:effectLst/>
+                <a:latin typeface="Consolas" panose="020B0609020204030204" pitchFamily="49" charset="0"/>
+              </a:rPr>
+              <a:t>[</a:t>
+            </a:r>
+            <a:r>
+              <a:rPr lang="fr-FR" b="0" dirty="0">
+                <a:solidFill>
+                  <a:srgbClr val="A31515"/>
+                </a:solidFill>
+                <a:effectLst/>
+                <a:latin typeface="Consolas" panose="020B0609020204030204" pitchFamily="49" charset="0"/>
+              </a:rPr>
+              <a:t>'items'</a:t>
+            </a:r>
+            <a:r>
+              <a:rPr lang="fr-FR" b="0" dirty="0">
+                <a:solidFill>
+                  <a:srgbClr val="000000"/>
+                </a:solidFill>
+                <a:effectLst/>
+                <a:latin typeface="Consolas" panose="020B0609020204030204" pitchFamily="49" charset="0"/>
+              </a:rPr>
+              <a:t>]):</a:t>
+            </a:r>
+          </a:p>
+          <a:p>
+            <a:pPr marL="0" indent="0">
+              <a:buNone/>
+            </a:pPr>
+            <a:r>
+              <a:rPr lang="fr-FR" b="0" dirty="0">
+                <a:solidFill>
+                  <a:srgbClr val="000000"/>
+                </a:solidFill>
+                <a:effectLst/>
+                <a:latin typeface="Consolas" panose="020B0609020204030204" pitchFamily="49" charset="0"/>
+              </a:rPr>
+              <a:t>    </a:t>
+            </a:r>
+            <a:r>
+              <a:rPr lang="fr-FR" b="0" dirty="0" err="1">
+                <a:solidFill>
+                  <a:srgbClr val="000000"/>
+                </a:solidFill>
+                <a:effectLst/>
+                <a:latin typeface="Consolas" panose="020B0609020204030204" pitchFamily="49" charset="0"/>
+              </a:rPr>
+              <a:t>track</a:t>
+            </a:r>
+            <a:r>
+              <a:rPr lang="fr-FR" b="0" dirty="0">
+                <a:solidFill>
+                  <a:srgbClr val="000000"/>
+                </a:solidFill>
+                <a:effectLst/>
+                <a:latin typeface="Consolas" panose="020B0609020204030204" pitchFamily="49" charset="0"/>
+              </a:rPr>
+              <a:t> = item[</a:t>
+            </a:r>
+            <a:r>
+              <a:rPr lang="fr-FR" b="0" dirty="0">
+                <a:solidFill>
+                  <a:srgbClr val="A31515"/>
+                </a:solidFill>
+                <a:effectLst/>
+                <a:latin typeface="Consolas" panose="020B0609020204030204" pitchFamily="49" charset="0"/>
+              </a:rPr>
+              <a:t>'</a:t>
+            </a:r>
+            <a:r>
+              <a:rPr lang="fr-FR" b="0" dirty="0" err="1">
+                <a:solidFill>
+                  <a:srgbClr val="A31515"/>
+                </a:solidFill>
+                <a:effectLst/>
+                <a:latin typeface="Consolas" panose="020B0609020204030204" pitchFamily="49" charset="0"/>
+              </a:rPr>
+              <a:t>track</a:t>
+            </a:r>
+            <a:r>
+              <a:rPr lang="fr-FR" b="0" dirty="0">
+                <a:solidFill>
+                  <a:srgbClr val="A31515"/>
+                </a:solidFill>
+                <a:effectLst/>
+                <a:latin typeface="Consolas" panose="020B0609020204030204" pitchFamily="49" charset="0"/>
+              </a:rPr>
+              <a:t>'</a:t>
+            </a:r>
+            <a:r>
+              <a:rPr lang="fr-FR" b="0" dirty="0">
+                <a:solidFill>
+                  <a:srgbClr val="000000"/>
+                </a:solidFill>
+                <a:effectLst/>
+                <a:latin typeface="Consolas" panose="020B0609020204030204" pitchFamily="49" charset="0"/>
+              </a:rPr>
+              <a:t>]</a:t>
+            </a:r>
+          </a:p>
+          <a:p>
+            <a:pPr marL="0" indent="0">
+              <a:buNone/>
+            </a:pPr>
+            <a:r>
+              <a:rPr lang="fr-FR" b="0" dirty="0">
+                <a:solidFill>
+                  <a:srgbClr val="000000"/>
+                </a:solidFill>
+                <a:effectLst/>
+                <a:latin typeface="Consolas" panose="020B0609020204030204" pitchFamily="49" charset="0"/>
+              </a:rPr>
+              <a:t>    </a:t>
+            </a:r>
+            <a:r>
+              <a:rPr lang="fr-FR" b="0" dirty="0" err="1">
+                <a:solidFill>
+                  <a:srgbClr val="000000"/>
+                </a:solidFill>
+                <a:effectLst/>
+                <a:latin typeface="Consolas" panose="020B0609020204030204" pitchFamily="49" charset="0"/>
+              </a:rPr>
+              <a:t>trackDict</a:t>
+            </a:r>
+            <a:r>
+              <a:rPr lang="fr-FR" b="0" dirty="0">
+                <a:solidFill>
+                  <a:srgbClr val="000000"/>
+                </a:solidFill>
+                <a:effectLst/>
+                <a:latin typeface="Consolas" panose="020B0609020204030204" pitchFamily="49" charset="0"/>
+              </a:rPr>
+              <a:t>[</a:t>
+            </a:r>
+            <a:r>
+              <a:rPr lang="fr-FR" b="0" dirty="0">
+                <a:solidFill>
+                  <a:srgbClr val="A31515"/>
+                </a:solidFill>
+                <a:effectLst/>
+                <a:latin typeface="Consolas" panose="020B0609020204030204" pitchFamily="49" charset="0"/>
+              </a:rPr>
+              <a:t>"id"</a:t>
+            </a:r>
+            <a:r>
+              <a:rPr lang="fr-FR" b="0" dirty="0">
+                <a:solidFill>
+                  <a:srgbClr val="000000"/>
+                </a:solidFill>
+                <a:effectLst/>
+                <a:latin typeface="Consolas" panose="020B0609020204030204" pitchFamily="49" charset="0"/>
+              </a:rPr>
+              <a:t>].append(</a:t>
+            </a:r>
+            <a:r>
+              <a:rPr lang="fr-FR" b="0" dirty="0" err="1">
+                <a:solidFill>
+                  <a:srgbClr val="000000"/>
+                </a:solidFill>
+                <a:effectLst/>
+                <a:latin typeface="Consolas" panose="020B0609020204030204" pitchFamily="49" charset="0"/>
+              </a:rPr>
+              <a:t>idx</a:t>
+            </a:r>
+            <a:r>
+              <a:rPr lang="fr-FR" b="0" dirty="0">
+                <a:solidFill>
+                  <a:srgbClr val="000000"/>
+                </a:solidFill>
+                <a:effectLst/>
+                <a:latin typeface="Consolas" panose="020B0609020204030204" pitchFamily="49" charset="0"/>
+              </a:rPr>
+              <a:t>)</a:t>
+            </a:r>
+          </a:p>
+          <a:p>
+            <a:pPr marL="0" indent="0">
+              <a:buNone/>
+            </a:pPr>
+            <a:r>
+              <a:rPr lang="fr-FR" b="0" dirty="0">
+                <a:solidFill>
+                  <a:srgbClr val="000000"/>
+                </a:solidFill>
+                <a:effectLst/>
+                <a:latin typeface="Consolas" panose="020B0609020204030204" pitchFamily="49" charset="0"/>
+              </a:rPr>
+              <a:t>    </a:t>
+            </a:r>
+            <a:r>
+              <a:rPr lang="fr-FR" b="0" dirty="0" err="1">
+                <a:solidFill>
+                  <a:srgbClr val="000000"/>
+                </a:solidFill>
+                <a:effectLst/>
+                <a:latin typeface="Consolas" panose="020B0609020204030204" pitchFamily="49" charset="0"/>
+              </a:rPr>
+              <a:t>trackDict</a:t>
+            </a:r>
+            <a:r>
+              <a:rPr lang="fr-FR" b="0" dirty="0">
+                <a:solidFill>
+                  <a:srgbClr val="000000"/>
+                </a:solidFill>
+                <a:effectLst/>
+                <a:latin typeface="Consolas" panose="020B0609020204030204" pitchFamily="49" charset="0"/>
+              </a:rPr>
+              <a:t>[</a:t>
+            </a:r>
+            <a:r>
+              <a:rPr lang="fr-FR" b="0" dirty="0">
+                <a:solidFill>
+                  <a:srgbClr val="A31515"/>
+                </a:solidFill>
+                <a:effectLst/>
+                <a:latin typeface="Consolas" panose="020B0609020204030204" pitchFamily="49" charset="0"/>
+              </a:rPr>
+              <a:t>"</a:t>
+            </a:r>
+            <a:r>
+              <a:rPr lang="fr-FR" b="0" dirty="0" err="1">
+                <a:solidFill>
+                  <a:srgbClr val="A31515"/>
+                </a:solidFill>
+                <a:effectLst/>
+                <a:latin typeface="Consolas" panose="020B0609020204030204" pitchFamily="49" charset="0"/>
+              </a:rPr>
+              <a:t>artist</a:t>
+            </a:r>
+            <a:r>
+              <a:rPr lang="fr-FR" b="0" dirty="0">
+                <a:solidFill>
+                  <a:srgbClr val="A31515"/>
+                </a:solidFill>
+                <a:effectLst/>
+                <a:latin typeface="Consolas" panose="020B0609020204030204" pitchFamily="49" charset="0"/>
+              </a:rPr>
+              <a:t>"</a:t>
+            </a:r>
+            <a:r>
+              <a:rPr lang="fr-FR" b="0" dirty="0">
+                <a:solidFill>
+                  <a:srgbClr val="000000"/>
+                </a:solidFill>
+                <a:effectLst/>
+                <a:latin typeface="Consolas" panose="020B0609020204030204" pitchFamily="49" charset="0"/>
+              </a:rPr>
+              <a:t>].append(</a:t>
+            </a:r>
+            <a:r>
+              <a:rPr lang="fr-FR" b="0" dirty="0" err="1">
+                <a:solidFill>
+                  <a:srgbClr val="000000"/>
+                </a:solidFill>
+                <a:effectLst/>
+                <a:latin typeface="Consolas" panose="020B0609020204030204" pitchFamily="49" charset="0"/>
+              </a:rPr>
+              <a:t>track</a:t>
+            </a:r>
+            <a:r>
+              <a:rPr lang="fr-FR" b="0" dirty="0">
+                <a:solidFill>
+                  <a:srgbClr val="000000"/>
+                </a:solidFill>
+                <a:effectLst/>
+                <a:latin typeface="Consolas" panose="020B0609020204030204" pitchFamily="49" charset="0"/>
+              </a:rPr>
+              <a:t>[</a:t>
+            </a:r>
+            <a:r>
+              <a:rPr lang="fr-FR" b="0" dirty="0">
+                <a:solidFill>
+                  <a:srgbClr val="A31515"/>
+                </a:solidFill>
+                <a:effectLst/>
+                <a:latin typeface="Consolas" panose="020B0609020204030204" pitchFamily="49" charset="0"/>
+              </a:rPr>
+              <a:t>'</a:t>
+            </a:r>
+            <a:r>
+              <a:rPr lang="fr-FR" b="0" dirty="0" err="1">
+                <a:solidFill>
+                  <a:srgbClr val="A31515"/>
+                </a:solidFill>
+                <a:effectLst/>
+                <a:latin typeface="Consolas" panose="020B0609020204030204" pitchFamily="49" charset="0"/>
+              </a:rPr>
+              <a:t>artists</a:t>
+            </a:r>
+            <a:r>
+              <a:rPr lang="fr-FR" b="0" dirty="0">
+                <a:solidFill>
+                  <a:srgbClr val="A31515"/>
+                </a:solidFill>
+                <a:effectLst/>
+                <a:latin typeface="Consolas" panose="020B0609020204030204" pitchFamily="49" charset="0"/>
+              </a:rPr>
+              <a:t>'</a:t>
+            </a:r>
+            <a:r>
+              <a:rPr lang="fr-FR" b="0" dirty="0">
+                <a:solidFill>
+                  <a:srgbClr val="000000"/>
+                </a:solidFill>
+                <a:effectLst/>
+                <a:latin typeface="Consolas" panose="020B0609020204030204" pitchFamily="49" charset="0"/>
+              </a:rPr>
+              <a:t>][</a:t>
+            </a:r>
+            <a:r>
+              <a:rPr lang="fr-FR" b="0" dirty="0">
+                <a:solidFill>
+                  <a:srgbClr val="098658"/>
+                </a:solidFill>
+                <a:effectLst/>
+                <a:latin typeface="Consolas" panose="020B0609020204030204" pitchFamily="49" charset="0"/>
+              </a:rPr>
+              <a:t>0</a:t>
+            </a:r>
+            <a:r>
+              <a:rPr lang="fr-FR" b="0" dirty="0">
+                <a:solidFill>
+                  <a:srgbClr val="000000"/>
+                </a:solidFill>
+                <a:effectLst/>
+                <a:latin typeface="Consolas" panose="020B0609020204030204" pitchFamily="49" charset="0"/>
+              </a:rPr>
+              <a:t>][</a:t>
+            </a:r>
+            <a:r>
+              <a:rPr lang="fr-FR" b="0" dirty="0">
+                <a:solidFill>
+                  <a:srgbClr val="A31515"/>
+                </a:solidFill>
+                <a:effectLst/>
+                <a:latin typeface="Consolas" panose="020B0609020204030204" pitchFamily="49" charset="0"/>
+              </a:rPr>
+              <a:t>'</a:t>
+            </a:r>
+            <a:r>
+              <a:rPr lang="fr-FR" b="0" dirty="0" err="1">
+                <a:solidFill>
+                  <a:srgbClr val="A31515"/>
+                </a:solidFill>
+                <a:effectLst/>
+                <a:latin typeface="Consolas" panose="020B0609020204030204" pitchFamily="49" charset="0"/>
+              </a:rPr>
+              <a:t>name</a:t>
+            </a:r>
+            <a:r>
+              <a:rPr lang="fr-FR" b="0" dirty="0">
+                <a:solidFill>
+                  <a:srgbClr val="A31515"/>
+                </a:solidFill>
+                <a:effectLst/>
+                <a:latin typeface="Consolas" panose="020B0609020204030204" pitchFamily="49" charset="0"/>
+              </a:rPr>
+              <a:t>'</a:t>
+            </a:r>
+            <a:r>
+              <a:rPr lang="fr-FR" b="0" dirty="0">
+                <a:solidFill>
+                  <a:srgbClr val="000000"/>
+                </a:solidFill>
+                <a:effectLst/>
+                <a:latin typeface="Consolas" panose="020B0609020204030204" pitchFamily="49" charset="0"/>
+              </a:rPr>
+              <a:t>])</a:t>
+            </a:r>
+          </a:p>
+          <a:p>
+            <a:pPr marL="0" indent="0">
+              <a:buNone/>
+            </a:pPr>
+            <a:r>
+              <a:rPr lang="fr-FR" b="0" dirty="0">
+                <a:solidFill>
+                  <a:srgbClr val="000000"/>
+                </a:solidFill>
+                <a:effectLst/>
+                <a:latin typeface="Consolas" panose="020B0609020204030204" pitchFamily="49" charset="0"/>
+              </a:rPr>
+              <a:t>    </a:t>
+            </a:r>
+            <a:r>
+              <a:rPr lang="fr-FR" b="0" dirty="0" err="1">
+                <a:solidFill>
+                  <a:srgbClr val="000000"/>
+                </a:solidFill>
+                <a:effectLst/>
+                <a:latin typeface="Consolas" panose="020B0609020204030204" pitchFamily="49" charset="0"/>
+              </a:rPr>
+              <a:t>trackDict</a:t>
+            </a:r>
+            <a:r>
+              <a:rPr lang="fr-FR" b="0" dirty="0">
+                <a:solidFill>
+                  <a:srgbClr val="000000"/>
+                </a:solidFill>
+                <a:effectLst/>
+                <a:latin typeface="Consolas" panose="020B0609020204030204" pitchFamily="49" charset="0"/>
+              </a:rPr>
+              <a:t>[</a:t>
+            </a:r>
+            <a:r>
+              <a:rPr lang="fr-FR" b="0" dirty="0">
+                <a:solidFill>
+                  <a:srgbClr val="A31515"/>
+                </a:solidFill>
+                <a:effectLst/>
+                <a:latin typeface="Consolas" panose="020B0609020204030204" pitchFamily="49" charset="0"/>
+              </a:rPr>
+              <a:t>"</a:t>
+            </a:r>
+            <a:r>
+              <a:rPr lang="fr-FR" b="0" dirty="0" err="1">
+                <a:solidFill>
+                  <a:srgbClr val="A31515"/>
+                </a:solidFill>
+                <a:effectLst/>
+                <a:latin typeface="Consolas" panose="020B0609020204030204" pitchFamily="49" charset="0"/>
+              </a:rPr>
+              <a:t>name</a:t>
+            </a:r>
+            <a:r>
+              <a:rPr lang="fr-FR" b="0" dirty="0">
+                <a:solidFill>
+                  <a:srgbClr val="A31515"/>
+                </a:solidFill>
+                <a:effectLst/>
+                <a:latin typeface="Consolas" panose="020B0609020204030204" pitchFamily="49" charset="0"/>
+              </a:rPr>
+              <a:t>"</a:t>
+            </a:r>
+            <a:r>
+              <a:rPr lang="fr-FR" b="0" dirty="0">
+                <a:solidFill>
+                  <a:srgbClr val="000000"/>
+                </a:solidFill>
+                <a:effectLst/>
+                <a:latin typeface="Consolas" panose="020B0609020204030204" pitchFamily="49" charset="0"/>
+              </a:rPr>
+              <a:t>].append(</a:t>
+            </a:r>
+            <a:r>
+              <a:rPr lang="fr-FR" b="0" dirty="0" err="1">
+                <a:solidFill>
+                  <a:srgbClr val="000000"/>
+                </a:solidFill>
+                <a:effectLst/>
+                <a:latin typeface="Consolas" panose="020B0609020204030204" pitchFamily="49" charset="0"/>
+              </a:rPr>
+              <a:t>track</a:t>
+            </a:r>
+            <a:r>
+              <a:rPr lang="fr-FR" b="0" dirty="0">
+                <a:solidFill>
+                  <a:srgbClr val="000000"/>
+                </a:solidFill>
+                <a:effectLst/>
+                <a:latin typeface="Consolas" panose="020B0609020204030204" pitchFamily="49" charset="0"/>
+              </a:rPr>
+              <a:t>[</a:t>
+            </a:r>
+            <a:r>
+              <a:rPr lang="fr-FR" b="0" dirty="0">
+                <a:solidFill>
+                  <a:srgbClr val="A31515"/>
+                </a:solidFill>
+                <a:effectLst/>
+                <a:latin typeface="Consolas" panose="020B0609020204030204" pitchFamily="49" charset="0"/>
+              </a:rPr>
+              <a:t>'</a:t>
+            </a:r>
+            <a:r>
+              <a:rPr lang="fr-FR" b="0" dirty="0" err="1">
+                <a:solidFill>
+                  <a:srgbClr val="A31515"/>
+                </a:solidFill>
+                <a:effectLst/>
+                <a:latin typeface="Consolas" panose="020B0609020204030204" pitchFamily="49" charset="0"/>
+              </a:rPr>
+              <a:t>name</a:t>
+            </a:r>
+            <a:r>
+              <a:rPr lang="fr-FR" b="0" dirty="0">
+                <a:solidFill>
+                  <a:srgbClr val="A31515"/>
+                </a:solidFill>
+                <a:effectLst/>
+                <a:latin typeface="Consolas" panose="020B0609020204030204" pitchFamily="49" charset="0"/>
+              </a:rPr>
+              <a:t>'</a:t>
+            </a:r>
+            <a:r>
+              <a:rPr lang="fr-FR" b="0" dirty="0">
+                <a:solidFill>
+                  <a:srgbClr val="000000"/>
+                </a:solidFill>
+                <a:effectLst/>
+                <a:latin typeface="Consolas" panose="020B0609020204030204" pitchFamily="49" charset="0"/>
+              </a:rPr>
+              <a:t>])</a:t>
+            </a:r>
+          </a:p>
+          <a:p>
+            <a:pPr marL="0" indent="0">
+              <a:buNone/>
+            </a:pPr>
             <a:endParaRPr lang="en-US" dirty="0"/>
-          </a:p>
-        </p:txBody>
-      </p:sp>
-      <p:sp>
-        <p:nvSpPr>
-          <p:cNvPr id="10" name="ZoneTexte 9">
-            <a:extLst>
-              <a:ext uri="{FF2B5EF4-FFF2-40B4-BE49-F238E27FC236}">
-                <a16:creationId xmlns:a16="http://schemas.microsoft.com/office/drawing/2014/main" id="{67D711CB-16FB-4657-9195-D942B93A86F4}"/>
-              </a:ext>
-            </a:extLst>
-          </p:cNvPr>
-          <p:cNvSpPr txBox="1"/>
-          <p:nvPr/>
-        </p:nvSpPr>
-        <p:spPr>
-          <a:xfrm>
-            <a:off x="1163052" y="5850833"/>
-            <a:ext cx="6096000" cy="369332"/>
-          </a:xfrm>
-          <a:prstGeom prst="rect">
-            <a:avLst/>
-          </a:prstGeom>
-          <a:noFill/>
-        </p:spPr>
-        <p:txBody>
-          <a:bodyPr wrap="square">
-            <a:spAutoFit/>
-          </a:bodyPr>
-          <a:lstStyle/>
-          <a:p>
-            <a:r>
-              <a:rPr lang="fr-FR" dirty="0">
-                <a:hlinkClick r:id="rId5"/>
-              </a:rPr>
-              <a:t>PY4E - Python for </a:t>
-            </a:r>
-            <a:r>
-              <a:rPr lang="fr-FR" dirty="0" err="1">
-                <a:hlinkClick r:id="rId5"/>
-              </a:rPr>
-              <a:t>Everybody</a:t>
-            </a:r>
-            <a:endParaRPr lang="en-US" dirty="0"/>
-          </a:p>
-        </p:txBody>
-      </p:sp>
-      <p:sp>
-        <p:nvSpPr>
-          <p:cNvPr id="12" name="ZoneTexte 11">
-            <a:extLst>
-              <a:ext uri="{FF2B5EF4-FFF2-40B4-BE49-F238E27FC236}">
-                <a16:creationId xmlns:a16="http://schemas.microsoft.com/office/drawing/2014/main" id="{71317CDF-7049-4B3F-8D91-424217FBC5E0}"/>
-              </a:ext>
-            </a:extLst>
-          </p:cNvPr>
-          <p:cNvSpPr txBox="1"/>
-          <p:nvPr/>
-        </p:nvSpPr>
-        <p:spPr>
-          <a:xfrm>
-            <a:off x="5013157" y="5850833"/>
-            <a:ext cx="6096000" cy="369332"/>
-          </a:xfrm>
-          <a:prstGeom prst="rect">
-            <a:avLst/>
-          </a:prstGeom>
-          <a:noFill/>
-        </p:spPr>
-        <p:txBody>
-          <a:bodyPr wrap="square">
-            <a:spAutoFit/>
-          </a:bodyPr>
-          <a:lstStyle/>
-          <a:p>
-            <a:r>
-              <a:rPr lang="en-US" dirty="0">
-                <a:hlinkClick r:id="rId6"/>
-              </a:rPr>
-              <a:t>Python for Everybody (dr-chuck.com)</a:t>
-            </a:r>
-            <a:endParaRPr lang="en-US" dirty="0"/>
-          </a:p>
-        </p:txBody>
-      </p:sp>
-      <p:sp>
-        <p:nvSpPr>
-          <p:cNvPr id="14" name="ZoneTexte 13">
-            <a:extLst>
-              <a:ext uri="{FF2B5EF4-FFF2-40B4-BE49-F238E27FC236}">
-                <a16:creationId xmlns:a16="http://schemas.microsoft.com/office/drawing/2014/main" id="{4444110A-F714-455C-98AD-98981E5CC55E}"/>
-              </a:ext>
-            </a:extLst>
-          </p:cNvPr>
-          <p:cNvSpPr txBox="1"/>
-          <p:nvPr/>
-        </p:nvSpPr>
-        <p:spPr>
-          <a:xfrm>
-            <a:off x="6140115" y="4393759"/>
-            <a:ext cx="2490538" cy="646331"/>
-          </a:xfrm>
-          <a:prstGeom prst="rect">
-            <a:avLst/>
-          </a:prstGeom>
-          <a:noFill/>
-        </p:spPr>
-        <p:txBody>
-          <a:bodyPr wrap="square">
-            <a:spAutoFit/>
-          </a:bodyPr>
-          <a:lstStyle/>
-          <a:p>
-            <a:r>
-              <a:rPr lang="en-US" dirty="0">
-                <a:hlinkClick r:id="rId7"/>
-              </a:rPr>
-              <a:t>Using Databases with Python</a:t>
-            </a:r>
-            <a:endParaRPr lang="en-US" dirty="0"/>
-          </a:p>
-        </p:txBody>
-      </p:sp>
-      <p:sp>
-        <p:nvSpPr>
-          <p:cNvPr id="16" name="ZoneTexte 15">
-            <a:extLst>
-              <a:ext uri="{FF2B5EF4-FFF2-40B4-BE49-F238E27FC236}">
-                <a16:creationId xmlns:a16="http://schemas.microsoft.com/office/drawing/2014/main" id="{F063A0C7-E9D9-4D96-842B-EE56FECB6763}"/>
-              </a:ext>
-            </a:extLst>
-          </p:cNvPr>
-          <p:cNvSpPr txBox="1"/>
-          <p:nvPr/>
-        </p:nvSpPr>
-        <p:spPr>
-          <a:xfrm>
-            <a:off x="8744951" y="4609203"/>
-            <a:ext cx="2646948" cy="430887"/>
-          </a:xfrm>
-          <a:prstGeom prst="rect">
-            <a:avLst/>
-          </a:prstGeom>
-          <a:noFill/>
-        </p:spPr>
-        <p:txBody>
-          <a:bodyPr wrap="square">
-            <a:spAutoFit/>
-          </a:bodyPr>
-          <a:lstStyle/>
-          <a:p>
-            <a:r>
-              <a:rPr lang="en-US" sz="1100" dirty="0">
-                <a:hlinkClick r:id="rId8"/>
-              </a:rPr>
-              <a:t>Capstone: Retrieving, Processing, and Visualizing Data with Python</a:t>
-            </a:r>
-            <a:endParaRPr lang="en-US" sz="1100" dirty="0"/>
           </a:p>
         </p:txBody>
       </p:sp>
     </p:spTree>
     <p:extLst>
       <p:ext uri="{BB962C8B-B14F-4D97-AF65-F5344CB8AC3E}">
-        <p14:creationId xmlns:p14="http://schemas.microsoft.com/office/powerpoint/2010/main" val="28441975"/>
+        <p14:creationId xmlns:p14="http://schemas.microsoft.com/office/powerpoint/2010/main" val="2694540865"/>
       </p:ext>
     </p:extLst>
   </p:cSld>
@@ -12119,6 +10604,2199 @@
           <p:cNvPr id="2" name="Titre 1">
             <a:extLst>
               <a:ext uri="{FF2B5EF4-FFF2-40B4-BE49-F238E27FC236}">
+                <a16:creationId xmlns:a16="http://schemas.microsoft.com/office/drawing/2014/main" id="{0EC55D33-C83F-4CDC-8A1B-2B504D77D8CF}"/>
+              </a:ext>
+            </a:extLst>
+          </p:cNvPr>
+          <p:cNvSpPr>
+            <a:spLocks noGrp="1"/>
+          </p:cNvSpPr>
+          <p:nvPr>
+            <p:ph type="title"/>
+          </p:nvPr>
+        </p:nvSpPr>
+        <p:spPr/>
+        <p:txBody>
+          <a:bodyPr/>
+          <a:lstStyle/>
+          <a:p>
+            <a:r>
+              <a:rPr lang="en-US" dirty="0"/>
+              <a:t>Music taste analysis</a:t>
+            </a:r>
+          </a:p>
+        </p:txBody>
+      </p:sp>
+      <p:pic>
+        <p:nvPicPr>
+          <p:cNvPr id="5" name="Espace réservé du contenu 4">
+            <a:extLst>
+              <a:ext uri="{FF2B5EF4-FFF2-40B4-BE49-F238E27FC236}">
+                <a16:creationId xmlns:a16="http://schemas.microsoft.com/office/drawing/2014/main" id="{B65D1556-1E0B-4F6D-ADA0-19BEB299B914}"/>
+              </a:ext>
+            </a:extLst>
+          </p:cNvPr>
+          <p:cNvPicPr>
+            <a:picLocks noGrp="1" noChangeAspect="1"/>
+          </p:cNvPicPr>
+          <p:nvPr>
+            <p:ph idx="1"/>
+          </p:nvPr>
+        </p:nvPicPr>
+        <p:blipFill>
+          <a:blip r:embed="rId2">
+            <a:extLst>
+              <a:ext uri="{28A0092B-C50C-407E-A947-70E740481C1C}">
+                <a14:useLocalDpi xmlns:a14="http://schemas.microsoft.com/office/drawing/2010/main" val="0"/>
+              </a:ext>
+              <a:ext uri="{96DAC541-7B7A-43D3-8B79-37D633B846F1}">
+                <asvg:svgBlip xmlns:asvg="http://schemas.microsoft.com/office/drawing/2016/SVG/main" r:embed="rId3"/>
+              </a:ext>
+            </a:extLst>
+          </a:blip>
+          <a:stretch>
+            <a:fillRect/>
+          </a:stretch>
+        </p:blipFill>
+        <p:spPr>
+          <a:xfrm>
+            <a:off x="3592811" y="1825625"/>
+            <a:ext cx="5006378" cy="4351338"/>
+          </a:xfrm>
+        </p:spPr>
+      </p:pic>
+    </p:spTree>
+    <p:extLst>
+      <p:ext uri="{BB962C8B-B14F-4D97-AF65-F5344CB8AC3E}">
+        <p14:creationId xmlns:p14="http://schemas.microsoft.com/office/powerpoint/2010/main" val="898901086"/>
+      </p:ext>
+    </p:extLst>
+  </p:cSld>
+  <p:clrMapOvr>
+    <a:masterClrMapping/>
+  </p:clrMapOvr>
+</p:sld>
+</file>
+
+<file path=ppt/slides/slide28.xml><?xml version="1.0" encoding="utf-8"?>
+<p:sld xmlns:a="http://schemas.openxmlformats.org/drawingml/2006/main" xmlns:r="http://schemas.openxmlformats.org/officeDocument/2006/relationships" xmlns:p="http://schemas.openxmlformats.org/presentationml/2006/main">
+  <p:cSld>
+    <p:spTree>
+      <p:nvGrpSpPr>
+        <p:cNvPr id="1" name=""/>
+        <p:cNvGrpSpPr/>
+        <p:nvPr/>
+      </p:nvGrpSpPr>
+      <p:grpSpPr>
+        <a:xfrm>
+          <a:off x="0" y="0"/>
+          <a:ext cx="0" cy="0"/>
+          <a:chOff x="0" y="0"/>
+          <a:chExt cx="0" cy="0"/>
+        </a:xfrm>
+      </p:grpSpPr>
+      <p:sp>
+        <p:nvSpPr>
+          <p:cNvPr id="2" name="Titre 1">
+            <a:extLst>
+              <a:ext uri="{FF2B5EF4-FFF2-40B4-BE49-F238E27FC236}">
+                <a16:creationId xmlns:a16="http://schemas.microsoft.com/office/drawing/2014/main" id="{1FFD6DE5-85EF-47E5-AA4F-44714B399865}"/>
+              </a:ext>
+            </a:extLst>
+          </p:cNvPr>
+          <p:cNvSpPr>
+            <a:spLocks noGrp="1"/>
+          </p:cNvSpPr>
+          <p:nvPr>
+            <p:ph type="title"/>
+          </p:nvPr>
+        </p:nvSpPr>
+        <p:spPr/>
+        <p:txBody>
+          <a:bodyPr/>
+          <a:lstStyle/>
+          <a:p>
+            <a:r>
+              <a:rPr lang="en-US" dirty="0"/>
+              <a:t>Music taste analysis</a:t>
+            </a:r>
+          </a:p>
+        </p:txBody>
+      </p:sp>
+      <p:sp>
+        <p:nvSpPr>
+          <p:cNvPr id="3" name="Espace réservé du contenu 2">
+            <a:extLst>
+              <a:ext uri="{FF2B5EF4-FFF2-40B4-BE49-F238E27FC236}">
+                <a16:creationId xmlns:a16="http://schemas.microsoft.com/office/drawing/2014/main" id="{46E947A8-E519-473F-9A43-139D0C5C634C}"/>
+              </a:ext>
+            </a:extLst>
+          </p:cNvPr>
+          <p:cNvSpPr>
+            <a:spLocks noGrp="1"/>
+          </p:cNvSpPr>
+          <p:nvPr>
+            <p:ph idx="1"/>
+          </p:nvPr>
+        </p:nvSpPr>
+        <p:spPr/>
+        <p:txBody>
+          <a:bodyPr/>
+          <a:lstStyle/>
+          <a:p>
+            <a:pPr marL="0" indent="0">
+              <a:buNone/>
+            </a:pPr>
+            <a:r>
+              <a:rPr lang="fr-FR" b="0" dirty="0">
+                <a:solidFill>
+                  <a:srgbClr val="0000FF"/>
+                </a:solidFill>
+                <a:effectLst/>
+                <a:latin typeface="Consolas" panose="020B0609020204030204" pitchFamily="49" charset="0"/>
+              </a:rPr>
+              <a:t>import</a:t>
+            </a:r>
+            <a:r>
+              <a:rPr lang="fr-FR" b="0" dirty="0">
+                <a:solidFill>
+                  <a:srgbClr val="000000"/>
+                </a:solidFill>
+                <a:effectLst/>
+                <a:latin typeface="Consolas" panose="020B0609020204030204" pitchFamily="49" charset="0"/>
+              </a:rPr>
+              <a:t> </a:t>
+            </a:r>
+            <a:r>
+              <a:rPr lang="fr-FR" b="0" dirty="0" err="1">
+                <a:solidFill>
+                  <a:srgbClr val="000000"/>
+                </a:solidFill>
+                <a:effectLst/>
+                <a:latin typeface="Consolas" panose="020B0609020204030204" pitchFamily="49" charset="0"/>
+              </a:rPr>
+              <a:t>spotifyAPI</a:t>
+            </a:r>
+            <a:endParaRPr lang="fr-FR" b="0" dirty="0">
+              <a:solidFill>
+                <a:srgbClr val="000000"/>
+              </a:solidFill>
+              <a:effectLst/>
+              <a:latin typeface="Consolas" panose="020B0609020204030204" pitchFamily="49" charset="0"/>
+            </a:endParaRPr>
+          </a:p>
+          <a:p>
+            <a:pPr marL="0" indent="0">
+              <a:buNone/>
+            </a:pPr>
+            <a:r>
+              <a:rPr lang="fr-FR" b="0" dirty="0" err="1">
+                <a:solidFill>
+                  <a:srgbClr val="0000FF"/>
+                </a:solidFill>
+                <a:effectLst/>
+                <a:latin typeface="Consolas" panose="020B0609020204030204" pitchFamily="49" charset="0"/>
+              </a:rPr>
+              <a:t>from</a:t>
+            </a:r>
+            <a:r>
+              <a:rPr lang="fr-FR" b="0" dirty="0">
+                <a:solidFill>
+                  <a:srgbClr val="000000"/>
+                </a:solidFill>
+                <a:effectLst/>
+                <a:latin typeface="Consolas" panose="020B0609020204030204" pitchFamily="49" charset="0"/>
+              </a:rPr>
+              <a:t> secret </a:t>
+            </a:r>
+            <a:r>
+              <a:rPr lang="fr-FR" b="0" dirty="0">
+                <a:solidFill>
+                  <a:srgbClr val="0000FF"/>
+                </a:solidFill>
+                <a:effectLst/>
+                <a:latin typeface="Consolas" panose="020B0609020204030204" pitchFamily="49" charset="0"/>
+              </a:rPr>
+              <a:t>import</a:t>
+            </a:r>
+            <a:r>
+              <a:rPr lang="fr-FR" b="0" dirty="0">
+                <a:solidFill>
+                  <a:srgbClr val="000000"/>
+                </a:solidFill>
+                <a:effectLst/>
+                <a:latin typeface="Consolas" panose="020B0609020204030204" pitchFamily="49" charset="0"/>
+              </a:rPr>
+              <a:t> </a:t>
+            </a:r>
+            <a:r>
+              <a:rPr lang="fr-FR" b="0" dirty="0" err="1">
+                <a:solidFill>
+                  <a:srgbClr val="000000"/>
+                </a:solidFill>
+                <a:effectLst/>
+                <a:latin typeface="Consolas" panose="020B0609020204030204" pitchFamily="49" charset="0"/>
+              </a:rPr>
+              <a:t>clientId,clientSecret</a:t>
+            </a:r>
+            <a:br>
+              <a:rPr lang="fr-FR" b="0" dirty="0">
+                <a:solidFill>
+                  <a:srgbClr val="000000"/>
+                </a:solidFill>
+                <a:effectLst/>
+                <a:latin typeface="Consolas" panose="020B0609020204030204" pitchFamily="49" charset="0"/>
+              </a:rPr>
+            </a:br>
+            <a:r>
+              <a:rPr lang="fr-FR" b="0" dirty="0" err="1">
+                <a:solidFill>
+                  <a:srgbClr val="000000"/>
+                </a:solidFill>
+                <a:effectLst/>
+                <a:latin typeface="Consolas" panose="020B0609020204030204" pitchFamily="49" charset="0"/>
+              </a:rPr>
+              <a:t>token</a:t>
+            </a:r>
+            <a:r>
+              <a:rPr lang="fr-FR" b="0" dirty="0">
+                <a:solidFill>
+                  <a:srgbClr val="000000"/>
+                </a:solidFill>
+                <a:effectLst/>
+                <a:latin typeface="Consolas" panose="020B0609020204030204" pitchFamily="49" charset="0"/>
+              </a:rPr>
+              <a:t>  = </a:t>
+            </a:r>
+            <a:r>
+              <a:rPr lang="fr-FR" b="0" dirty="0" err="1">
+                <a:solidFill>
+                  <a:srgbClr val="000000"/>
+                </a:solidFill>
+                <a:effectLst/>
+                <a:latin typeface="Consolas" panose="020B0609020204030204" pitchFamily="49" charset="0"/>
+              </a:rPr>
+              <a:t>spotifyAPI.get_token</a:t>
+            </a:r>
+            <a:r>
+              <a:rPr lang="fr-FR" b="0" dirty="0">
+                <a:solidFill>
+                  <a:srgbClr val="000000"/>
+                </a:solidFill>
+                <a:effectLst/>
+                <a:latin typeface="Consolas" panose="020B0609020204030204" pitchFamily="49" charset="0"/>
+              </a:rPr>
+              <a:t>(</a:t>
+            </a:r>
+            <a:r>
+              <a:rPr lang="fr-FR" b="0" dirty="0" err="1">
+                <a:solidFill>
+                  <a:srgbClr val="000000"/>
+                </a:solidFill>
+                <a:effectLst/>
+                <a:latin typeface="Consolas" panose="020B0609020204030204" pitchFamily="49" charset="0"/>
+              </a:rPr>
+              <a:t>clientId,clientSecret</a:t>
+            </a:r>
+            <a:r>
+              <a:rPr lang="fr-FR" b="0" dirty="0">
+                <a:solidFill>
+                  <a:srgbClr val="000000"/>
+                </a:solidFill>
+                <a:effectLst/>
+                <a:latin typeface="Consolas" panose="020B0609020204030204" pitchFamily="49" charset="0"/>
+              </a:rPr>
+              <a:t>)</a:t>
+            </a:r>
+          </a:p>
+          <a:p>
+            <a:pPr marL="0" indent="0">
+              <a:buNone/>
+            </a:pPr>
+            <a:r>
+              <a:rPr lang="en-US" b="0" dirty="0" err="1">
+                <a:solidFill>
+                  <a:srgbClr val="000000"/>
+                </a:solidFill>
+                <a:effectLst/>
+                <a:latin typeface="Consolas" panose="020B0609020204030204" pitchFamily="49" charset="0"/>
+              </a:rPr>
+              <a:t>lucy_id</a:t>
+            </a:r>
+            <a:r>
+              <a:rPr lang="en-US" b="0" dirty="0">
+                <a:solidFill>
+                  <a:srgbClr val="000000"/>
+                </a:solidFill>
+                <a:effectLst/>
+                <a:latin typeface="Consolas" panose="020B0609020204030204" pitchFamily="49" charset="0"/>
+              </a:rPr>
+              <a:t> = spotifyAPI.get_track_id2(</a:t>
+            </a:r>
+            <a:r>
+              <a:rPr lang="en-US" b="0" dirty="0">
+                <a:solidFill>
+                  <a:srgbClr val="A31515"/>
+                </a:solidFill>
+                <a:effectLst/>
+                <a:latin typeface="Consolas" panose="020B0609020204030204" pitchFamily="49" charset="0"/>
+              </a:rPr>
+              <a:t>'Lucy in the Sky'</a:t>
+            </a:r>
+            <a:r>
+              <a:rPr lang="en-US" b="0" dirty="0">
+                <a:solidFill>
+                  <a:srgbClr val="000000"/>
+                </a:solidFill>
+                <a:effectLst/>
+                <a:latin typeface="Consolas" panose="020B0609020204030204" pitchFamily="49" charset="0"/>
+              </a:rPr>
+              <a:t>, token, artist = </a:t>
+            </a:r>
+            <a:r>
+              <a:rPr lang="en-US" b="0" dirty="0">
+                <a:solidFill>
+                  <a:srgbClr val="A31515"/>
+                </a:solidFill>
+                <a:effectLst/>
+                <a:latin typeface="Consolas" panose="020B0609020204030204" pitchFamily="49" charset="0"/>
+              </a:rPr>
+              <a:t>'The Beatles’</a:t>
+            </a:r>
+            <a:r>
+              <a:rPr lang="en-US" b="0" dirty="0">
+                <a:solidFill>
+                  <a:srgbClr val="000000"/>
+                </a:solidFill>
+                <a:effectLst/>
+                <a:latin typeface="Consolas" panose="020B0609020204030204" pitchFamily="49" charset="0"/>
+              </a:rPr>
+              <a:t>)</a:t>
+            </a:r>
+          </a:p>
+          <a:p>
+            <a:pPr marL="0" indent="0">
+              <a:buNone/>
+            </a:pPr>
+            <a:endParaRPr lang="en-US" dirty="0"/>
+          </a:p>
+          <a:p>
+            <a:pPr marL="0" indent="0">
+              <a:buNone/>
+            </a:pPr>
+            <a:r>
+              <a:rPr lang="fr-FR" b="0" dirty="0">
+                <a:solidFill>
+                  <a:srgbClr val="000000"/>
+                </a:solidFill>
+                <a:effectLst/>
+                <a:latin typeface="Consolas" panose="020B0609020204030204" pitchFamily="49" charset="0"/>
+              </a:rPr>
+              <a:t>url = </a:t>
+            </a:r>
+            <a:r>
+              <a:rPr lang="fr-FR" b="0" dirty="0">
+                <a:solidFill>
+                  <a:srgbClr val="A31515"/>
+                </a:solidFill>
+                <a:effectLst/>
+                <a:latin typeface="Consolas" panose="020B0609020204030204" pitchFamily="49" charset="0"/>
+              </a:rPr>
+              <a:t>"https://open.spotify.com/</a:t>
+            </a:r>
+            <a:r>
+              <a:rPr lang="fr-FR" b="0" dirty="0" err="1">
+                <a:solidFill>
+                  <a:srgbClr val="A31515"/>
+                </a:solidFill>
+                <a:effectLst/>
+                <a:latin typeface="Consolas" panose="020B0609020204030204" pitchFamily="49" charset="0"/>
+              </a:rPr>
+              <a:t>track</a:t>
+            </a:r>
+            <a:r>
+              <a:rPr lang="fr-FR" b="0" dirty="0">
+                <a:solidFill>
+                  <a:srgbClr val="A31515"/>
+                </a:solidFill>
+                <a:effectLst/>
+                <a:latin typeface="Consolas" panose="020B0609020204030204" pitchFamily="49" charset="0"/>
+              </a:rPr>
+              <a:t>/"</a:t>
+            </a:r>
+            <a:r>
+              <a:rPr lang="fr-FR" b="0" dirty="0">
+                <a:solidFill>
+                  <a:srgbClr val="000000"/>
+                </a:solidFill>
+                <a:effectLst/>
+                <a:latin typeface="Consolas" panose="020B0609020204030204" pitchFamily="49" charset="0"/>
+              </a:rPr>
+              <a:t>+</a:t>
+            </a:r>
+            <a:r>
+              <a:rPr lang="fr-FR" b="0" dirty="0" err="1">
+                <a:solidFill>
+                  <a:srgbClr val="000000"/>
+                </a:solidFill>
+                <a:effectLst/>
+                <a:latin typeface="Consolas" panose="020B0609020204030204" pitchFamily="49" charset="0"/>
+              </a:rPr>
+              <a:t>lucy_id</a:t>
+            </a:r>
+            <a:endParaRPr lang="fr-FR" b="0" dirty="0">
+              <a:solidFill>
+                <a:srgbClr val="000000"/>
+              </a:solidFill>
+              <a:effectLst/>
+              <a:latin typeface="Consolas" panose="020B0609020204030204" pitchFamily="49" charset="0"/>
+            </a:endParaRPr>
+          </a:p>
+          <a:p>
+            <a:pPr marL="0" indent="0">
+              <a:buNone/>
+            </a:pPr>
+            <a:r>
+              <a:rPr lang="fr-FR" b="0" dirty="0">
+                <a:solidFill>
+                  <a:srgbClr val="0000FF"/>
+                </a:solidFill>
+                <a:effectLst/>
+                <a:latin typeface="Consolas" panose="020B0609020204030204" pitchFamily="49" charset="0"/>
+              </a:rPr>
+              <a:t>import</a:t>
+            </a:r>
+            <a:r>
+              <a:rPr lang="fr-FR" b="0" dirty="0">
+                <a:solidFill>
+                  <a:srgbClr val="000000"/>
+                </a:solidFill>
+                <a:effectLst/>
+                <a:latin typeface="Consolas" panose="020B0609020204030204" pitchFamily="49" charset="0"/>
+              </a:rPr>
+              <a:t> </a:t>
+            </a:r>
+            <a:r>
+              <a:rPr lang="fr-FR" b="0" dirty="0" err="1">
+                <a:solidFill>
+                  <a:srgbClr val="000000"/>
+                </a:solidFill>
+                <a:effectLst/>
+                <a:latin typeface="Consolas" panose="020B0609020204030204" pitchFamily="49" charset="0"/>
+              </a:rPr>
+              <a:t>webbrowser</a:t>
+            </a:r>
+            <a:endParaRPr lang="fr-FR" b="0" dirty="0">
+              <a:solidFill>
+                <a:srgbClr val="000000"/>
+              </a:solidFill>
+              <a:effectLst/>
+              <a:latin typeface="Consolas" panose="020B0609020204030204" pitchFamily="49" charset="0"/>
+            </a:endParaRPr>
+          </a:p>
+          <a:p>
+            <a:pPr marL="0" indent="0">
+              <a:buNone/>
+            </a:pPr>
+            <a:r>
+              <a:rPr lang="fr-FR" b="0" dirty="0" err="1">
+                <a:solidFill>
+                  <a:srgbClr val="000000"/>
+                </a:solidFill>
+                <a:effectLst/>
+                <a:latin typeface="Consolas" panose="020B0609020204030204" pitchFamily="49" charset="0"/>
+              </a:rPr>
+              <a:t>webbrowser.open</a:t>
+            </a:r>
+            <a:r>
+              <a:rPr lang="fr-FR" b="0" dirty="0">
+                <a:solidFill>
+                  <a:srgbClr val="000000"/>
+                </a:solidFill>
+                <a:effectLst/>
+                <a:latin typeface="Consolas" panose="020B0609020204030204" pitchFamily="49" charset="0"/>
+              </a:rPr>
+              <a:t>(url)</a:t>
+            </a:r>
+          </a:p>
+          <a:p>
+            <a:pPr marL="0" indent="0">
+              <a:buNone/>
+            </a:pPr>
+            <a:endParaRPr lang="en-US" dirty="0"/>
+          </a:p>
+        </p:txBody>
+      </p:sp>
+    </p:spTree>
+    <p:extLst>
+      <p:ext uri="{BB962C8B-B14F-4D97-AF65-F5344CB8AC3E}">
+        <p14:creationId xmlns:p14="http://schemas.microsoft.com/office/powerpoint/2010/main" val="96630242"/>
+      </p:ext>
+    </p:extLst>
+  </p:cSld>
+  <p:clrMapOvr>
+    <a:masterClrMapping/>
+  </p:clrMapOvr>
+</p:sld>
+</file>
+
+<file path=ppt/slides/slide29.xml><?xml version="1.0" encoding="utf-8"?>
+<p:sld xmlns:a="http://schemas.openxmlformats.org/drawingml/2006/main" xmlns:r="http://schemas.openxmlformats.org/officeDocument/2006/relationships" xmlns:p="http://schemas.openxmlformats.org/presentationml/2006/main">
+  <p:cSld>
+    <p:spTree>
+      <p:nvGrpSpPr>
+        <p:cNvPr id="1" name=""/>
+        <p:cNvGrpSpPr/>
+        <p:nvPr/>
+      </p:nvGrpSpPr>
+      <p:grpSpPr>
+        <a:xfrm>
+          <a:off x="0" y="0"/>
+          <a:ext cx="0" cy="0"/>
+          <a:chOff x="0" y="0"/>
+          <a:chExt cx="0" cy="0"/>
+        </a:xfrm>
+      </p:grpSpPr>
+      <p:sp>
+        <p:nvSpPr>
+          <p:cNvPr id="2" name="Titre 1">
+            <a:extLst>
+              <a:ext uri="{FF2B5EF4-FFF2-40B4-BE49-F238E27FC236}">
+                <a16:creationId xmlns:a16="http://schemas.microsoft.com/office/drawing/2014/main" id="{E12B2271-5007-4F80-96AA-3C5BBD49E4A4}"/>
+              </a:ext>
+            </a:extLst>
+          </p:cNvPr>
+          <p:cNvSpPr>
+            <a:spLocks noGrp="1"/>
+          </p:cNvSpPr>
+          <p:nvPr>
+            <p:ph type="title"/>
+          </p:nvPr>
+        </p:nvSpPr>
+        <p:spPr/>
+        <p:txBody>
+          <a:bodyPr/>
+          <a:lstStyle/>
+          <a:p>
+            <a:endParaRPr lang="en-US"/>
+          </a:p>
+        </p:txBody>
+      </p:sp>
+      <p:sp>
+        <p:nvSpPr>
+          <p:cNvPr id="3" name="Espace réservé du contenu 2">
+            <a:extLst>
+              <a:ext uri="{FF2B5EF4-FFF2-40B4-BE49-F238E27FC236}">
+                <a16:creationId xmlns:a16="http://schemas.microsoft.com/office/drawing/2014/main" id="{B2E6B7F4-0E10-4EA5-A57D-A67AD015B698}"/>
+              </a:ext>
+            </a:extLst>
+          </p:cNvPr>
+          <p:cNvSpPr>
+            <a:spLocks noGrp="1"/>
+          </p:cNvSpPr>
+          <p:nvPr>
+            <p:ph idx="1"/>
+          </p:nvPr>
+        </p:nvSpPr>
+        <p:spPr/>
+        <p:txBody>
+          <a:bodyPr>
+            <a:normAutofit lnSpcReduction="10000"/>
+          </a:bodyPr>
+          <a:lstStyle/>
+          <a:p>
+            <a:pPr marL="0" indent="0">
+              <a:buNone/>
+            </a:pPr>
+            <a:r>
+              <a:rPr lang="fr-FR" b="0" dirty="0">
+                <a:solidFill>
+                  <a:srgbClr val="0000FF"/>
+                </a:solidFill>
+                <a:effectLst/>
+                <a:latin typeface="Consolas" panose="020B0609020204030204" pitchFamily="49" charset="0"/>
+              </a:rPr>
+              <a:t>import</a:t>
+            </a:r>
+            <a:r>
+              <a:rPr lang="fr-FR" b="0" dirty="0">
+                <a:solidFill>
+                  <a:srgbClr val="000000"/>
+                </a:solidFill>
+                <a:effectLst/>
+                <a:latin typeface="Consolas" panose="020B0609020204030204" pitchFamily="49" charset="0"/>
+              </a:rPr>
+              <a:t> pandas </a:t>
+            </a:r>
+            <a:r>
+              <a:rPr lang="fr-FR" b="0" dirty="0">
+                <a:solidFill>
+                  <a:srgbClr val="0000FF"/>
+                </a:solidFill>
+                <a:effectLst/>
+                <a:latin typeface="Consolas" panose="020B0609020204030204" pitchFamily="49" charset="0"/>
+              </a:rPr>
+              <a:t>as</a:t>
+            </a:r>
+            <a:r>
+              <a:rPr lang="fr-FR" b="0" dirty="0">
+                <a:solidFill>
+                  <a:srgbClr val="000000"/>
+                </a:solidFill>
+                <a:effectLst/>
+                <a:latin typeface="Consolas" panose="020B0609020204030204" pitchFamily="49" charset="0"/>
+              </a:rPr>
+              <a:t> </a:t>
+            </a:r>
+            <a:r>
+              <a:rPr lang="fr-FR" b="0" dirty="0" err="1">
+                <a:solidFill>
+                  <a:srgbClr val="000000"/>
+                </a:solidFill>
+                <a:effectLst/>
+                <a:latin typeface="Consolas" panose="020B0609020204030204" pitchFamily="49" charset="0"/>
+              </a:rPr>
+              <a:t>pd</a:t>
+            </a:r>
+            <a:endParaRPr lang="fr-FR" b="0" dirty="0">
+              <a:solidFill>
+                <a:srgbClr val="000000"/>
+              </a:solidFill>
+              <a:effectLst/>
+              <a:latin typeface="Consolas" panose="020B0609020204030204" pitchFamily="49" charset="0"/>
+            </a:endParaRPr>
+          </a:p>
+          <a:p>
+            <a:pPr marL="0" indent="0">
+              <a:buNone/>
+            </a:pPr>
+            <a:endParaRPr lang="en-US" b="0" dirty="0">
+              <a:solidFill>
+                <a:srgbClr val="000000"/>
+              </a:solidFill>
+              <a:effectLst/>
+              <a:latin typeface="Consolas" panose="020B0609020204030204" pitchFamily="49" charset="0"/>
+            </a:endParaRPr>
+          </a:p>
+          <a:p>
+            <a:pPr marL="0" indent="0">
+              <a:buNone/>
+            </a:pPr>
+            <a:r>
+              <a:rPr lang="en-US" b="0" dirty="0" err="1">
+                <a:solidFill>
+                  <a:srgbClr val="000000"/>
+                </a:solidFill>
+                <a:effectLst/>
+                <a:latin typeface="Consolas" panose="020B0609020204030204" pitchFamily="49" charset="0"/>
+              </a:rPr>
+              <a:t>lucy_features</a:t>
+            </a:r>
+            <a:r>
+              <a:rPr lang="en-US" b="0" dirty="0">
+                <a:solidFill>
+                  <a:srgbClr val="000000"/>
+                </a:solidFill>
+                <a:effectLst/>
+                <a:latin typeface="Consolas" panose="020B0609020204030204" pitchFamily="49" charset="0"/>
+              </a:rPr>
+              <a:t> = </a:t>
+            </a:r>
+            <a:r>
+              <a:rPr lang="en-US" b="0" dirty="0" err="1">
+                <a:solidFill>
+                  <a:srgbClr val="000000"/>
+                </a:solidFill>
+                <a:effectLst/>
+                <a:latin typeface="Consolas" panose="020B0609020204030204" pitchFamily="49" charset="0"/>
+              </a:rPr>
+              <a:t>spotifyAPI.get_features</a:t>
+            </a:r>
+            <a:r>
+              <a:rPr lang="en-US" b="0" dirty="0">
+                <a:solidFill>
+                  <a:srgbClr val="000000"/>
+                </a:solidFill>
+                <a:effectLst/>
+                <a:latin typeface="Consolas" panose="020B0609020204030204" pitchFamily="49" charset="0"/>
+              </a:rPr>
+              <a:t>(</a:t>
+            </a:r>
+            <a:r>
+              <a:rPr lang="en-US" b="0" dirty="0" err="1">
+                <a:solidFill>
+                  <a:srgbClr val="000000"/>
+                </a:solidFill>
+                <a:effectLst/>
+                <a:latin typeface="Consolas" panose="020B0609020204030204" pitchFamily="49" charset="0"/>
+              </a:rPr>
+              <a:t>lucy_id,token</a:t>
+            </a:r>
+            <a:r>
+              <a:rPr lang="en-US" b="0" dirty="0">
+                <a:solidFill>
+                  <a:srgbClr val="000000"/>
+                </a:solidFill>
+                <a:effectLst/>
+                <a:latin typeface="Consolas" panose="020B0609020204030204" pitchFamily="49" charset="0"/>
+              </a:rPr>
+              <a:t>)</a:t>
+            </a:r>
+          </a:p>
+          <a:p>
+            <a:pPr marL="0" indent="0">
+              <a:buNone/>
+            </a:pPr>
+            <a:r>
+              <a:rPr lang="fr-FR" b="0" dirty="0" err="1">
+                <a:solidFill>
+                  <a:srgbClr val="000000"/>
+                </a:solidFill>
+                <a:effectLst/>
+                <a:latin typeface="Consolas" panose="020B0609020204030204" pitchFamily="49" charset="0"/>
+              </a:rPr>
+              <a:t>df</a:t>
+            </a:r>
+            <a:r>
+              <a:rPr lang="fr-FR" b="0" dirty="0">
+                <a:solidFill>
+                  <a:srgbClr val="000000"/>
+                </a:solidFill>
+                <a:effectLst/>
+                <a:latin typeface="Consolas" panose="020B0609020204030204" pitchFamily="49" charset="0"/>
+              </a:rPr>
+              <a:t> = </a:t>
+            </a:r>
+            <a:r>
+              <a:rPr lang="fr-FR" b="0" dirty="0" err="1">
+                <a:solidFill>
+                  <a:srgbClr val="000000"/>
+                </a:solidFill>
+                <a:effectLst/>
+                <a:latin typeface="Consolas" panose="020B0609020204030204" pitchFamily="49" charset="0"/>
+              </a:rPr>
+              <a:t>pd.DataFrame</a:t>
+            </a:r>
+            <a:r>
+              <a:rPr lang="fr-FR" b="0" dirty="0">
+                <a:solidFill>
+                  <a:srgbClr val="000000"/>
+                </a:solidFill>
+                <a:effectLst/>
+                <a:latin typeface="Consolas" panose="020B0609020204030204" pitchFamily="49" charset="0"/>
+              </a:rPr>
+              <a:t>(</a:t>
+            </a:r>
+            <a:r>
+              <a:rPr lang="fr-FR" b="0" dirty="0" err="1">
+                <a:solidFill>
+                  <a:srgbClr val="000000"/>
+                </a:solidFill>
+                <a:effectLst/>
+                <a:latin typeface="Consolas" panose="020B0609020204030204" pitchFamily="49" charset="0"/>
+              </a:rPr>
+              <a:t>lucy_features</a:t>
+            </a:r>
+            <a:r>
+              <a:rPr lang="fr-FR" b="0" dirty="0">
+                <a:solidFill>
+                  <a:srgbClr val="000000"/>
+                </a:solidFill>
+                <a:effectLst/>
+                <a:latin typeface="Consolas" panose="020B0609020204030204" pitchFamily="49" charset="0"/>
+              </a:rPr>
+              <a:t>, index=[</a:t>
+            </a:r>
+            <a:r>
+              <a:rPr lang="fr-FR" b="0" dirty="0">
+                <a:solidFill>
+                  <a:srgbClr val="098658"/>
+                </a:solidFill>
+                <a:effectLst/>
+                <a:latin typeface="Consolas" panose="020B0609020204030204" pitchFamily="49" charset="0"/>
+              </a:rPr>
+              <a:t>0</a:t>
+            </a:r>
+            <a:r>
+              <a:rPr lang="fr-FR" b="0" dirty="0">
+                <a:solidFill>
+                  <a:srgbClr val="000000"/>
+                </a:solidFill>
+                <a:effectLst/>
+                <a:latin typeface="Consolas" panose="020B0609020204030204" pitchFamily="49" charset="0"/>
+              </a:rPr>
+              <a:t>])</a:t>
+            </a:r>
+          </a:p>
+          <a:p>
+            <a:pPr marL="0" indent="0">
+              <a:buNone/>
+            </a:pPr>
+            <a:r>
+              <a:rPr lang="fr-FR" b="0" dirty="0" err="1">
+                <a:solidFill>
+                  <a:srgbClr val="000000"/>
+                </a:solidFill>
+                <a:effectLst/>
+                <a:latin typeface="Consolas" panose="020B0609020204030204" pitchFamily="49" charset="0"/>
+              </a:rPr>
+              <a:t>df_features</a:t>
+            </a:r>
+            <a:r>
+              <a:rPr lang="fr-FR" b="0" dirty="0">
+                <a:solidFill>
+                  <a:srgbClr val="000000"/>
+                </a:solidFill>
+                <a:effectLst/>
+                <a:latin typeface="Consolas" panose="020B0609020204030204" pitchFamily="49" charset="0"/>
+              </a:rPr>
+              <a:t> = </a:t>
+            </a:r>
+            <a:r>
+              <a:rPr lang="fr-FR" b="0" dirty="0" err="1">
+                <a:solidFill>
+                  <a:srgbClr val="000000"/>
+                </a:solidFill>
+                <a:effectLst/>
+                <a:latin typeface="Consolas" panose="020B0609020204030204" pitchFamily="49" charset="0"/>
+              </a:rPr>
+              <a:t>df.loc</a:t>
+            </a:r>
+            <a:r>
+              <a:rPr lang="fr-FR" b="0" dirty="0">
+                <a:solidFill>
+                  <a:srgbClr val="000000"/>
+                </a:solidFill>
+                <a:effectLst/>
+                <a:latin typeface="Consolas" panose="020B0609020204030204" pitchFamily="49" charset="0"/>
+              </a:rPr>
+              <a:t>[: ,[</a:t>
+            </a:r>
+            <a:r>
+              <a:rPr lang="fr-FR" b="0" dirty="0">
+                <a:solidFill>
+                  <a:srgbClr val="A31515"/>
+                </a:solidFill>
+                <a:effectLst/>
+                <a:latin typeface="Consolas" panose="020B0609020204030204" pitchFamily="49" charset="0"/>
+              </a:rPr>
+              <a:t>'</a:t>
+            </a:r>
+            <a:r>
+              <a:rPr lang="fr-FR" b="0" dirty="0" err="1">
+                <a:solidFill>
+                  <a:srgbClr val="A31515"/>
+                </a:solidFill>
+                <a:effectLst/>
+                <a:latin typeface="Consolas" panose="020B0609020204030204" pitchFamily="49" charset="0"/>
+              </a:rPr>
+              <a:t>acousticness</a:t>
+            </a:r>
+            <a:r>
+              <a:rPr lang="fr-FR" b="0" dirty="0">
+                <a:solidFill>
+                  <a:srgbClr val="A31515"/>
+                </a:solidFill>
+                <a:effectLst/>
+                <a:latin typeface="Consolas" panose="020B0609020204030204" pitchFamily="49" charset="0"/>
+              </a:rPr>
+              <a:t>'</a:t>
+            </a:r>
+            <a:r>
+              <a:rPr lang="fr-FR" b="0" dirty="0">
+                <a:solidFill>
+                  <a:srgbClr val="000000"/>
+                </a:solidFill>
+                <a:effectLst/>
+                <a:latin typeface="Consolas" panose="020B0609020204030204" pitchFamily="49" charset="0"/>
+              </a:rPr>
+              <a:t>, </a:t>
+            </a:r>
+            <a:r>
+              <a:rPr lang="fr-FR" b="0" dirty="0">
+                <a:solidFill>
+                  <a:srgbClr val="A31515"/>
+                </a:solidFill>
+                <a:effectLst/>
+                <a:latin typeface="Consolas" panose="020B0609020204030204" pitchFamily="49" charset="0"/>
+              </a:rPr>
+              <a:t>'</a:t>
+            </a:r>
+            <a:r>
+              <a:rPr lang="fr-FR" b="0" dirty="0" err="1">
+                <a:solidFill>
+                  <a:srgbClr val="A31515"/>
+                </a:solidFill>
+                <a:effectLst/>
+                <a:latin typeface="Consolas" panose="020B0609020204030204" pitchFamily="49" charset="0"/>
+              </a:rPr>
+              <a:t>danceability</a:t>
+            </a:r>
+            <a:r>
+              <a:rPr lang="fr-FR" b="0" dirty="0">
+                <a:solidFill>
+                  <a:srgbClr val="A31515"/>
+                </a:solidFill>
+                <a:effectLst/>
+                <a:latin typeface="Consolas" panose="020B0609020204030204" pitchFamily="49" charset="0"/>
+              </a:rPr>
+              <a:t>'</a:t>
+            </a:r>
+            <a:r>
+              <a:rPr lang="fr-FR" b="0" dirty="0">
+                <a:solidFill>
+                  <a:srgbClr val="000000"/>
+                </a:solidFill>
+                <a:effectLst/>
+                <a:latin typeface="Consolas" panose="020B0609020204030204" pitchFamily="49" charset="0"/>
+              </a:rPr>
+              <a:t>, </a:t>
+            </a:r>
+            <a:r>
+              <a:rPr lang="fr-FR" b="0" dirty="0">
+                <a:solidFill>
+                  <a:srgbClr val="A31515"/>
+                </a:solidFill>
+                <a:effectLst/>
+                <a:latin typeface="Consolas" panose="020B0609020204030204" pitchFamily="49" charset="0"/>
+              </a:rPr>
+              <a:t>'</a:t>
+            </a:r>
+            <a:r>
+              <a:rPr lang="fr-FR" b="0" dirty="0" err="1">
+                <a:solidFill>
+                  <a:srgbClr val="A31515"/>
+                </a:solidFill>
+                <a:effectLst/>
+                <a:latin typeface="Consolas" panose="020B0609020204030204" pitchFamily="49" charset="0"/>
+              </a:rPr>
+              <a:t>energy</a:t>
+            </a:r>
+            <a:r>
+              <a:rPr lang="fr-FR" b="0" dirty="0">
+                <a:solidFill>
+                  <a:srgbClr val="A31515"/>
+                </a:solidFill>
+                <a:effectLst/>
+                <a:latin typeface="Consolas" panose="020B0609020204030204" pitchFamily="49" charset="0"/>
+              </a:rPr>
+              <a:t>'</a:t>
+            </a:r>
+            <a:r>
+              <a:rPr lang="fr-FR" b="0" dirty="0">
+                <a:solidFill>
+                  <a:srgbClr val="000000"/>
+                </a:solidFill>
+                <a:effectLst/>
+                <a:latin typeface="Consolas" panose="020B0609020204030204" pitchFamily="49" charset="0"/>
+              </a:rPr>
+              <a:t>, </a:t>
+            </a:r>
+            <a:r>
+              <a:rPr lang="fr-FR" b="0" dirty="0">
+                <a:solidFill>
+                  <a:srgbClr val="A31515"/>
+                </a:solidFill>
+                <a:effectLst/>
+                <a:latin typeface="Consolas" panose="020B0609020204030204" pitchFamily="49" charset="0"/>
+              </a:rPr>
+              <a:t>'</a:t>
+            </a:r>
+            <a:r>
+              <a:rPr lang="fr-FR" b="0" dirty="0" err="1">
+                <a:solidFill>
+                  <a:srgbClr val="A31515"/>
+                </a:solidFill>
+                <a:effectLst/>
+                <a:latin typeface="Consolas" panose="020B0609020204030204" pitchFamily="49" charset="0"/>
+              </a:rPr>
+              <a:t>instrumentalness</a:t>
+            </a:r>
+            <a:r>
+              <a:rPr lang="fr-FR" b="0" dirty="0">
+                <a:solidFill>
+                  <a:srgbClr val="A31515"/>
+                </a:solidFill>
+                <a:effectLst/>
+                <a:latin typeface="Consolas" panose="020B0609020204030204" pitchFamily="49" charset="0"/>
+              </a:rPr>
+              <a:t>'</a:t>
+            </a:r>
+            <a:r>
+              <a:rPr lang="fr-FR" b="0" dirty="0">
+                <a:solidFill>
+                  <a:srgbClr val="000000"/>
+                </a:solidFill>
+                <a:effectLst/>
+                <a:latin typeface="Consolas" panose="020B0609020204030204" pitchFamily="49" charset="0"/>
+              </a:rPr>
+              <a:t>, </a:t>
+            </a:r>
+            <a:r>
+              <a:rPr lang="fr-FR" b="0" dirty="0">
+                <a:solidFill>
+                  <a:srgbClr val="A31515"/>
+                </a:solidFill>
+                <a:effectLst/>
+                <a:latin typeface="Consolas" panose="020B0609020204030204" pitchFamily="49" charset="0"/>
+              </a:rPr>
+              <a:t>'</a:t>
+            </a:r>
+            <a:r>
+              <a:rPr lang="fr-FR" b="0" dirty="0" err="1">
+                <a:solidFill>
+                  <a:srgbClr val="A31515"/>
+                </a:solidFill>
+                <a:effectLst/>
+                <a:latin typeface="Consolas" panose="020B0609020204030204" pitchFamily="49" charset="0"/>
+              </a:rPr>
+              <a:t>liveness</a:t>
+            </a:r>
+            <a:r>
+              <a:rPr lang="fr-FR" b="0" dirty="0">
+                <a:solidFill>
+                  <a:srgbClr val="A31515"/>
+                </a:solidFill>
+                <a:effectLst/>
+                <a:latin typeface="Consolas" panose="020B0609020204030204" pitchFamily="49" charset="0"/>
+              </a:rPr>
+              <a:t>'</a:t>
+            </a:r>
+            <a:r>
+              <a:rPr lang="fr-FR" b="0" dirty="0">
+                <a:solidFill>
+                  <a:srgbClr val="000000"/>
+                </a:solidFill>
+                <a:effectLst/>
+                <a:latin typeface="Consolas" panose="020B0609020204030204" pitchFamily="49" charset="0"/>
+              </a:rPr>
+              <a:t>, </a:t>
+            </a:r>
+            <a:r>
+              <a:rPr lang="fr-FR" b="0" dirty="0">
+                <a:solidFill>
+                  <a:srgbClr val="A31515"/>
+                </a:solidFill>
+                <a:effectLst/>
+                <a:latin typeface="Consolas" panose="020B0609020204030204" pitchFamily="49" charset="0"/>
+              </a:rPr>
+              <a:t>'</a:t>
+            </a:r>
+            <a:r>
+              <a:rPr lang="fr-FR" b="0" dirty="0" err="1">
+                <a:solidFill>
+                  <a:srgbClr val="A31515"/>
+                </a:solidFill>
+                <a:effectLst/>
+                <a:latin typeface="Consolas" panose="020B0609020204030204" pitchFamily="49" charset="0"/>
+              </a:rPr>
+              <a:t>speechiness</a:t>
+            </a:r>
+            <a:r>
+              <a:rPr lang="fr-FR" b="0" dirty="0">
+                <a:solidFill>
+                  <a:srgbClr val="A31515"/>
+                </a:solidFill>
+                <a:effectLst/>
+                <a:latin typeface="Consolas" panose="020B0609020204030204" pitchFamily="49" charset="0"/>
+              </a:rPr>
+              <a:t>'</a:t>
+            </a:r>
+            <a:r>
+              <a:rPr lang="fr-FR" b="0" dirty="0">
+                <a:solidFill>
+                  <a:srgbClr val="000000"/>
+                </a:solidFill>
+                <a:effectLst/>
+                <a:latin typeface="Consolas" panose="020B0609020204030204" pitchFamily="49" charset="0"/>
+              </a:rPr>
+              <a:t>, </a:t>
+            </a:r>
+            <a:r>
+              <a:rPr lang="fr-FR" b="0" dirty="0">
+                <a:solidFill>
+                  <a:srgbClr val="A31515"/>
+                </a:solidFill>
+                <a:effectLst/>
+                <a:latin typeface="Consolas" panose="020B0609020204030204" pitchFamily="49" charset="0"/>
+              </a:rPr>
+              <a:t>'valence’</a:t>
+            </a:r>
+            <a:r>
+              <a:rPr lang="fr-FR" b="0" dirty="0">
+                <a:solidFill>
+                  <a:srgbClr val="000000"/>
+                </a:solidFill>
+                <a:effectLst/>
+                <a:latin typeface="Consolas" panose="020B0609020204030204" pitchFamily="49" charset="0"/>
+              </a:rPr>
+              <a:t>]]</a:t>
+            </a:r>
+          </a:p>
+          <a:p>
+            <a:pPr marL="0" indent="0">
+              <a:buNone/>
+            </a:pPr>
+            <a:endParaRPr lang="en-US" dirty="0"/>
+          </a:p>
+          <a:p>
+            <a:pPr marL="0" indent="0">
+              <a:buNone/>
+            </a:pPr>
+            <a:r>
+              <a:rPr lang="en-US" b="0" dirty="0" err="1">
+                <a:solidFill>
+                  <a:srgbClr val="000000"/>
+                </a:solidFill>
+                <a:effectLst/>
+                <a:latin typeface="Consolas" panose="020B0609020204030204" pitchFamily="49" charset="0"/>
+              </a:rPr>
+              <a:t>spotifyAPI.feature_plot</a:t>
+            </a:r>
+            <a:r>
+              <a:rPr lang="en-US" b="0" dirty="0">
+                <a:solidFill>
+                  <a:srgbClr val="000000"/>
+                </a:solidFill>
+                <a:effectLst/>
+                <a:latin typeface="Consolas" panose="020B0609020204030204" pitchFamily="49" charset="0"/>
+              </a:rPr>
+              <a:t>(</a:t>
+            </a:r>
+            <a:r>
+              <a:rPr lang="en-US" b="0" dirty="0" err="1">
+                <a:solidFill>
+                  <a:srgbClr val="000000"/>
+                </a:solidFill>
+                <a:effectLst/>
+                <a:latin typeface="Consolas" panose="020B0609020204030204" pitchFamily="49" charset="0"/>
+              </a:rPr>
+              <a:t>df_features</a:t>
+            </a:r>
+            <a:r>
+              <a:rPr lang="en-US" b="0" dirty="0">
+                <a:solidFill>
+                  <a:srgbClr val="000000"/>
+                </a:solidFill>
+                <a:effectLst/>
+                <a:latin typeface="Consolas" panose="020B0609020204030204" pitchFamily="49" charset="0"/>
+              </a:rPr>
+              <a:t>)</a:t>
+            </a:r>
+          </a:p>
+          <a:p>
+            <a:pPr marL="0" indent="0">
+              <a:buNone/>
+            </a:pPr>
+            <a:endParaRPr lang="en-US" dirty="0"/>
+          </a:p>
+        </p:txBody>
+      </p:sp>
+    </p:spTree>
+    <p:extLst>
+      <p:ext uri="{BB962C8B-B14F-4D97-AF65-F5344CB8AC3E}">
+        <p14:creationId xmlns:p14="http://schemas.microsoft.com/office/powerpoint/2010/main" val="1563616285"/>
+      </p:ext>
+    </p:extLst>
+  </p:cSld>
+  <p:clrMapOvr>
+    <a:masterClrMapping/>
+  </p:clrMapOvr>
+</p:sld>
+</file>
+
+<file path=ppt/slides/slide3.xml><?xml version="1.0" encoding="utf-8"?>
+<p:sld xmlns:a="http://schemas.openxmlformats.org/drawingml/2006/main" xmlns:r="http://schemas.openxmlformats.org/officeDocument/2006/relationships" xmlns:p="http://schemas.openxmlformats.org/presentationml/2006/main">
+  <p:cSld>
+    <p:spTree>
+      <p:nvGrpSpPr>
+        <p:cNvPr id="1" name=""/>
+        <p:cNvGrpSpPr/>
+        <p:nvPr/>
+      </p:nvGrpSpPr>
+      <p:grpSpPr>
+        <a:xfrm>
+          <a:off x="0" y="0"/>
+          <a:ext cx="0" cy="0"/>
+          <a:chOff x="0" y="0"/>
+          <a:chExt cx="0" cy="0"/>
+        </a:xfrm>
+      </p:grpSpPr>
+      <p:sp>
+        <p:nvSpPr>
+          <p:cNvPr id="2" name="Titre 1">
+            <a:extLst>
+              <a:ext uri="{FF2B5EF4-FFF2-40B4-BE49-F238E27FC236}">
+                <a16:creationId xmlns:a16="http://schemas.microsoft.com/office/drawing/2014/main" id="{9EFDBF2B-B0DC-4AC5-9913-2ED8068FD2BC}"/>
+              </a:ext>
+            </a:extLst>
+          </p:cNvPr>
+          <p:cNvSpPr>
+            <a:spLocks noGrp="1"/>
+          </p:cNvSpPr>
+          <p:nvPr>
+            <p:ph type="title"/>
+          </p:nvPr>
+        </p:nvSpPr>
+        <p:spPr/>
+        <p:txBody>
+          <a:bodyPr/>
+          <a:lstStyle/>
+          <a:p>
+            <a:r>
+              <a:rPr lang="en-US" dirty="0"/>
+              <a:t>First steps with the prompt</a:t>
+            </a:r>
+          </a:p>
+        </p:txBody>
+      </p:sp>
+      <p:pic>
+        <p:nvPicPr>
+          <p:cNvPr id="11" name="Espace réservé du contenu 10">
+            <a:extLst>
+              <a:ext uri="{FF2B5EF4-FFF2-40B4-BE49-F238E27FC236}">
+                <a16:creationId xmlns:a16="http://schemas.microsoft.com/office/drawing/2014/main" id="{807E2F6C-5CEA-4BCB-A08C-25C7CBCEFD26}"/>
+              </a:ext>
+            </a:extLst>
+          </p:cNvPr>
+          <p:cNvPicPr>
+            <a:picLocks noGrp="1" noChangeAspect="1"/>
+          </p:cNvPicPr>
+          <p:nvPr>
+            <p:ph idx="1"/>
+          </p:nvPr>
+        </p:nvPicPr>
+        <p:blipFill>
+          <a:blip r:embed="rId2"/>
+          <a:stretch>
+            <a:fillRect/>
+          </a:stretch>
+        </p:blipFill>
+        <p:spPr>
+          <a:xfrm>
+            <a:off x="2340502" y="1825625"/>
+            <a:ext cx="7510995" cy="4351338"/>
+          </a:xfrm>
+        </p:spPr>
+      </p:pic>
+    </p:spTree>
+    <p:extLst>
+      <p:ext uri="{BB962C8B-B14F-4D97-AF65-F5344CB8AC3E}">
+        <p14:creationId xmlns:p14="http://schemas.microsoft.com/office/powerpoint/2010/main" val="2119875588"/>
+      </p:ext>
+    </p:extLst>
+  </p:cSld>
+  <p:clrMapOvr>
+    <a:masterClrMapping/>
+  </p:clrMapOvr>
+</p:sld>
+</file>
+
+<file path=ppt/slides/slide30.xml><?xml version="1.0" encoding="utf-8"?>
+<p:sld xmlns:a="http://schemas.openxmlformats.org/drawingml/2006/main" xmlns:r="http://schemas.openxmlformats.org/officeDocument/2006/relationships" xmlns:p="http://schemas.openxmlformats.org/presentationml/2006/main">
+  <p:cSld>
+    <p:spTree>
+      <p:nvGrpSpPr>
+        <p:cNvPr id="1" name=""/>
+        <p:cNvGrpSpPr/>
+        <p:nvPr/>
+      </p:nvGrpSpPr>
+      <p:grpSpPr>
+        <a:xfrm>
+          <a:off x="0" y="0"/>
+          <a:ext cx="0" cy="0"/>
+          <a:chOff x="0" y="0"/>
+          <a:chExt cx="0" cy="0"/>
+        </a:xfrm>
+      </p:grpSpPr>
+      <p:sp>
+        <p:nvSpPr>
+          <p:cNvPr id="2" name="Titre 1">
+            <a:extLst>
+              <a:ext uri="{FF2B5EF4-FFF2-40B4-BE49-F238E27FC236}">
+                <a16:creationId xmlns:a16="http://schemas.microsoft.com/office/drawing/2014/main" id="{3B89FBA2-62ED-4166-8A63-434304514FB1}"/>
+              </a:ext>
+            </a:extLst>
+          </p:cNvPr>
+          <p:cNvSpPr>
+            <a:spLocks noGrp="1"/>
+          </p:cNvSpPr>
+          <p:nvPr>
+            <p:ph type="title"/>
+          </p:nvPr>
+        </p:nvSpPr>
+        <p:spPr/>
+        <p:txBody>
+          <a:bodyPr/>
+          <a:lstStyle/>
+          <a:p>
+            <a:r>
+              <a:rPr lang="en-US" dirty="0"/>
+              <a:t>Music recommendation</a:t>
+            </a:r>
+          </a:p>
+        </p:txBody>
+      </p:sp>
+      <p:sp>
+        <p:nvSpPr>
+          <p:cNvPr id="3" name="Espace réservé du contenu 2">
+            <a:extLst>
+              <a:ext uri="{FF2B5EF4-FFF2-40B4-BE49-F238E27FC236}">
+                <a16:creationId xmlns:a16="http://schemas.microsoft.com/office/drawing/2014/main" id="{28246BF2-8208-4C1D-B2C5-8B52B4F870FB}"/>
+              </a:ext>
+            </a:extLst>
+          </p:cNvPr>
+          <p:cNvSpPr>
+            <a:spLocks noGrp="1"/>
+          </p:cNvSpPr>
+          <p:nvPr>
+            <p:ph idx="1"/>
+          </p:nvPr>
+        </p:nvSpPr>
+        <p:spPr/>
+        <p:txBody>
+          <a:bodyPr/>
+          <a:lstStyle/>
+          <a:p>
+            <a:pPr marL="0" indent="0">
+              <a:buNone/>
+            </a:pPr>
+            <a:r>
+              <a:rPr lang="fr-FR" b="0" dirty="0" err="1">
+                <a:solidFill>
+                  <a:srgbClr val="000000"/>
+                </a:solidFill>
+                <a:effectLst/>
+                <a:latin typeface="Consolas" panose="020B0609020204030204" pitchFamily="49" charset="0"/>
+              </a:rPr>
+              <a:t>json_response</a:t>
+            </a:r>
+            <a:r>
+              <a:rPr lang="fr-FR" b="0" dirty="0">
+                <a:solidFill>
+                  <a:srgbClr val="000000"/>
+                </a:solidFill>
+                <a:effectLst/>
+                <a:latin typeface="Consolas" panose="020B0609020204030204" pitchFamily="49" charset="0"/>
+              </a:rPr>
+              <a:t> = </a:t>
+            </a:r>
+            <a:r>
+              <a:rPr lang="fr-FR" b="0" dirty="0" err="1">
+                <a:solidFill>
+                  <a:srgbClr val="000000"/>
+                </a:solidFill>
+                <a:effectLst/>
+                <a:latin typeface="Consolas" panose="020B0609020204030204" pitchFamily="49" charset="0"/>
+              </a:rPr>
+              <a:t>spotifyAPI.get_track_reco</a:t>
+            </a:r>
+            <a:r>
+              <a:rPr lang="fr-FR" b="0" dirty="0">
+                <a:solidFill>
+                  <a:srgbClr val="000000"/>
+                </a:solidFill>
+                <a:effectLst/>
+                <a:latin typeface="Consolas" panose="020B0609020204030204" pitchFamily="49" charset="0"/>
+              </a:rPr>
+              <a:t>(</a:t>
+            </a:r>
+            <a:r>
+              <a:rPr lang="fr-FR" b="0" dirty="0" err="1">
+                <a:solidFill>
+                  <a:srgbClr val="000000"/>
+                </a:solidFill>
+                <a:effectLst/>
+                <a:latin typeface="Consolas" panose="020B0609020204030204" pitchFamily="49" charset="0"/>
+              </a:rPr>
+              <a:t>lucy_id,token</a:t>
+            </a:r>
+            <a:r>
+              <a:rPr lang="fr-FR" b="0" dirty="0">
+                <a:solidFill>
+                  <a:srgbClr val="000000"/>
+                </a:solidFill>
+                <a:effectLst/>
+                <a:latin typeface="Consolas" panose="020B0609020204030204" pitchFamily="49" charset="0"/>
+              </a:rPr>
+              <a:t>)</a:t>
+            </a:r>
+          </a:p>
+          <a:p>
+            <a:pPr marL="0" indent="0">
+              <a:buNone/>
+            </a:pPr>
+            <a:r>
+              <a:rPr lang="fr-FR" b="0" dirty="0" err="1">
+                <a:solidFill>
+                  <a:srgbClr val="000000"/>
+                </a:solidFill>
+                <a:effectLst/>
+                <a:latin typeface="Consolas" panose="020B0609020204030204" pitchFamily="49" charset="0"/>
+              </a:rPr>
+              <a:t>uris</a:t>
+            </a:r>
+            <a:r>
+              <a:rPr lang="fr-FR" b="0" dirty="0">
+                <a:solidFill>
+                  <a:srgbClr val="000000"/>
+                </a:solidFill>
+                <a:effectLst/>
+                <a:latin typeface="Consolas" panose="020B0609020204030204" pitchFamily="49" charset="0"/>
+              </a:rPr>
+              <a:t> =[]</a:t>
+            </a:r>
+          </a:p>
+          <a:p>
+            <a:pPr marL="0" indent="0">
+              <a:buNone/>
+            </a:pPr>
+            <a:r>
+              <a:rPr lang="fr-FR" b="0" dirty="0">
+                <a:solidFill>
+                  <a:srgbClr val="0000FF"/>
+                </a:solidFill>
+                <a:effectLst/>
+                <a:latin typeface="Consolas" panose="020B0609020204030204" pitchFamily="49" charset="0"/>
+              </a:rPr>
+              <a:t>for</a:t>
+            </a:r>
+            <a:r>
+              <a:rPr lang="fr-FR" b="0" dirty="0">
+                <a:solidFill>
+                  <a:srgbClr val="000000"/>
+                </a:solidFill>
+                <a:effectLst/>
+                <a:latin typeface="Consolas" panose="020B0609020204030204" pitchFamily="49" charset="0"/>
+              </a:rPr>
+              <a:t> i </a:t>
+            </a:r>
+            <a:r>
+              <a:rPr lang="fr-FR" b="0" dirty="0">
+                <a:solidFill>
+                  <a:srgbClr val="0000FF"/>
+                </a:solidFill>
+                <a:effectLst/>
+                <a:latin typeface="Consolas" panose="020B0609020204030204" pitchFamily="49" charset="0"/>
+              </a:rPr>
+              <a:t>in</a:t>
+            </a:r>
+            <a:r>
+              <a:rPr lang="fr-FR" b="0" dirty="0">
+                <a:solidFill>
+                  <a:srgbClr val="000000"/>
+                </a:solidFill>
+                <a:effectLst/>
+                <a:latin typeface="Consolas" panose="020B0609020204030204" pitchFamily="49" charset="0"/>
+              </a:rPr>
+              <a:t> </a:t>
+            </a:r>
+            <a:r>
+              <a:rPr lang="fr-FR" b="0" dirty="0" err="1">
+                <a:solidFill>
+                  <a:srgbClr val="000000"/>
+                </a:solidFill>
+                <a:effectLst/>
+                <a:latin typeface="Consolas" panose="020B0609020204030204" pitchFamily="49" charset="0"/>
+              </a:rPr>
+              <a:t>json_response</a:t>
+            </a:r>
+            <a:r>
+              <a:rPr lang="fr-FR" b="0" dirty="0">
+                <a:solidFill>
+                  <a:srgbClr val="000000"/>
+                </a:solidFill>
+                <a:effectLst/>
+                <a:latin typeface="Consolas" panose="020B0609020204030204" pitchFamily="49" charset="0"/>
+              </a:rPr>
+              <a:t>[</a:t>
+            </a:r>
+            <a:r>
+              <a:rPr lang="fr-FR" b="0" dirty="0">
+                <a:solidFill>
+                  <a:srgbClr val="A31515"/>
+                </a:solidFill>
+                <a:effectLst/>
+                <a:latin typeface="Consolas" panose="020B0609020204030204" pitchFamily="49" charset="0"/>
+              </a:rPr>
+              <a:t>'</a:t>
+            </a:r>
+            <a:r>
+              <a:rPr lang="fr-FR" b="0" dirty="0" err="1">
+                <a:solidFill>
+                  <a:srgbClr val="A31515"/>
+                </a:solidFill>
+                <a:effectLst/>
+                <a:latin typeface="Consolas" panose="020B0609020204030204" pitchFamily="49" charset="0"/>
+              </a:rPr>
+              <a:t>tracks</a:t>
+            </a:r>
+            <a:r>
+              <a:rPr lang="fr-FR" b="0" dirty="0">
+                <a:solidFill>
+                  <a:srgbClr val="A31515"/>
+                </a:solidFill>
+                <a:effectLst/>
+                <a:latin typeface="Consolas" panose="020B0609020204030204" pitchFamily="49" charset="0"/>
+              </a:rPr>
+              <a:t>'</a:t>
+            </a:r>
+            <a:r>
+              <a:rPr lang="fr-FR" b="0" dirty="0">
+                <a:solidFill>
+                  <a:srgbClr val="000000"/>
+                </a:solidFill>
+                <a:effectLst/>
+                <a:latin typeface="Consolas" panose="020B0609020204030204" pitchFamily="49" charset="0"/>
+              </a:rPr>
+              <a:t>]:</a:t>
+            </a:r>
+          </a:p>
+          <a:p>
+            <a:pPr marL="0" indent="0">
+              <a:buNone/>
+            </a:pPr>
+            <a:r>
+              <a:rPr lang="fr-FR" b="0" dirty="0">
+                <a:solidFill>
+                  <a:srgbClr val="000000"/>
+                </a:solidFill>
+                <a:effectLst/>
+                <a:latin typeface="Consolas" panose="020B0609020204030204" pitchFamily="49" charset="0"/>
+              </a:rPr>
+              <a:t>            </a:t>
+            </a:r>
+            <a:r>
+              <a:rPr lang="fr-FR" b="0" dirty="0" err="1">
+                <a:solidFill>
+                  <a:srgbClr val="000000"/>
+                </a:solidFill>
+                <a:effectLst/>
+                <a:latin typeface="Consolas" panose="020B0609020204030204" pitchFamily="49" charset="0"/>
+              </a:rPr>
+              <a:t>uris.append</a:t>
+            </a:r>
+            <a:r>
+              <a:rPr lang="fr-FR" b="0" dirty="0">
+                <a:solidFill>
+                  <a:srgbClr val="000000"/>
+                </a:solidFill>
+                <a:effectLst/>
+                <a:latin typeface="Consolas" panose="020B0609020204030204" pitchFamily="49" charset="0"/>
+              </a:rPr>
+              <a:t>(i)</a:t>
+            </a:r>
+          </a:p>
+          <a:p>
+            <a:pPr marL="0" indent="0">
+              <a:buNone/>
+            </a:pPr>
+            <a:r>
+              <a:rPr lang="fr-FR" b="0" dirty="0">
+                <a:solidFill>
+                  <a:srgbClr val="000000"/>
+                </a:solidFill>
+                <a:effectLst/>
+                <a:latin typeface="Consolas" panose="020B0609020204030204" pitchFamily="49" charset="0"/>
+              </a:rPr>
+              <a:t>            </a:t>
+            </a:r>
+            <a:r>
+              <a:rPr lang="fr-FR" b="0" dirty="0" err="1">
+                <a:solidFill>
+                  <a:srgbClr val="000000"/>
+                </a:solidFill>
+                <a:effectLst/>
+                <a:latin typeface="Consolas" panose="020B0609020204030204" pitchFamily="49" charset="0"/>
+              </a:rPr>
+              <a:t>print</a:t>
+            </a:r>
+            <a:r>
+              <a:rPr lang="fr-FR" b="0" dirty="0">
+                <a:solidFill>
+                  <a:srgbClr val="000000"/>
+                </a:solidFill>
+                <a:effectLst/>
+                <a:latin typeface="Consolas" panose="020B0609020204030204" pitchFamily="49" charset="0"/>
+              </a:rPr>
+              <a:t>(</a:t>
+            </a:r>
+            <a:r>
+              <a:rPr lang="fr-FR" b="0" dirty="0">
+                <a:solidFill>
+                  <a:srgbClr val="0000FF"/>
+                </a:solidFill>
+                <a:effectLst/>
+                <a:latin typeface="Consolas" panose="020B0609020204030204" pitchFamily="49" charset="0"/>
+              </a:rPr>
+              <a:t>f</a:t>
+            </a:r>
+            <a:r>
+              <a:rPr lang="fr-FR" b="0" dirty="0">
+                <a:solidFill>
+                  <a:srgbClr val="A31515"/>
+                </a:solidFill>
+                <a:effectLst/>
+                <a:latin typeface="Consolas" panose="020B0609020204030204" pitchFamily="49" charset="0"/>
+              </a:rPr>
+              <a:t>"</a:t>
+            </a:r>
+            <a:r>
+              <a:rPr lang="fr-FR" b="0" dirty="0">
+                <a:solidFill>
+                  <a:srgbClr val="000000"/>
+                </a:solidFill>
+                <a:effectLst/>
+                <a:latin typeface="Consolas" panose="020B0609020204030204" pitchFamily="49" charset="0"/>
+              </a:rPr>
+              <a:t>\"{i[</a:t>
+            </a:r>
+            <a:r>
+              <a:rPr lang="fr-FR" b="0" dirty="0">
+                <a:solidFill>
+                  <a:srgbClr val="A31515"/>
+                </a:solidFill>
+                <a:effectLst/>
+                <a:latin typeface="Consolas" panose="020B0609020204030204" pitchFamily="49" charset="0"/>
+              </a:rPr>
+              <a:t>'</a:t>
+            </a:r>
+            <a:r>
+              <a:rPr lang="fr-FR" b="0" dirty="0" err="1">
+                <a:solidFill>
+                  <a:srgbClr val="A31515"/>
+                </a:solidFill>
+                <a:effectLst/>
+                <a:latin typeface="Consolas" panose="020B0609020204030204" pitchFamily="49" charset="0"/>
+              </a:rPr>
+              <a:t>name</a:t>
+            </a:r>
+            <a:r>
+              <a:rPr lang="fr-FR" b="0" dirty="0">
+                <a:solidFill>
+                  <a:srgbClr val="A31515"/>
+                </a:solidFill>
+                <a:effectLst/>
+                <a:latin typeface="Consolas" panose="020B0609020204030204" pitchFamily="49" charset="0"/>
+              </a:rPr>
+              <a:t>'</a:t>
+            </a:r>
+            <a:r>
+              <a:rPr lang="fr-FR" b="0" dirty="0">
+                <a:solidFill>
+                  <a:srgbClr val="000000"/>
+                </a:solidFill>
+                <a:effectLst/>
+                <a:latin typeface="Consolas" panose="020B0609020204030204" pitchFamily="49" charset="0"/>
+              </a:rPr>
+              <a:t>]}\"</a:t>
+            </a:r>
+            <a:r>
+              <a:rPr lang="fr-FR" b="0" dirty="0">
+                <a:solidFill>
+                  <a:srgbClr val="A31515"/>
+                </a:solidFill>
+                <a:effectLst/>
+                <a:latin typeface="Consolas" panose="020B0609020204030204" pitchFamily="49" charset="0"/>
+              </a:rPr>
+              <a:t> by </a:t>
+            </a:r>
+            <a:r>
+              <a:rPr lang="fr-FR" b="0" dirty="0">
+                <a:solidFill>
+                  <a:srgbClr val="000000"/>
+                </a:solidFill>
+                <a:effectLst/>
+                <a:latin typeface="Consolas" panose="020B0609020204030204" pitchFamily="49" charset="0"/>
+              </a:rPr>
+              <a:t>{i[</a:t>
+            </a:r>
+            <a:r>
+              <a:rPr lang="fr-FR" b="0" dirty="0">
+                <a:solidFill>
+                  <a:srgbClr val="A31515"/>
+                </a:solidFill>
+                <a:effectLst/>
+                <a:latin typeface="Consolas" panose="020B0609020204030204" pitchFamily="49" charset="0"/>
+              </a:rPr>
+              <a:t>'</a:t>
+            </a:r>
+            <a:r>
+              <a:rPr lang="fr-FR" b="0" dirty="0" err="1">
+                <a:solidFill>
+                  <a:srgbClr val="A31515"/>
+                </a:solidFill>
+                <a:effectLst/>
+                <a:latin typeface="Consolas" panose="020B0609020204030204" pitchFamily="49" charset="0"/>
+              </a:rPr>
+              <a:t>artists</a:t>
+            </a:r>
+            <a:r>
+              <a:rPr lang="fr-FR" b="0" dirty="0">
+                <a:solidFill>
+                  <a:srgbClr val="A31515"/>
+                </a:solidFill>
+                <a:effectLst/>
+                <a:latin typeface="Consolas" panose="020B0609020204030204" pitchFamily="49" charset="0"/>
+              </a:rPr>
+              <a:t>'</a:t>
+            </a:r>
+            <a:r>
+              <a:rPr lang="fr-FR" b="0" dirty="0">
+                <a:solidFill>
+                  <a:srgbClr val="000000"/>
+                </a:solidFill>
+                <a:effectLst/>
+                <a:latin typeface="Consolas" panose="020B0609020204030204" pitchFamily="49" charset="0"/>
+              </a:rPr>
+              <a:t>][</a:t>
+            </a:r>
+            <a:r>
+              <a:rPr lang="fr-FR" b="0" dirty="0">
+                <a:solidFill>
+                  <a:srgbClr val="098658"/>
+                </a:solidFill>
+                <a:effectLst/>
+                <a:latin typeface="Consolas" panose="020B0609020204030204" pitchFamily="49" charset="0"/>
+              </a:rPr>
+              <a:t>0</a:t>
+            </a:r>
+            <a:r>
+              <a:rPr lang="fr-FR" b="0" dirty="0">
+                <a:solidFill>
+                  <a:srgbClr val="000000"/>
+                </a:solidFill>
+                <a:effectLst/>
+                <a:latin typeface="Consolas" panose="020B0609020204030204" pitchFamily="49" charset="0"/>
+              </a:rPr>
+              <a:t>][</a:t>
+            </a:r>
+            <a:r>
+              <a:rPr lang="fr-FR" b="0" dirty="0">
+                <a:solidFill>
+                  <a:srgbClr val="A31515"/>
+                </a:solidFill>
+                <a:effectLst/>
+                <a:latin typeface="Consolas" panose="020B0609020204030204" pitchFamily="49" charset="0"/>
+              </a:rPr>
+              <a:t>'</a:t>
+            </a:r>
+            <a:r>
+              <a:rPr lang="fr-FR" b="0" dirty="0" err="1">
+                <a:solidFill>
+                  <a:srgbClr val="A31515"/>
+                </a:solidFill>
+                <a:effectLst/>
+                <a:latin typeface="Consolas" panose="020B0609020204030204" pitchFamily="49" charset="0"/>
+              </a:rPr>
+              <a:t>name</a:t>
+            </a:r>
+            <a:r>
+              <a:rPr lang="fr-FR" b="0" dirty="0">
+                <a:solidFill>
+                  <a:srgbClr val="A31515"/>
+                </a:solidFill>
+                <a:effectLst/>
+                <a:latin typeface="Consolas" panose="020B0609020204030204" pitchFamily="49" charset="0"/>
+              </a:rPr>
+              <a:t>'</a:t>
+            </a:r>
+            <a:r>
+              <a:rPr lang="fr-FR" b="0" dirty="0">
+                <a:solidFill>
+                  <a:srgbClr val="000000"/>
+                </a:solidFill>
+                <a:effectLst/>
+                <a:latin typeface="Consolas" panose="020B0609020204030204" pitchFamily="49" charset="0"/>
+              </a:rPr>
+              <a:t>]}</a:t>
+            </a:r>
+            <a:r>
+              <a:rPr lang="fr-FR" b="0" dirty="0">
+                <a:solidFill>
+                  <a:srgbClr val="A31515"/>
+                </a:solidFill>
+                <a:effectLst/>
+                <a:latin typeface="Consolas" panose="020B0609020204030204" pitchFamily="49" charset="0"/>
+              </a:rPr>
+              <a:t>"</a:t>
+            </a:r>
+            <a:r>
+              <a:rPr lang="fr-FR" b="0" dirty="0">
+                <a:solidFill>
+                  <a:srgbClr val="000000"/>
+                </a:solidFill>
+                <a:effectLst/>
+                <a:latin typeface="Consolas" panose="020B0609020204030204" pitchFamily="49" charset="0"/>
+              </a:rPr>
+              <a:t>)</a:t>
+            </a:r>
+          </a:p>
+          <a:p>
+            <a:pPr marL="0" indent="0">
+              <a:buNone/>
+            </a:pPr>
+            <a:endParaRPr lang="en-US" dirty="0"/>
+          </a:p>
+        </p:txBody>
+      </p:sp>
+    </p:spTree>
+    <p:extLst>
+      <p:ext uri="{BB962C8B-B14F-4D97-AF65-F5344CB8AC3E}">
+        <p14:creationId xmlns:p14="http://schemas.microsoft.com/office/powerpoint/2010/main" val="3211413765"/>
+      </p:ext>
+    </p:extLst>
+  </p:cSld>
+  <p:clrMapOvr>
+    <a:masterClrMapping/>
+  </p:clrMapOvr>
+</p:sld>
+</file>
+
+<file path=ppt/slides/slide31.xml><?xml version="1.0" encoding="utf-8"?>
+<p:sld xmlns:a="http://schemas.openxmlformats.org/drawingml/2006/main" xmlns:r="http://schemas.openxmlformats.org/officeDocument/2006/relationships" xmlns:p="http://schemas.openxmlformats.org/presentationml/2006/main">
+  <p:cSld>
+    <p:spTree>
+      <p:nvGrpSpPr>
+        <p:cNvPr id="1" name=""/>
+        <p:cNvGrpSpPr/>
+        <p:nvPr/>
+      </p:nvGrpSpPr>
+      <p:grpSpPr>
+        <a:xfrm>
+          <a:off x="0" y="0"/>
+          <a:ext cx="0" cy="0"/>
+          <a:chOff x="0" y="0"/>
+          <a:chExt cx="0" cy="0"/>
+        </a:xfrm>
+      </p:grpSpPr>
+      <p:sp>
+        <p:nvSpPr>
+          <p:cNvPr id="2" name="Titre 1">
+            <a:extLst>
+              <a:ext uri="{FF2B5EF4-FFF2-40B4-BE49-F238E27FC236}">
+                <a16:creationId xmlns:a16="http://schemas.microsoft.com/office/drawing/2014/main" id="{F0FC3381-E3DD-4CEF-87CD-E6FEE43D3C86}"/>
+              </a:ext>
+            </a:extLst>
+          </p:cNvPr>
+          <p:cNvSpPr>
+            <a:spLocks noGrp="1"/>
+          </p:cNvSpPr>
+          <p:nvPr>
+            <p:ph type="title"/>
+          </p:nvPr>
+        </p:nvSpPr>
+        <p:spPr/>
+        <p:txBody>
+          <a:bodyPr/>
+          <a:lstStyle/>
+          <a:p>
+            <a:r>
+              <a:rPr lang="en-US" dirty="0"/>
+              <a:t>Sources</a:t>
+            </a:r>
+          </a:p>
+        </p:txBody>
+      </p:sp>
+      <p:pic>
+        <p:nvPicPr>
+          <p:cNvPr id="4" name="Image 3">
+            <a:extLst>
+              <a:ext uri="{FF2B5EF4-FFF2-40B4-BE49-F238E27FC236}">
+                <a16:creationId xmlns:a16="http://schemas.microsoft.com/office/drawing/2014/main" id="{B29EEE22-6825-4206-B3FB-E40B2EB2E245}"/>
+              </a:ext>
+            </a:extLst>
+          </p:cNvPr>
+          <p:cNvPicPr>
+            <a:picLocks noChangeAspect="1"/>
+          </p:cNvPicPr>
+          <p:nvPr/>
+        </p:nvPicPr>
+        <p:blipFill>
+          <a:blip r:embed="rId2"/>
+          <a:stretch>
+            <a:fillRect/>
+          </a:stretch>
+        </p:blipFill>
+        <p:spPr>
+          <a:xfrm>
+            <a:off x="838200" y="2358084"/>
+            <a:ext cx="10515600" cy="3194685"/>
+          </a:xfrm>
+          <a:prstGeom prst="rect">
+            <a:avLst/>
+          </a:prstGeom>
+        </p:spPr>
+      </p:pic>
+      <p:sp>
+        <p:nvSpPr>
+          <p:cNvPr id="6" name="ZoneTexte 5">
+            <a:extLst>
+              <a:ext uri="{FF2B5EF4-FFF2-40B4-BE49-F238E27FC236}">
+                <a16:creationId xmlns:a16="http://schemas.microsoft.com/office/drawing/2014/main" id="{406AAB81-0EE4-43A8-B2D4-027770D82DB9}"/>
+              </a:ext>
+            </a:extLst>
+          </p:cNvPr>
+          <p:cNvSpPr txBox="1"/>
+          <p:nvPr/>
+        </p:nvSpPr>
+        <p:spPr>
+          <a:xfrm>
+            <a:off x="1163052" y="4393759"/>
+            <a:ext cx="2566737" cy="369332"/>
+          </a:xfrm>
+          <a:prstGeom prst="rect">
+            <a:avLst/>
+          </a:prstGeom>
+          <a:noFill/>
+        </p:spPr>
+        <p:txBody>
+          <a:bodyPr wrap="square">
+            <a:spAutoFit/>
+          </a:bodyPr>
+          <a:lstStyle/>
+          <a:p>
+            <a:r>
+              <a:rPr lang="fr-FR" dirty="0">
+                <a:hlinkClick r:id="rId3"/>
+              </a:rPr>
+              <a:t>Data Structures</a:t>
+            </a:r>
+            <a:endParaRPr lang="en-US" dirty="0"/>
+          </a:p>
+        </p:txBody>
+      </p:sp>
+      <p:sp>
+        <p:nvSpPr>
+          <p:cNvPr id="8" name="ZoneTexte 7">
+            <a:extLst>
+              <a:ext uri="{FF2B5EF4-FFF2-40B4-BE49-F238E27FC236}">
+                <a16:creationId xmlns:a16="http://schemas.microsoft.com/office/drawing/2014/main" id="{D3A804C5-AD18-4895-97CB-C524229B33B6}"/>
+              </a:ext>
+            </a:extLst>
+          </p:cNvPr>
+          <p:cNvSpPr txBox="1"/>
+          <p:nvPr/>
+        </p:nvSpPr>
+        <p:spPr>
+          <a:xfrm>
+            <a:off x="3729789" y="4393759"/>
+            <a:ext cx="2566737" cy="646331"/>
+          </a:xfrm>
+          <a:prstGeom prst="rect">
+            <a:avLst/>
+          </a:prstGeom>
+          <a:noFill/>
+        </p:spPr>
+        <p:txBody>
+          <a:bodyPr wrap="square">
+            <a:spAutoFit/>
+          </a:bodyPr>
+          <a:lstStyle/>
+          <a:p>
+            <a:r>
+              <a:rPr lang="en-US" dirty="0">
+                <a:hlinkClick r:id="rId4"/>
+              </a:rPr>
+              <a:t>Using Python to Access Web Data</a:t>
+            </a:r>
+            <a:endParaRPr lang="en-US" dirty="0"/>
+          </a:p>
+        </p:txBody>
+      </p:sp>
+      <p:sp>
+        <p:nvSpPr>
+          <p:cNvPr id="10" name="ZoneTexte 9">
+            <a:extLst>
+              <a:ext uri="{FF2B5EF4-FFF2-40B4-BE49-F238E27FC236}">
+                <a16:creationId xmlns:a16="http://schemas.microsoft.com/office/drawing/2014/main" id="{67D711CB-16FB-4657-9195-D942B93A86F4}"/>
+              </a:ext>
+            </a:extLst>
+          </p:cNvPr>
+          <p:cNvSpPr txBox="1"/>
+          <p:nvPr/>
+        </p:nvSpPr>
+        <p:spPr>
+          <a:xfrm>
+            <a:off x="1163052" y="5850833"/>
+            <a:ext cx="6096000" cy="369332"/>
+          </a:xfrm>
+          <a:prstGeom prst="rect">
+            <a:avLst/>
+          </a:prstGeom>
+          <a:noFill/>
+        </p:spPr>
+        <p:txBody>
+          <a:bodyPr wrap="square">
+            <a:spAutoFit/>
+          </a:bodyPr>
+          <a:lstStyle/>
+          <a:p>
+            <a:r>
+              <a:rPr lang="fr-FR" dirty="0">
+                <a:hlinkClick r:id="rId5"/>
+              </a:rPr>
+              <a:t>PY4E - Python for </a:t>
+            </a:r>
+            <a:r>
+              <a:rPr lang="fr-FR" dirty="0" err="1">
+                <a:hlinkClick r:id="rId5"/>
+              </a:rPr>
+              <a:t>Everybody</a:t>
+            </a:r>
+            <a:endParaRPr lang="en-US" dirty="0"/>
+          </a:p>
+        </p:txBody>
+      </p:sp>
+      <p:sp>
+        <p:nvSpPr>
+          <p:cNvPr id="12" name="ZoneTexte 11">
+            <a:extLst>
+              <a:ext uri="{FF2B5EF4-FFF2-40B4-BE49-F238E27FC236}">
+                <a16:creationId xmlns:a16="http://schemas.microsoft.com/office/drawing/2014/main" id="{71317CDF-7049-4B3F-8D91-424217FBC5E0}"/>
+              </a:ext>
+            </a:extLst>
+          </p:cNvPr>
+          <p:cNvSpPr txBox="1"/>
+          <p:nvPr/>
+        </p:nvSpPr>
+        <p:spPr>
+          <a:xfrm>
+            <a:off x="5013157" y="5850833"/>
+            <a:ext cx="6096000" cy="369332"/>
+          </a:xfrm>
+          <a:prstGeom prst="rect">
+            <a:avLst/>
+          </a:prstGeom>
+          <a:noFill/>
+        </p:spPr>
+        <p:txBody>
+          <a:bodyPr wrap="square">
+            <a:spAutoFit/>
+          </a:bodyPr>
+          <a:lstStyle/>
+          <a:p>
+            <a:r>
+              <a:rPr lang="en-US" dirty="0">
+                <a:hlinkClick r:id="rId6"/>
+              </a:rPr>
+              <a:t>Python for Everybody (dr-chuck.com)</a:t>
+            </a:r>
+            <a:endParaRPr lang="en-US" dirty="0"/>
+          </a:p>
+        </p:txBody>
+      </p:sp>
+      <p:sp>
+        <p:nvSpPr>
+          <p:cNvPr id="14" name="ZoneTexte 13">
+            <a:extLst>
+              <a:ext uri="{FF2B5EF4-FFF2-40B4-BE49-F238E27FC236}">
+                <a16:creationId xmlns:a16="http://schemas.microsoft.com/office/drawing/2014/main" id="{4444110A-F714-455C-98AD-98981E5CC55E}"/>
+              </a:ext>
+            </a:extLst>
+          </p:cNvPr>
+          <p:cNvSpPr txBox="1"/>
+          <p:nvPr/>
+        </p:nvSpPr>
+        <p:spPr>
+          <a:xfrm>
+            <a:off x="6140115" y="4393759"/>
+            <a:ext cx="2490538" cy="646331"/>
+          </a:xfrm>
+          <a:prstGeom prst="rect">
+            <a:avLst/>
+          </a:prstGeom>
+          <a:noFill/>
+        </p:spPr>
+        <p:txBody>
+          <a:bodyPr wrap="square">
+            <a:spAutoFit/>
+          </a:bodyPr>
+          <a:lstStyle/>
+          <a:p>
+            <a:r>
+              <a:rPr lang="en-US" dirty="0">
+                <a:hlinkClick r:id="rId7"/>
+              </a:rPr>
+              <a:t>Using Databases with Python</a:t>
+            </a:r>
+            <a:endParaRPr lang="en-US" dirty="0"/>
+          </a:p>
+        </p:txBody>
+      </p:sp>
+      <p:sp>
+        <p:nvSpPr>
+          <p:cNvPr id="16" name="ZoneTexte 15">
+            <a:extLst>
+              <a:ext uri="{FF2B5EF4-FFF2-40B4-BE49-F238E27FC236}">
+                <a16:creationId xmlns:a16="http://schemas.microsoft.com/office/drawing/2014/main" id="{F063A0C7-E9D9-4D96-842B-EE56FECB6763}"/>
+              </a:ext>
+            </a:extLst>
+          </p:cNvPr>
+          <p:cNvSpPr txBox="1"/>
+          <p:nvPr/>
+        </p:nvSpPr>
+        <p:spPr>
+          <a:xfrm>
+            <a:off x="8744951" y="4609203"/>
+            <a:ext cx="2646948" cy="430887"/>
+          </a:xfrm>
+          <a:prstGeom prst="rect">
+            <a:avLst/>
+          </a:prstGeom>
+          <a:noFill/>
+        </p:spPr>
+        <p:txBody>
+          <a:bodyPr wrap="square">
+            <a:spAutoFit/>
+          </a:bodyPr>
+          <a:lstStyle/>
+          <a:p>
+            <a:r>
+              <a:rPr lang="en-US" sz="1100" dirty="0">
+                <a:hlinkClick r:id="rId8"/>
+              </a:rPr>
+              <a:t>Capstone: Retrieving, Processing, and Visualizing Data with Python</a:t>
+            </a:r>
+            <a:endParaRPr lang="en-US" sz="1100" dirty="0"/>
+          </a:p>
+        </p:txBody>
+      </p:sp>
+    </p:spTree>
+    <p:extLst>
+      <p:ext uri="{BB962C8B-B14F-4D97-AF65-F5344CB8AC3E}">
+        <p14:creationId xmlns:p14="http://schemas.microsoft.com/office/powerpoint/2010/main" val="28441975"/>
+      </p:ext>
+    </p:extLst>
+  </p:cSld>
+  <p:clrMapOvr>
+    <a:masterClrMapping/>
+  </p:clrMapOvr>
+</p:sld>
+</file>
+
+<file path=ppt/slides/slide32.xml><?xml version="1.0" encoding="utf-8"?>
+<p:sld xmlns:a="http://schemas.openxmlformats.org/drawingml/2006/main" xmlns:r="http://schemas.openxmlformats.org/officeDocument/2006/relationships" xmlns:p="http://schemas.openxmlformats.org/presentationml/2006/main">
+  <p:cSld>
+    <p:spTree>
+      <p:nvGrpSpPr>
+        <p:cNvPr id="1" name=""/>
+        <p:cNvGrpSpPr/>
+        <p:nvPr/>
+      </p:nvGrpSpPr>
+      <p:grpSpPr>
+        <a:xfrm>
+          <a:off x="0" y="0"/>
+          <a:ext cx="0" cy="0"/>
+          <a:chOff x="0" y="0"/>
+          <a:chExt cx="0" cy="0"/>
+        </a:xfrm>
+      </p:grpSpPr>
+      <p:sp>
+        <p:nvSpPr>
+          <p:cNvPr id="2" name="Titre 1">
+            <a:extLst>
+              <a:ext uri="{FF2B5EF4-FFF2-40B4-BE49-F238E27FC236}">
                 <a16:creationId xmlns:a16="http://schemas.microsoft.com/office/drawing/2014/main" id="{788EF08E-C7CA-42D3-85E2-517FE6DD5018}"/>
               </a:ext>
             </a:extLst>
@@ -12463,7 +13141,7 @@
 </p:sld>
 </file>
 
-<file path=ppt/slides/slide28.xml><?xml version="1.0" encoding="utf-8"?>
+<file path=ppt/slides/slide33.xml><?xml version="1.0" encoding="utf-8"?>
 <p:sld xmlns:a="http://schemas.openxmlformats.org/drawingml/2006/main" xmlns:r="http://schemas.openxmlformats.org/officeDocument/2006/relationships" xmlns:p="http://schemas.openxmlformats.org/presentationml/2006/main">
   <p:cSld>
     <p:spTree>
@@ -12686,7 +13364,7 @@
 </p:sld>
 </file>
 
-<file path=ppt/slides/slide29.xml><?xml version="1.0" encoding="utf-8"?>
+<file path=ppt/slides/slide34.xml><?xml version="1.0" encoding="utf-8"?>
 <p:sld xmlns:a="http://schemas.openxmlformats.org/drawingml/2006/main" xmlns:r="http://schemas.openxmlformats.org/officeDocument/2006/relationships" xmlns:p="http://schemas.openxmlformats.org/presentationml/2006/main">
   <p:cSld>
     <p:spTree>
@@ -12875,93 +13553,6 @@
       </p:par>
     </p:tnLst>
   </p:timing>
-</p:sld>
-</file>
-
-<file path=ppt/slides/slide3.xml><?xml version="1.0" encoding="utf-8"?>
-<p:sld xmlns:a="http://schemas.openxmlformats.org/drawingml/2006/main" xmlns:r="http://schemas.openxmlformats.org/officeDocument/2006/relationships" xmlns:p="http://schemas.openxmlformats.org/presentationml/2006/main">
-  <p:cSld>
-    <p:spTree>
-      <p:nvGrpSpPr>
-        <p:cNvPr id="1" name=""/>
-        <p:cNvGrpSpPr/>
-        <p:nvPr/>
-      </p:nvGrpSpPr>
-      <p:grpSpPr>
-        <a:xfrm>
-          <a:off x="0" y="0"/>
-          <a:ext cx="0" cy="0"/>
-          <a:chOff x="0" y="0"/>
-          <a:chExt cx="0" cy="0"/>
-        </a:xfrm>
-      </p:grpSpPr>
-      <p:sp>
-        <p:nvSpPr>
-          <p:cNvPr id="2" name="Titre 1">
-            <a:extLst>
-              <a:ext uri="{FF2B5EF4-FFF2-40B4-BE49-F238E27FC236}">
-                <a16:creationId xmlns:a16="http://schemas.microsoft.com/office/drawing/2014/main" id="{9EFDBF2B-B0DC-4AC5-9913-2ED8068FD2BC}"/>
-              </a:ext>
-            </a:extLst>
-          </p:cNvPr>
-          <p:cNvSpPr>
-            <a:spLocks noGrp="1"/>
-          </p:cNvSpPr>
-          <p:nvPr>
-            <p:ph type="title"/>
-          </p:nvPr>
-        </p:nvSpPr>
-        <p:spPr/>
-        <p:txBody>
-          <a:bodyPr/>
-          <a:lstStyle/>
-          <a:p>
-            <a:r>
-              <a:rPr lang="en-US" dirty="0"/>
-              <a:t>First steps with the prompt</a:t>
-            </a:r>
-          </a:p>
-        </p:txBody>
-      </p:sp>
-      <p:pic>
-        <p:nvPicPr>
-          <p:cNvPr id="11" name="Espace réservé du contenu 10">
-            <a:extLst>
-              <a:ext uri="{FF2B5EF4-FFF2-40B4-BE49-F238E27FC236}">
-                <a16:creationId xmlns:a16="http://schemas.microsoft.com/office/drawing/2014/main" id="{807E2F6C-5CEA-4BCB-A08C-25C7CBCEFD26}"/>
-              </a:ext>
-            </a:extLst>
-          </p:cNvPr>
-          <p:cNvPicPr>
-            <a:picLocks noGrp="1" noChangeAspect="1"/>
-          </p:cNvPicPr>
-          <p:nvPr>
-            <p:ph idx="1"/>
-          </p:nvPr>
-        </p:nvPicPr>
-        <p:blipFill>
-          <a:blip r:embed="rId2"/>
-          <a:stretch>
-            <a:fillRect/>
-          </a:stretch>
-        </p:blipFill>
-        <p:spPr>
-          <a:xfrm>
-            <a:off x="2340502" y="1825625"/>
-            <a:ext cx="7510995" cy="4351338"/>
-          </a:xfrm>
-        </p:spPr>
-      </p:pic>
-    </p:spTree>
-    <p:extLst>
-      <p:ext uri="{BB962C8B-B14F-4D97-AF65-F5344CB8AC3E}">
-        <p14:creationId xmlns:p14="http://schemas.microsoft.com/office/powerpoint/2010/main" val="2119875588"/>
-      </p:ext>
-    </p:extLst>
-  </p:cSld>
-  <p:clrMapOvr>
-    <a:masterClrMapping/>
-  </p:clrMapOvr>
 </p:sld>
 </file>
 
@@ -16020,14 +16611,14 @@
   <ds:schemaRefs>
     <ds:schemaRef ds:uri="http://purl.org/dc/dcmitype/"/>
     <ds:schemaRef ds:uri="http://schemas.microsoft.com/office/infopath/2007/PartnerControls"/>
-    <ds:schemaRef ds:uri="http://schemas.microsoft.com/office/2006/documentManagement/types"/>
+    <ds:schemaRef ds:uri="http://purl.org/dc/elements/1.1/"/>
     <ds:schemaRef ds:uri="http://schemas.microsoft.com/office/2006/metadata/properties"/>
     <ds:schemaRef ds:uri="9dedd0e5-2411-41b4-8289-a9914e1c21fb"/>
     <ds:schemaRef ds:uri="http://purl.org/dc/terms/"/>
+    <ds:schemaRef ds:uri="http://schemas.microsoft.com/office/2006/documentManagement/types"/>
     <ds:schemaRef ds:uri="http://schemas.openxmlformats.org/package/2006/metadata/core-properties"/>
     <ds:schemaRef ds:uri="4da1fc23-a86a-4917-bd57-590cf338ff58"/>
     <ds:schemaRef ds:uri="http://www.w3.org/XML/1998/namespace"/>
-    <ds:schemaRef ds:uri="http://purl.org/dc/elements/1.1/"/>
   </ds:schemaRefs>
 </ds:datastoreItem>
 </file>